--- a/Gatliffe-Panter-Zhang.pptx
+++ b/Gatliffe-Panter-Zhang.pptx
@@ -4,9 +4,22 @@
   <p:sldMasterIdLst>
     <p:sldMasterId id="2147483648" r:id="rId1"/>
   </p:sldMasterIdLst>
+  <p:notesMasterIdLst>
+    <p:notesMasterId r:id="rId14"/>
+  </p:notesMasterIdLst>
   <p:sldIdLst>
     <p:sldId id="256" r:id="rId2"/>
-    <p:sldId id="257" r:id="rId3"/>
+    <p:sldId id="258" r:id="rId3"/>
+    <p:sldId id="257" r:id="rId4"/>
+    <p:sldId id="259" r:id="rId5"/>
+    <p:sldId id="260" r:id="rId6"/>
+    <p:sldId id="261" r:id="rId7"/>
+    <p:sldId id="262" r:id="rId8"/>
+    <p:sldId id="263" r:id="rId9"/>
+    <p:sldId id="264" r:id="rId10"/>
+    <p:sldId id="265" r:id="rId11"/>
+    <p:sldId id="266" r:id="rId12"/>
+    <p:sldId id="267" r:id="rId13"/>
   </p:sldIdLst>
   <p:sldSz cx="9144000" cy="6858000" type="screen4x3"/>
   <p:notesSz cx="6858000" cy="9144000"/>
@@ -106,6 +119,620 @@
     </a:lvl9pPr>
   </p:defaultTextStyle>
 </p:presentation>
+</file>
+
+<file path=ppt/notesMasters/notesMaster1.xml><?xml version="1.0" encoding="utf-8"?>
+<p:notesMaster xmlns:a="http://schemas.openxmlformats.org/drawingml/2006/main" xmlns:r="http://schemas.openxmlformats.org/officeDocument/2006/relationships" xmlns:p="http://schemas.openxmlformats.org/presentationml/2006/main">
+  <p:cSld>
+    <p:bg>
+      <p:bgRef idx="1001">
+        <a:schemeClr val="bg1"/>
+      </p:bgRef>
+    </p:bg>
+    <p:spTree>
+      <p:nvGrpSpPr>
+        <p:cNvPr id="1" name=""/>
+        <p:cNvGrpSpPr/>
+        <p:nvPr/>
+      </p:nvGrpSpPr>
+      <p:grpSpPr>
+        <a:xfrm>
+          <a:off x="0" y="0"/>
+          <a:ext cx="0" cy="0"/>
+          <a:chOff x="0" y="0"/>
+          <a:chExt cx="0" cy="0"/>
+        </a:xfrm>
+      </p:grpSpPr>
+      <p:sp>
+        <p:nvSpPr>
+          <p:cNvPr id="2" name="Header Placeholder 1"/>
+          <p:cNvSpPr>
+            <a:spLocks noGrp="1"/>
+          </p:cNvSpPr>
+          <p:nvPr>
+            <p:ph type="hdr" sz="quarter"/>
+          </p:nvPr>
+        </p:nvSpPr>
+        <p:spPr>
+          <a:xfrm>
+            <a:off x="0" y="0"/>
+            <a:ext cx="2971800" cy="457200"/>
+          </a:xfrm>
+          <a:prstGeom prst="rect">
+            <a:avLst/>
+          </a:prstGeom>
+        </p:spPr>
+        <p:txBody>
+          <a:bodyPr vert="horz" lIns="91440" tIns="45720" rIns="91440" bIns="45720" rtlCol="0"/>
+          <a:lstStyle>
+            <a:lvl1pPr algn="l">
+              <a:defRPr sz="1200"/>
+            </a:lvl1pPr>
+          </a:lstStyle>
+          <a:p>
+            <a:endParaRPr lang="en-US"/>
+          </a:p>
+        </p:txBody>
+      </p:sp>
+      <p:sp>
+        <p:nvSpPr>
+          <p:cNvPr id="3" name="Date Placeholder 2"/>
+          <p:cNvSpPr>
+            <a:spLocks noGrp="1"/>
+          </p:cNvSpPr>
+          <p:nvPr>
+            <p:ph type="dt" idx="1"/>
+          </p:nvPr>
+        </p:nvSpPr>
+        <p:spPr>
+          <a:xfrm>
+            <a:off x="3884613" y="0"/>
+            <a:ext cx="2971800" cy="457200"/>
+          </a:xfrm>
+          <a:prstGeom prst="rect">
+            <a:avLst/>
+          </a:prstGeom>
+        </p:spPr>
+        <p:txBody>
+          <a:bodyPr vert="horz" lIns="91440" tIns="45720" rIns="91440" bIns="45720" rtlCol="0"/>
+          <a:lstStyle>
+            <a:lvl1pPr algn="r">
+              <a:defRPr sz="1200"/>
+            </a:lvl1pPr>
+          </a:lstStyle>
+          <a:p>
+            <a:fld id="{EBE27A92-6148-AF40-A9D9-D13149311F34}" type="datetimeFigureOut">
+              <a:rPr lang="en-US" smtClean="0"/>
+              <a:t>9/24/18</a:t>
+            </a:fld>
+            <a:endParaRPr lang="en-US"/>
+          </a:p>
+        </p:txBody>
+      </p:sp>
+      <p:sp>
+        <p:nvSpPr>
+          <p:cNvPr id="4" name="Slide Image Placeholder 3"/>
+          <p:cNvSpPr>
+            <a:spLocks noGrp="1" noRot="1" noChangeAspect="1"/>
+          </p:cNvSpPr>
+          <p:nvPr>
+            <p:ph type="sldImg" idx="2"/>
+          </p:nvPr>
+        </p:nvSpPr>
+        <p:spPr>
+          <a:xfrm>
+            <a:off x="1143000" y="685800"/>
+            <a:ext cx="4572000" cy="3429000"/>
+          </a:xfrm>
+          <a:prstGeom prst="rect">
+            <a:avLst/>
+          </a:prstGeom>
+          <a:noFill/>
+          <a:ln w="12700">
+            <a:solidFill>
+              <a:prstClr val="black"/>
+            </a:solidFill>
+          </a:ln>
+        </p:spPr>
+        <p:txBody>
+          <a:bodyPr vert="horz" lIns="91440" tIns="45720" rIns="91440" bIns="45720" rtlCol="0" anchor="ctr"/>
+          <a:lstStyle/>
+          <a:p>
+            <a:endParaRPr lang="en-US"/>
+          </a:p>
+        </p:txBody>
+      </p:sp>
+      <p:sp>
+        <p:nvSpPr>
+          <p:cNvPr id="5" name="Notes Placeholder 4"/>
+          <p:cNvSpPr>
+            <a:spLocks noGrp="1"/>
+          </p:cNvSpPr>
+          <p:nvPr>
+            <p:ph type="body" sz="quarter" idx="3"/>
+          </p:nvPr>
+        </p:nvSpPr>
+        <p:spPr>
+          <a:xfrm>
+            <a:off x="685800" y="4343400"/>
+            <a:ext cx="5486400" cy="4114800"/>
+          </a:xfrm>
+          <a:prstGeom prst="rect">
+            <a:avLst/>
+          </a:prstGeom>
+        </p:spPr>
+        <p:txBody>
+          <a:bodyPr vert="horz" lIns="91440" tIns="45720" rIns="91440" bIns="45720" rtlCol="0"/>
+          <a:lstStyle/>
+          <a:p>
+            <a:pPr lvl="0"/>
+            <a:r>
+              <a:rPr lang="en-US" smtClean="0"/>
+              <a:t>Click to edit Master text styles</a:t>
+            </a:r>
+          </a:p>
+          <a:p>
+            <a:pPr lvl="1"/>
+            <a:r>
+              <a:rPr lang="en-US" smtClean="0"/>
+              <a:t>Second level</a:t>
+            </a:r>
+          </a:p>
+          <a:p>
+            <a:pPr lvl="2"/>
+            <a:r>
+              <a:rPr lang="en-US" smtClean="0"/>
+              <a:t>Third level</a:t>
+            </a:r>
+          </a:p>
+          <a:p>
+            <a:pPr lvl="3"/>
+            <a:r>
+              <a:rPr lang="en-US" smtClean="0"/>
+              <a:t>Fourth level</a:t>
+            </a:r>
+          </a:p>
+          <a:p>
+            <a:pPr lvl="4"/>
+            <a:r>
+              <a:rPr lang="en-US" smtClean="0"/>
+              <a:t>Fifth level</a:t>
+            </a:r>
+            <a:endParaRPr lang="en-US"/>
+          </a:p>
+        </p:txBody>
+      </p:sp>
+      <p:sp>
+        <p:nvSpPr>
+          <p:cNvPr id="6" name="Footer Placeholder 5"/>
+          <p:cNvSpPr>
+            <a:spLocks noGrp="1"/>
+          </p:cNvSpPr>
+          <p:nvPr>
+            <p:ph type="ftr" sz="quarter" idx="4"/>
+          </p:nvPr>
+        </p:nvSpPr>
+        <p:spPr>
+          <a:xfrm>
+            <a:off x="0" y="8685213"/>
+            <a:ext cx="2971800" cy="457200"/>
+          </a:xfrm>
+          <a:prstGeom prst="rect">
+            <a:avLst/>
+          </a:prstGeom>
+        </p:spPr>
+        <p:txBody>
+          <a:bodyPr vert="horz" lIns="91440" tIns="45720" rIns="91440" bIns="45720" rtlCol="0" anchor="b"/>
+          <a:lstStyle>
+            <a:lvl1pPr algn="l">
+              <a:defRPr sz="1200"/>
+            </a:lvl1pPr>
+          </a:lstStyle>
+          <a:p>
+            <a:endParaRPr lang="en-US"/>
+          </a:p>
+        </p:txBody>
+      </p:sp>
+      <p:sp>
+        <p:nvSpPr>
+          <p:cNvPr id="7" name="Slide Number Placeholder 6"/>
+          <p:cNvSpPr>
+            <a:spLocks noGrp="1"/>
+          </p:cNvSpPr>
+          <p:nvPr>
+            <p:ph type="sldNum" sz="quarter" idx="5"/>
+          </p:nvPr>
+        </p:nvSpPr>
+        <p:spPr>
+          <a:xfrm>
+            <a:off x="3884613" y="8685213"/>
+            <a:ext cx="2971800" cy="457200"/>
+          </a:xfrm>
+          <a:prstGeom prst="rect">
+            <a:avLst/>
+          </a:prstGeom>
+        </p:spPr>
+        <p:txBody>
+          <a:bodyPr vert="horz" lIns="91440" tIns="45720" rIns="91440" bIns="45720" rtlCol="0" anchor="b"/>
+          <a:lstStyle>
+            <a:lvl1pPr algn="r">
+              <a:defRPr sz="1200"/>
+            </a:lvl1pPr>
+          </a:lstStyle>
+          <a:p>
+            <a:fld id="{EA7F0D18-714B-DE43-922F-9B04FADD145C}" type="slidenum">
+              <a:rPr lang="en-US" smtClean="0"/>
+              <a:t>‹#›</a:t>
+            </a:fld>
+            <a:endParaRPr lang="en-US"/>
+          </a:p>
+        </p:txBody>
+      </p:sp>
+    </p:spTree>
+    <p:extLst>
+      <p:ext uri="{BB962C8B-B14F-4D97-AF65-F5344CB8AC3E}">
+        <p14:creationId xmlns:p14="http://schemas.microsoft.com/office/powerpoint/2010/main" val="301936908"/>
+      </p:ext>
+    </p:extLst>
+  </p:cSld>
+  <p:clrMap bg1="lt1" tx1="dk1" bg2="lt2" tx2="dk2" accent1="accent1" accent2="accent2" accent3="accent3" accent4="accent4" accent5="accent5" accent6="accent6" hlink="hlink" folHlink="folHlink"/>
+  <p:notesStyle>
+    <a:lvl1pPr marL="0" algn="l" defTabSz="457200" rtl="0" eaLnBrk="1" latinLnBrk="0" hangingPunct="1">
+      <a:defRPr sz="1200" kern="1200">
+        <a:solidFill>
+          <a:schemeClr val="tx1"/>
+        </a:solidFill>
+        <a:latin typeface="+mn-lt"/>
+        <a:ea typeface="+mn-ea"/>
+        <a:cs typeface="+mn-cs"/>
+      </a:defRPr>
+    </a:lvl1pPr>
+    <a:lvl2pPr marL="457200" algn="l" defTabSz="457200" rtl="0" eaLnBrk="1" latinLnBrk="0" hangingPunct="1">
+      <a:defRPr sz="1200" kern="1200">
+        <a:solidFill>
+          <a:schemeClr val="tx1"/>
+        </a:solidFill>
+        <a:latin typeface="+mn-lt"/>
+        <a:ea typeface="+mn-ea"/>
+        <a:cs typeface="+mn-cs"/>
+      </a:defRPr>
+    </a:lvl2pPr>
+    <a:lvl3pPr marL="914400" algn="l" defTabSz="457200" rtl="0" eaLnBrk="1" latinLnBrk="0" hangingPunct="1">
+      <a:defRPr sz="1200" kern="1200">
+        <a:solidFill>
+          <a:schemeClr val="tx1"/>
+        </a:solidFill>
+        <a:latin typeface="+mn-lt"/>
+        <a:ea typeface="+mn-ea"/>
+        <a:cs typeface="+mn-cs"/>
+      </a:defRPr>
+    </a:lvl3pPr>
+    <a:lvl4pPr marL="1371600" algn="l" defTabSz="457200" rtl="0" eaLnBrk="1" latinLnBrk="0" hangingPunct="1">
+      <a:defRPr sz="1200" kern="1200">
+        <a:solidFill>
+          <a:schemeClr val="tx1"/>
+        </a:solidFill>
+        <a:latin typeface="+mn-lt"/>
+        <a:ea typeface="+mn-ea"/>
+        <a:cs typeface="+mn-cs"/>
+      </a:defRPr>
+    </a:lvl4pPr>
+    <a:lvl5pPr marL="1828800" algn="l" defTabSz="457200" rtl="0" eaLnBrk="1" latinLnBrk="0" hangingPunct="1">
+      <a:defRPr sz="1200" kern="1200">
+        <a:solidFill>
+          <a:schemeClr val="tx1"/>
+        </a:solidFill>
+        <a:latin typeface="+mn-lt"/>
+        <a:ea typeface="+mn-ea"/>
+        <a:cs typeface="+mn-cs"/>
+      </a:defRPr>
+    </a:lvl5pPr>
+    <a:lvl6pPr marL="2286000" algn="l" defTabSz="457200" rtl="0" eaLnBrk="1" latinLnBrk="0" hangingPunct="1">
+      <a:defRPr sz="1200" kern="1200">
+        <a:solidFill>
+          <a:schemeClr val="tx1"/>
+        </a:solidFill>
+        <a:latin typeface="+mn-lt"/>
+        <a:ea typeface="+mn-ea"/>
+        <a:cs typeface="+mn-cs"/>
+      </a:defRPr>
+    </a:lvl6pPr>
+    <a:lvl7pPr marL="2743200" algn="l" defTabSz="457200" rtl="0" eaLnBrk="1" latinLnBrk="0" hangingPunct="1">
+      <a:defRPr sz="1200" kern="1200">
+        <a:solidFill>
+          <a:schemeClr val="tx1"/>
+        </a:solidFill>
+        <a:latin typeface="+mn-lt"/>
+        <a:ea typeface="+mn-ea"/>
+        <a:cs typeface="+mn-cs"/>
+      </a:defRPr>
+    </a:lvl7pPr>
+    <a:lvl8pPr marL="3200400" algn="l" defTabSz="457200" rtl="0" eaLnBrk="1" latinLnBrk="0" hangingPunct="1">
+      <a:defRPr sz="1200" kern="1200">
+        <a:solidFill>
+          <a:schemeClr val="tx1"/>
+        </a:solidFill>
+        <a:latin typeface="+mn-lt"/>
+        <a:ea typeface="+mn-ea"/>
+        <a:cs typeface="+mn-cs"/>
+      </a:defRPr>
+    </a:lvl8pPr>
+    <a:lvl9pPr marL="3657600" algn="l" defTabSz="457200" rtl="0" eaLnBrk="1" latinLnBrk="0" hangingPunct="1">
+      <a:defRPr sz="1200" kern="1200">
+        <a:solidFill>
+          <a:schemeClr val="tx1"/>
+        </a:solidFill>
+        <a:latin typeface="+mn-lt"/>
+        <a:ea typeface="+mn-ea"/>
+        <a:cs typeface="+mn-cs"/>
+      </a:defRPr>
+    </a:lvl9pPr>
+  </p:notesStyle>
+</p:notesMaster>
+</file>
+
+<file path=ppt/notesSlides/notesSlide1.xml><?xml version="1.0" encoding="utf-8"?>
+<p:notes xmlns:a="http://schemas.openxmlformats.org/drawingml/2006/main" xmlns:r="http://schemas.openxmlformats.org/officeDocument/2006/relationships" xmlns:p="http://schemas.openxmlformats.org/presentationml/2006/main">
+  <p:cSld>
+    <p:spTree>
+      <p:nvGrpSpPr>
+        <p:cNvPr id="1" name=""/>
+        <p:cNvGrpSpPr/>
+        <p:nvPr/>
+      </p:nvGrpSpPr>
+      <p:grpSpPr>
+        <a:xfrm>
+          <a:off x="0" y="0"/>
+          <a:ext cx="0" cy="0"/>
+          <a:chOff x="0" y="0"/>
+          <a:chExt cx="0" cy="0"/>
+        </a:xfrm>
+      </p:grpSpPr>
+      <p:sp>
+        <p:nvSpPr>
+          <p:cNvPr id="2" name="Slide Image Placeholder 1"/>
+          <p:cNvSpPr>
+            <a:spLocks noGrp="1" noRot="1" noChangeAspect="1"/>
+          </p:cNvSpPr>
+          <p:nvPr>
+            <p:ph type="sldImg"/>
+          </p:nvPr>
+        </p:nvSpPr>
+        <p:spPr/>
+      </p:sp>
+      <p:sp>
+        <p:nvSpPr>
+          <p:cNvPr id="3" name="Notes Placeholder 2"/>
+          <p:cNvSpPr>
+            <a:spLocks noGrp="1"/>
+          </p:cNvSpPr>
+          <p:nvPr>
+            <p:ph type="body" idx="1"/>
+          </p:nvPr>
+        </p:nvSpPr>
+        <p:spPr/>
+        <p:txBody>
+          <a:bodyPr/>
+          <a:lstStyle/>
+          <a:p>
+            <a:r>
+              <a:rPr lang="en-US" dirty="0" smtClean="0"/>
+              <a:t>Lee</a:t>
+            </a:r>
+            <a:endParaRPr lang="en-US" dirty="0"/>
+          </a:p>
+        </p:txBody>
+      </p:sp>
+      <p:sp>
+        <p:nvSpPr>
+          <p:cNvPr id="4" name="Slide Number Placeholder 3"/>
+          <p:cNvSpPr>
+            <a:spLocks noGrp="1"/>
+          </p:cNvSpPr>
+          <p:nvPr>
+            <p:ph type="sldNum" sz="quarter" idx="10"/>
+          </p:nvPr>
+        </p:nvSpPr>
+        <p:spPr/>
+        <p:txBody>
+          <a:bodyPr/>
+          <a:lstStyle/>
+          <a:p>
+            <a:fld id="{EA7F0D18-714B-DE43-922F-9B04FADD145C}" type="slidenum">
+              <a:rPr lang="en-US" smtClean="0"/>
+              <a:t>1</a:t>
+            </a:fld>
+            <a:endParaRPr lang="en-US"/>
+          </a:p>
+        </p:txBody>
+      </p:sp>
+    </p:spTree>
+    <p:extLst>
+      <p:ext uri="{BB962C8B-B14F-4D97-AF65-F5344CB8AC3E}">
+        <p14:creationId xmlns:p14="http://schemas.microsoft.com/office/powerpoint/2010/main" val="1746608413"/>
+      </p:ext>
+    </p:extLst>
+  </p:cSld>
+  <p:clrMapOvr>
+    <a:masterClrMapping/>
+  </p:clrMapOvr>
+</p:notes>
+</file>
+
+<file path=ppt/notesSlides/notesSlide2.xml><?xml version="1.0" encoding="utf-8"?>
+<p:notes xmlns:a="http://schemas.openxmlformats.org/drawingml/2006/main" xmlns:r="http://schemas.openxmlformats.org/officeDocument/2006/relationships" xmlns:p="http://schemas.openxmlformats.org/presentationml/2006/main">
+  <p:cSld>
+    <p:spTree>
+      <p:nvGrpSpPr>
+        <p:cNvPr id="1" name=""/>
+        <p:cNvGrpSpPr/>
+        <p:nvPr/>
+      </p:nvGrpSpPr>
+      <p:grpSpPr>
+        <a:xfrm>
+          <a:off x="0" y="0"/>
+          <a:ext cx="0" cy="0"/>
+          <a:chOff x="0" y="0"/>
+          <a:chExt cx="0" cy="0"/>
+        </a:xfrm>
+      </p:grpSpPr>
+      <p:sp>
+        <p:nvSpPr>
+          <p:cNvPr id="2" name="Slide Image Placeholder 1"/>
+          <p:cNvSpPr>
+            <a:spLocks noGrp="1" noRot="1" noChangeAspect="1"/>
+          </p:cNvSpPr>
+          <p:nvPr>
+            <p:ph type="sldImg"/>
+          </p:nvPr>
+        </p:nvSpPr>
+        <p:spPr/>
+      </p:sp>
+      <p:sp>
+        <p:nvSpPr>
+          <p:cNvPr id="3" name="Notes Placeholder 2"/>
+          <p:cNvSpPr>
+            <a:spLocks noGrp="1"/>
+          </p:cNvSpPr>
+          <p:nvPr>
+            <p:ph type="body" idx="1"/>
+          </p:nvPr>
+        </p:nvSpPr>
+        <p:spPr/>
+        <p:txBody>
+          <a:bodyPr/>
+          <a:lstStyle/>
+          <a:p>
+            <a:r>
+              <a:rPr lang="en-US" dirty="0" smtClean="0"/>
+              <a:t>Lee</a:t>
+            </a:r>
+            <a:endParaRPr lang="en-US" dirty="0"/>
+          </a:p>
+        </p:txBody>
+      </p:sp>
+      <p:sp>
+        <p:nvSpPr>
+          <p:cNvPr id="4" name="Slide Number Placeholder 3"/>
+          <p:cNvSpPr>
+            <a:spLocks noGrp="1"/>
+          </p:cNvSpPr>
+          <p:nvPr>
+            <p:ph type="sldNum" sz="quarter" idx="10"/>
+          </p:nvPr>
+        </p:nvSpPr>
+        <p:spPr/>
+        <p:txBody>
+          <a:bodyPr/>
+          <a:lstStyle/>
+          <a:p>
+            <a:fld id="{EA7F0D18-714B-DE43-922F-9B04FADD145C}" type="slidenum">
+              <a:rPr lang="en-US" smtClean="0"/>
+              <a:t>2</a:t>
+            </a:fld>
+            <a:endParaRPr lang="en-US"/>
+          </a:p>
+        </p:txBody>
+      </p:sp>
+    </p:spTree>
+    <p:extLst>
+      <p:ext uri="{BB962C8B-B14F-4D97-AF65-F5344CB8AC3E}">
+        <p14:creationId xmlns:p14="http://schemas.microsoft.com/office/powerpoint/2010/main" val="2143740425"/>
+      </p:ext>
+    </p:extLst>
+  </p:cSld>
+  <p:clrMapOvr>
+    <a:masterClrMapping/>
+  </p:clrMapOvr>
+</p:notes>
+</file>
+
+<file path=ppt/notesSlides/notesSlide3.xml><?xml version="1.0" encoding="utf-8"?>
+<p:notes xmlns:a="http://schemas.openxmlformats.org/drawingml/2006/main" xmlns:r="http://schemas.openxmlformats.org/officeDocument/2006/relationships" xmlns:p="http://schemas.openxmlformats.org/presentationml/2006/main">
+  <p:cSld>
+    <p:spTree>
+      <p:nvGrpSpPr>
+        <p:cNvPr id="1" name=""/>
+        <p:cNvGrpSpPr/>
+        <p:nvPr/>
+      </p:nvGrpSpPr>
+      <p:grpSpPr>
+        <a:xfrm>
+          <a:off x="0" y="0"/>
+          <a:ext cx="0" cy="0"/>
+          <a:chOff x="0" y="0"/>
+          <a:chExt cx="0" cy="0"/>
+        </a:xfrm>
+      </p:grpSpPr>
+      <p:sp>
+        <p:nvSpPr>
+          <p:cNvPr id="2" name="Slide Image Placeholder 1"/>
+          <p:cNvSpPr>
+            <a:spLocks noGrp="1" noRot="1" noChangeAspect="1"/>
+          </p:cNvSpPr>
+          <p:nvPr>
+            <p:ph type="sldImg"/>
+          </p:nvPr>
+        </p:nvSpPr>
+        <p:spPr/>
+      </p:sp>
+      <p:sp>
+        <p:nvSpPr>
+          <p:cNvPr id="3" name="Notes Placeholder 2"/>
+          <p:cNvSpPr>
+            <a:spLocks noGrp="1"/>
+          </p:cNvSpPr>
+          <p:nvPr>
+            <p:ph type="body" idx="1"/>
+          </p:nvPr>
+        </p:nvSpPr>
+        <p:spPr/>
+        <p:txBody>
+          <a:bodyPr/>
+          <a:lstStyle/>
+          <a:p>
+            <a:r>
+              <a:rPr lang="en-US" dirty="0" smtClean="0"/>
+              <a:t>Lee</a:t>
+            </a:r>
+            <a:endParaRPr lang="en-US" dirty="0"/>
+          </a:p>
+        </p:txBody>
+      </p:sp>
+      <p:sp>
+        <p:nvSpPr>
+          <p:cNvPr id="4" name="Slide Number Placeholder 3"/>
+          <p:cNvSpPr>
+            <a:spLocks noGrp="1"/>
+          </p:cNvSpPr>
+          <p:nvPr>
+            <p:ph type="sldNum" sz="quarter" idx="10"/>
+          </p:nvPr>
+        </p:nvSpPr>
+        <p:spPr/>
+        <p:txBody>
+          <a:bodyPr/>
+          <a:lstStyle/>
+          <a:p>
+            <a:fld id="{EA7F0D18-714B-DE43-922F-9B04FADD145C}" type="slidenum">
+              <a:rPr lang="en-US" smtClean="0"/>
+              <a:t>3</a:t>
+            </a:fld>
+            <a:endParaRPr lang="en-US"/>
+          </a:p>
+        </p:txBody>
+      </p:sp>
+    </p:spTree>
+    <p:extLst>
+      <p:ext uri="{BB962C8B-B14F-4D97-AF65-F5344CB8AC3E}">
+        <p14:creationId xmlns:p14="http://schemas.microsoft.com/office/powerpoint/2010/main" val="1454765891"/>
+      </p:ext>
+    </p:extLst>
+  </p:cSld>
+  <p:clrMapOvr>
+    <a:masterClrMapping/>
+  </p:clrMapOvr>
+</p:notes>
 </file>
 
 <file path=ppt/slideLayouts/slideLayout1.xml><?xml version="1.0" encoding="utf-8"?>
@@ -3156,10 +3783,10 @@
           <a:lstStyle/>
           <a:p>
             <a:r>
-              <a:rPr lang="en-US" dirty="0" smtClean="0"/>
+              <a:rPr lang="en-US" b="1" dirty="0" smtClean="0"/>
               <a:t>Will it Rain/ Snow Tomorrow?</a:t>
             </a:r>
-            <a:endParaRPr lang="en-US" dirty="0"/>
+            <a:endParaRPr lang="en-US" b="1" dirty="0"/>
           </a:p>
         </p:txBody>
       </p:sp>
@@ -3315,7 +3942,7 @@
           <p:nvPr/>
         </p:nvPicPr>
         <p:blipFill>
-          <a:blip r:embed="rId2">
+          <a:blip r:embed="rId3">
             <a:extLst>
               <a:ext uri="{28A0092B-C50C-407E-A947-70E740481C1C}">
                 <a14:useLocalDpi xmlns:a14="http://schemas.microsoft.com/office/drawing/2010/main" val="0"/>
@@ -3334,12 +3961,222 @@
           <a:prstGeom prst="rect">
             <a:avLst/>
           </a:prstGeom>
+          <a:ln>
+            <a:noFill/>
+          </a:ln>
+          <a:effectLst>
+            <a:softEdge rad="112500"/>
+          </a:effectLst>
         </p:spPr>
       </p:pic>
     </p:spTree>
     <p:extLst>
       <p:ext uri="{BB962C8B-B14F-4D97-AF65-F5344CB8AC3E}">
         <p14:creationId xmlns:p14="http://schemas.microsoft.com/office/powerpoint/2010/main" val="1927387802"/>
+      </p:ext>
+    </p:extLst>
+  </p:cSld>
+  <p:clrMapOvr>
+    <a:masterClrMapping/>
+  </p:clrMapOvr>
+</p:sld>
+</file>
+
+<file path=ppt/slides/slide10.xml><?xml version="1.0" encoding="utf-8"?>
+<p:sld xmlns:a="http://schemas.openxmlformats.org/drawingml/2006/main" xmlns:r="http://schemas.openxmlformats.org/officeDocument/2006/relationships" xmlns:p="http://schemas.openxmlformats.org/presentationml/2006/main">
+  <p:cSld>
+    <p:spTree>
+      <p:nvGrpSpPr>
+        <p:cNvPr id="1" name=""/>
+        <p:cNvGrpSpPr/>
+        <p:nvPr/>
+      </p:nvGrpSpPr>
+      <p:grpSpPr>
+        <a:xfrm>
+          <a:off x="0" y="0"/>
+          <a:ext cx="0" cy="0"/>
+          <a:chOff x="0" y="0"/>
+          <a:chExt cx="0" cy="0"/>
+        </a:xfrm>
+      </p:grpSpPr>
+      <p:sp>
+        <p:nvSpPr>
+          <p:cNvPr id="2" name="Title 1"/>
+          <p:cNvSpPr>
+            <a:spLocks noGrp="1"/>
+          </p:cNvSpPr>
+          <p:nvPr>
+            <p:ph type="title"/>
+          </p:nvPr>
+        </p:nvSpPr>
+        <p:spPr/>
+        <p:txBody>
+          <a:bodyPr/>
+          <a:lstStyle/>
+          <a:p>
+            <a:endParaRPr lang="en-US"/>
+          </a:p>
+        </p:txBody>
+      </p:sp>
+      <p:sp>
+        <p:nvSpPr>
+          <p:cNvPr id="3" name="Content Placeholder 2"/>
+          <p:cNvSpPr>
+            <a:spLocks noGrp="1"/>
+          </p:cNvSpPr>
+          <p:nvPr>
+            <p:ph idx="1"/>
+          </p:nvPr>
+        </p:nvSpPr>
+        <p:spPr/>
+        <p:txBody>
+          <a:bodyPr/>
+          <a:lstStyle/>
+          <a:p>
+            <a:endParaRPr lang="en-US"/>
+          </a:p>
+        </p:txBody>
+      </p:sp>
+    </p:spTree>
+    <p:extLst>
+      <p:ext uri="{BB962C8B-B14F-4D97-AF65-F5344CB8AC3E}">
+        <p14:creationId xmlns:p14="http://schemas.microsoft.com/office/powerpoint/2010/main" val="3904099069"/>
+      </p:ext>
+    </p:extLst>
+  </p:cSld>
+  <p:clrMapOvr>
+    <a:masterClrMapping/>
+  </p:clrMapOvr>
+</p:sld>
+</file>
+
+<file path=ppt/slides/slide11.xml><?xml version="1.0" encoding="utf-8"?>
+<p:sld xmlns:a="http://schemas.openxmlformats.org/drawingml/2006/main" xmlns:r="http://schemas.openxmlformats.org/officeDocument/2006/relationships" xmlns:p="http://schemas.openxmlformats.org/presentationml/2006/main">
+  <p:cSld>
+    <p:spTree>
+      <p:nvGrpSpPr>
+        <p:cNvPr id="1" name=""/>
+        <p:cNvGrpSpPr/>
+        <p:nvPr/>
+      </p:nvGrpSpPr>
+      <p:grpSpPr>
+        <a:xfrm>
+          <a:off x="0" y="0"/>
+          <a:ext cx="0" cy="0"/>
+          <a:chOff x="0" y="0"/>
+          <a:chExt cx="0" cy="0"/>
+        </a:xfrm>
+      </p:grpSpPr>
+      <p:sp>
+        <p:nvSpPr>
+          <p:cNvPr id="2" name="Title 1"/>
+          <p:cNvSpPr>
+            <a:spLocks noGrp="1"/>
+          </p:cNvSpPr>
+          <p:nvPr>
+            <p:ph type="title"/>
+          </p:nvPr>
+        </p:nvSpPr>
+        <p:spPr/>
+        <p:txBody>
+          <a:bodyPr/>
+          <a:lstStyle/>
+          <a:p>
+            <a:endParaRPr lang="en-US"/>
+          </a:p>
+        </p:txBody>
+      </p:sp>
+      <p:sp>
+        <p:nvSpPr>
+          <p:cNvPr id="3" name="Content Placeholder 2"/>
+          <p:cNvSpPr>
+            <a:spLocks noGrp="1"/>
+          </p:cNvSpPr>
+          <p:nvPr>
+            <p:ph idx="1"/>
+          </p:nvPr>
+        </p:nvSpPr>
+        <p:spPr/>
+        <p:txBody>
+          <a:bodyPr/>
+          <a:lstStyle/>
+          <a:p>
+            <a:endParaRPr lang="en-US"/>
+          </a:p>
+        </p:txBody>
+      </p:sp>
+    </p:spTree>
+    <p:extLst>
+      <p:ext uri="{BB962C8B-B14F-4D97-AF65-F5344CB8AC3E}">
+        <p14:creationId xmlns:p14="http://schemas.microsoft.com/office/powerpoint/2010/main" val="3415337262"/>
+      </p:ext>
+    </p:extLst>
+  </p:cSld>
+  <p:clrMapOvr>
+    <a:masterClrMapping/>
+  </p:clrMapOvr>
+</p:sld>
+</file>
+
+<file path=ppt/slides/slide12.xml><?xml version="1.0" encoding="utf-8"?>
+<p:sld xmlns:a="http://schemas.openxmlformats.org/drawingml/2006/main" xmlns:r="http://schemas.openxmlformats.org/officeDocument/2006/relationships" xmlns:p="http://schemas.openxmlformats.org/presentationml/2006/main">
+  <p:cSld>
+    <p:spTree>
+      <p:nvGrpSpPr>
+        <p:cNvPr id="1" name=""/>
+        <p:cNvGrpSpPr/>
+        <p:nvPr/>
+      </p:nvGrpSpPr>
+      <p:grpSpPr>
+        <a:xfrm>
+          <a:off x="0" y="0"/>
+          <a:ext cx="0" cy="0"/>
+          <a:chOff x="0" y="0"/>
+          <a:chExt cx="0" cy="0"/>
+        </a:xfrm>
+      </p:grpSpPr>
+      <p:sp>
+        <p:nvSpPr>
+          <p:cNvPr id="2" name="Title 1"/>
+          <p:cNvSpPr>
+            <a:spLocks noGrp="1"/>
+          </p:cNvSpPr>
+          <p:nvPr>
+            <p:ph type="title"/>
+          </p:nvPr>
+        </p:nvSpPr>
+        <p:spPr/>
+        <p:txBody>
+          <a:bodyPr/>
+          <a:lstStyle/>
+          <a:p>
+            <a:endParaRPr lang="en-US"/>
+          </a:p>
+        </p:txBody>
+      </p:sp>
+      <p:sp>
+        <p:nvSpPr>
+          <p:cNvPr id="3" name="Content Placeholder 2"/>
+          <p:cNvSpPr>
+            <a:spLocks noGrp="1"/>
+          </p:cNvSpPr>
+          <p:nvPr>
+            <p:ph idx="1"/>
+          </p:nvPr>
+        </p:nvSpPr>
+        <p:spPr/>
+        <p:txBody>
+          <a:bodyPr/>
+          <a:lstStyle/>
+          <a:p>
+            <a:endParaRPr lang="en-US"/>
+          </a:p>
+        </p:txBody>
+      </p:sp>
+    </p:spTree>
+    <p:extLst>
+      <p:ext uri="{BB962C8B-B14F-4D97-AF65-F5344CB8AC3E}">
+        <p14:creationId xmlns:p14="http://schemas.microsoft.com/office/powerpoint/2010/main" val="2292206900"/>
       </p:ext>
     </p:extLst>
   </p:cSld>
@@ -3366,6 +4203,43 @@
           <a:chExt cx="0" cy="0"/>
         </a:xfrm>
       </p:grpSpPr>
+      <p:pic>
+        <p:nvPicPr>
+          <p:cNvPr id="4" name="Picture 3" descr="pexels-photo-110874.jpeg"/>
+          <p:cNvPicPr>
+            <a:picLocks noChangeAspect="1"/>
+          </p:cNvPicPr>
+          <p:nvPr/>
+        </p:nvPicPr>
+        <p:blipFill>
+          <a:blip r:embed="rId3">
+            <a:alphaModFix/>
+            <a:extLst>
+              <a:ext uri="{28A0092B-C50C-407E-A947-70E740481C1C}">
+                <a14:useLocalDpi xmlns:a14="http://schemas.microsoft.com/office/drawing/2010/main" val="0"/>
+              </a:ext>
+            </a:extLst>
+          </a:blip>
+          <a:stretch>
+            <a:fillRect/>
+          </a:stretch>
+        </p:blipFill>
+        <p:spPr>
+          <a:xfrm>
+            <a:off x="203900" y="566035"/>
+            <a:ext cx="8656198" cy="5770798"/>
+          </a:xfrm>
+          <a:prstGeom prst="rect">
+            <a:avLst/>
+          </a:prstGeom>
+          <a:ln>
+            <a:noFill/>
+          </a:ln>
+          <a:effectLst>
+            <a:softEdge rad="112500"/>
+          </a:effectLst>
+        </p:spPr>
+      </p:pic>
       <p:sp>
         <p:nvSpPr>
           <p:cNvPr id="2" name="Title 1"/>
@@ -3373,6 +4247,307 @@
             <a:spLocks noGrp="1"/>
           </p:cNvSpPr>
           <p:nvPr>
+            <p:ph type="ctrTitle"/>
+          </p:nvPr>
+        </p:nvSpPr>
+        <p:spPr>
+          <a:xfrm>
+            <a:off x="685800" y="2006173"/>
+            <a:ext cx="7772400" cy="1470025"/>
+          </a:xfrm>
+        </p:spPr>
+        <p:txBody>
+          <a:bodyPr>
+            <a:normAutofit fontScale="90000"/>
+          </a:bodyPr>
+          <a:lstStyle/>
+          <a:p>
+            <a:r>
+              <a:rPr lang="en-US" b="1" dirty="0" smtClean="0">
+                <a:ln w="18415" cmpd="sng">
+                  <a:solidFill>
+                    <a:srgbClr val="FFFFFF"/>
+                  </a:solidFill>
+                  <a:prstDash val="solid"/>
+                </a:ln>
+                <a:solidFill>
+                  <a:srgbClr val="FFFFFF"/>
+                </a:solidFill>
+                <a:effectLst>
+                  <a:outerShdw blurRad="63500" dir="3600000" algn="tl" rotWithShape="0">
+                    <a:srgbClr val="000000">
+                      <a:alpha val="70000"/>
+                    </a:srgbClr>
+                  </a:outerShdw>
+                </a:effectLst>
+              </a:rPr>
+              <a:t/>
+            </a:r>
+            <a:br>
+              <a:rPr lang="en-US" b="1" dirty="0" smtClean="0">
+                <a:ln w="18415" cmpd="sng">
+                  <a:solidFill>
+                    <a:srgbClr val="FFFFFF"/>
+                  </a:solidFill>
+                  <a:prstDash val="solid"/>
+                </a:ln>
+                <a:solidFill>
+                  <a:srgbClr val="FFFFFF"/>
+                </a:solidFill>
+                <a:effectLst>
+                  <a:outerShdw blurRad="63500" dir="3600000" algn="tl" rotWithShape="0">
+                    <a:srgbClr val="000000">
+                      <a:alpha val="70000"/>
+                    </a:srgbClr>
+                  </a:outerShdw>
+                </a:effectLst>
+              </a:rPr>
+            </a:br>
+            <a:r>
+              <a:rPr lang="en-US" b="1" dirty="0">
+                <a:ln w="18415" cmpd="sng">
+                  <a:solidFill>
+                    <a:srgbClr val="FFFFFF"/>
+                  </a:solidFill>
+                  <a:prstDash val="solid"/>
+                </a:ln>
+                <a:solidFill>
+                  <a:srgbClr val="FFFFFF"/>
+                </a:solidFill>
+                <a:effectLst>
+                  <a:outerShdw blurRad="63500" dir="3600000" algn="tl" rotWithShape="0">
+                    <a:srgbClr val="000000">
+                      <a:alpha val="70000"/>
+                    </a:srgbClr>
+                  </a:outerShdw>
+                </a:effectLst>
+              </a:rPr>
+              <a:t/>
+            </a:r>
+            <a:br>
+              <a:rPr lang="en-US" b="1" dirty="0">
+                <a:ln w="18415" cmpd="sng">
+                  <a:solidFill>
+                    <a:srgbClr val="FFFFFF"/>
+                  </a:solidFill>
+                  <a:prstDash val="solid"/>
+                </a:ln>
+                <a:solidFill>
+                  <a:srgbClr val="FFFFFF"/>
+                </a:solidFill>
+                <a:effectLst>
+                  <a:outerShdw blurRad="63500" dir="3600000" algn="tl" rotWithShape="0">
+                    <a:srgbClr val="000000">
+                      <a:alpha val="70000"/>
+                    </a:srgbClr>
+                  </a:outerShdw>
+                </a:effectLst>
+              </a:rPr>
+            </a:br>
+            <a:r>
+              <a:rPr lang="en-US" b="1" dirty="0" smtClean="0">
+                <a:ln w="18415" cmpd="sng">
+                  <a:solidFill>
+                    <a:srgbClr val="FFFFFF"/>
+                  </a:solidFill>
+                  <a:prstDash val="solid"/>
+                </a:ln>
+                <a:solidFill>
+                  <a:srgbClr val="FFFFFF"/>
+                </a:solidFill>
+                <a:effectLst>
+                  <a:outerShdw blurRad="63500" dir="3600000" algn="tl" rotWithShape="0">
+                    <a:srgbClr val="000000">
+                      <a:alpha val="70000"/>
+                    </a:srgbClr>
+                  </a:outerShdw>
+                </a:effectLst>
+              </a:rPr>
+              <a:t>How far in advance can we </a:t>
+            </a:r>
+            <a:r>
+              <a:rPr lang="en-US" b="1" dirty="0">
+                <a:ln w="18415" cmpd="sng">
+                  <a:solidFill>
+                    <a:srgbClr val="FFFFFF"/>
+                  </a:solidFill>
+                  <a:prstDash val="solid"/>
+                </a:ln>
+                <a:solidFill>
+                  <a:srgbClr val="FFFFFF"/>
+                </a:solidFill>
+                <a:effectLst>
+                  <a:outerShdw blurRad="63500" dir="3600000" algn="tl" rotWithShape="0">
+                    <a:srgbClr val="000000">
+                      <a:alpha val="70000"/>
+                    </a:srgbClr>
+                  </a:outerShdw>
+                </a:effectLst>
+              </a:rPr>
+              <a:t>successfully </a:t>
+            </a:r>
+            <a:r>
+              <a:rPr lang="en-US" b="1" dirty="0" smtClean="0">
+                <a:ln w="18415" cmpd="sng">
+                  <a:solidFill>
+                    <a:srgbClr val="FFFFFF"/>
+                  </a:solidFill>
+                  <a:prstDash val="solid"/>
+                </a:ln>
+                <a:solidFill>
+                  <a:srgbClr val="FFFFFF"/>
+                </a:solidFill>
+                <a:effectLst>
+                  <a:outerShdw blurRad="63500" dir="3600000" algn="tl" rotWithShape="0">
+                    <a:srgbClr val="000000">
+                      <a:alpha val="70000"/>
+                    </a:srgbClr>
+                  </a:outerShdw>
+                </a:effectLst>
+              </a:rPr>
+              <a:t>predict </a:t>
+            </a:r>
+            <a:r>
+              <a:rPr lang="en-US" b="1" dirty="0">
+                <a:ln w="18415" cmpd="sng">
+                  <a:solidFill>
+                    <a:srgbClr val="FFFFFF"/>
+                  </a:solidFill>
+                  <a:prstDash val="solid"/>
+                </a:ln>
+                <a:solidFill>
+                  <a:srgbClr val="FFFFFF"/>
+                </a:solidFill>
+                <a:effectLst>
+                  <a:outerShdw blurRad="63500" dir="3600000" algn="tl" rotWithShape="0">
+                    <a:srgbClr val="000000">
+                      <a:alpha val="70000"/>
+                    </a:srgbClr>
+                  </a:outerShdw>
+                </a:effectLst>
+              </a:rPr>
+              <a:t>precipitation (yes/no) </a:t>
+            </a:r>
+            <a:r>
+              <a:rPr lang="en-US" b="1" dirty="0" smtClean="0">
+                <a:ln w="18415" cmpd="sng">
+                  <a:solidFill>
+                    <a:srgbClr val="FFFFFF"/>
+                  </a:solidFill>
+                  <a:prstDash val="solid"/>
+                </a:ln>
+                <a:solidFill>
+                  <a:srgbClr val="FFFFFF"/>
+                </a:solidFill>
+                <a:effectLst>
+                  <a:outerShdw blurRad="63500" dir="3600000" algn="tl" rotWithShape="0">
+                    <a:srgbClr val="000000">
+                      <a:alpha val="70000"/>
+                    </a:srgbClr>
+                  </a:outerShdw>
+                </a:effectLst>
+              </a:rPr>
+              <a:t>for the following day? </a:t>
+            </a:r>
+            <a:r>
+              <a:rPr lang="en-US" b="1" dirty="0">
+                <a:ln w="18415" cmpd="sng">
+                  <a:solidFill>
+                    <a:srgbClr val="FFFFFF"/>
+                  </a:solidFill>
+                  <a:prstDash val="solid"/>
+                </a:ln>
+                <a:solidFill>
+                  <a:srgbClr val="FFFFFF"/>
+                </a:solidFill>
+                <a:effectLst>
+                  <a:outerShdw blurRad="63500" dir="3600000" algn="tl" rotWithShape="0">
+                    <a:srgbClr val="000000">
+                      <a:alpha val="70000"/>
+                    </a:srgbClr>
+                  </a:outerShdw>
+                </a:effectLst>
+              </a:rPr>
+              <a:t/>
+            </a:r>
+            <a:br>
+              <a:rPr lang="en-US" b="1" dirty="0">
+                <a:ln w="18415" cmpd="sng">
+                  <a:solidFill>
+                    <a:srgbClr val="FFFFFF"/>
+                  </a:solidFill>
+                  <a:prstDash val="solid"/>
+                </a:ln>
+                <a:solidFill>
+                  <a:srgbClr val="FFFFFF"/>
+                </a:solidFill>
+                <a:effectLst>
+                  <a:outerShdw blurRad="63500" dir="3600000" algn="tl" rotWithShape="0">
+                    <a:srgbClr val="000000">
+                      <a:alpha val="70000"/>
+                    </a:srgbClr>
+                  </a:outerShdw>
+                </a:effectLst>
+              </a:rPr>
+            </a:br>
+            <a:endParaRPr lang="en-US" b="1" dirty="0">
+              <a:ln w="18415" cmpd="sng">
+                <a:solidFill>
+                  <a:srgbClr val="FFFFFF"/>
+                </a:solidFill>
+                <a:prstDash val="solid"/>
+              </a:ln>
+              <a:solidFill>
+                <a:srgbClr val="FFFFFF"/>
+              </a:solidFill>
+              <a:effectLst>
+                <a:outerShdw blurRad="63500" dir="3600000" algn="tl" rotWithShape="0">
+                  <a:srgbClr val="000000">
+                    <a:alpha val="70000"/>
+                  </a:srgbClr>
+                </a:outerShdw>
+              </a:effectLst>
+            </a:endParaRPr>
+          </a:p>
+        </p:txBody>
+      </p:sp>
+    </p:spTree>
+    <p:extLst>
+      <p:ext uri="{BB962C8B-B14F-4D97-AF65-F5344CB8AC3E}">
+        <p14:creationId xmlns:p14="http://schemas.microsoft.com/office/powerpoint/2010/main" val="2468385637"/>
+      </p:ext>
+    </p:extLst>
+  </p:cSld>
+  <p:clrMapOvr>
+    <a:masterClrMapping/>
+  </p:clrMapOvr>
+</p:sld>
+</file>
+
+<file path=ppt/slides/slide3.xml><?xml version="1.0" encoding="utf-8"?>
+<p:sld xmlns:a="http://schemas.openxmlformats.org/drawingml/2006/main" xmlns:r="http://schemas.openxmlformats.org/officeDocument/2006/relationships" xmlns:p="http://schemas.openxmlformats.org/presentationml/2006/main">
+  <p:cSld>
+    <p:spTree>
+      <p:nvGrpSpPr>
+        <p:cNvPr id="1" name=""/>
+        <p:cNvGrpSpPr/>
+        <p:nvPr/>
+      </p:nvGrpSpPr>
+      <p:grpSpPr>
+        <a:xfrm>
+          <a:off x="0" y="0"/>
+          <a:ext cx="0" cy="0"/>
+          <a:chOff x="0" y="0"/>
+          <a:chExt cx="0" cy="0"/>
+        </a:xfrm>
+      </p:grpSpPr>
+      <p:sp>
+        <p:nvSpPr>
+          <p:cNvPr id="2" name="Title 1"/>
+          <p:cNvSpPr>
+            <a:spLocks noGrp="1"/>
+          </p:cNvSpPr>
+          <p:nvPr>
             <p:ph type="title"/>
           </p:nvPr>
         </p:nvSpPr>
@@ -3381,7 +4556,11 @@
           <a:bodyPr/>
           <a:lstStyle/>
           <a:p>
-            <a:endParaRPr lang="en-US"/>
+            <a:r>
+              <a:rPr lang="en-US" b="1" dirty="0" smtClean="0"/>
+              <a:t>The Data Set</a:t>
+            </a:r>
+            <a:endParaRPr lang="en-US" b="1" dirty="0"/>
           </a:p>
         </p:txBody>
       </p:sp>
@@ -3397,10 +4576,50 @@
         </p:nvSpPr>
         <p:spPr/>
         <p:txBody>
-          <a:bodyPr/>
-          <a:lstStyle/>
-          <a:p>
-            <a:endParaRPr lang="en-US"/>
+          <a:bodyPr>
+            <a:normAutofit/>
+          </a:bodyPr>
+          <a:lstStyle/>
+          <a:p>
+            <a:pPr marL="0" indent="0">
+              <a:buNone/>
+            </a:pPr>
+            <a:r>
+              <a:rPr lang="is-IS" dirty="0" smtClean="0"/>
+              <a:t>Hourly readings from Denver International Airport taken between  1 September 2013 and 31 August 2018</a:t>
+            </a:r>
+          </a:p>
+          <a:p>
+            <a:pPr marL="0" indent="0">
+              <a:buNone/>
+            </a:pPr>
+            <a:endParaRPr lang="is-IS" dirty="0"/>
+          </a:p>
+          <a:p>
+            <a:pPr marL="0" indent="0">
+              <a:buNone/>
+            </a:pPr>
+            <a:r>
+              <a:rPr lang="is-IS" dirty="0" smtClean="0"/>
+              <a:t>Variables recorded include: temperature, pressure, humidity, wind speed and direction,  precipitation accumulation, cloud cover and course and fine categorical descriptions. </a:t>
+            </a:r>
+            <a:r>
+              <a:rPr lang="is-IS" dirty="0"/>
+              <a:t> </a:t>
+            </a:r>
+            <a:r>
+              <a:rPr lang="is-IS" dirty="0" smtClean="0"/>
+              <a:t> </a:t>
+            </a:r>
+            <a:r>
+              <a:rPr lang="is-IS" dirty="0"/>
+              <a:t> </a:t>
+            </a:r>
+            <a:r>
+              <a:rPr lang="is-IS" dirty="0" smtClean="0"/>
+              <a:t> </a:t>
+            </a:r>
+            <a:endParaRPr lang="en-US" dirty="0"/>
           </a:p>
         </p:txBody>
       </p:sp>
@@ -3408,6 +4627,429 @@
     <p:extLst>
       <p:ext uri="{BB962C8B-B14F-4D97-AF65-F5344CB8AC3E}">
         <p14:creationId xmlns:p14="http://schemas.microsoft.com/office/powerpoint/2010/main" val="1944008293"/>
+      </p:ext>
+    </p:extLst>
+  </p:cSld>
+  <p:clrMapOvr>
+    <a:masterClrMapping/>
+  </p:clrMapOvr>
+</p:sld>
+</file>
+
+<file path=ppt/slides/slide4.xml><?xml version="1.0" encoding="utf-8"?>
+<p:sld xmlns:a="http://schemas.openxmlformats.org/drawingml/2006/main" xmlns:r="http://schemas.openxmlformats.org/officeDocument/2006/relationships" xmlns:p="http://schemas.openxmlformats.org/presentationml/2006/main">
+  <p:cSld>
+    <p:spTree>
+      <p:nvGrpSpPr>
+        <p:cNvPr id="1" name=""/>
+        <p:cNvGrpSpPr/>
+        <p:nvPr/>
+      </p:nvGrpSpPr>
+      <p:grpSpPr>
+        <a:xfrm>
+          <a:off x="0" y="0"/>
+          <a:ext cx="0" cy="0"/>
+          <a:chOff x="0" y="0"/>
+          <a:chExt cx="0" cy="0"/>
+        </a:xfrm>
+      </p:grpSpPr>
+      <p:sp>
+        <p:nvSpPr>
+          <p:cNvPr id="2" name="Title 1"/>
+          <p:cNvSpPr>
+            <a:spLocks noGrp="1"/>
+          </p:cNvSpPr>
+          <p:nvPr>
+            <p:ph type="title"/>
+          </p:nvPr>
+        </p:nvSpPr>
+        <p:spPr/>
+        <p:txBody>
+          <a:bodyPr/>
+          <a:lstStyle/>
+          <a:p>
+            <a:endParaRPr lang="en-US"/>
+          </a:p>
+        </p:txBody>
+      </p:sp>
+      <p:sp>
+        <p:nvSpPr>
+          <p:cNvPr id="3" name="Content Placeholder 2"/>
+          <p:cNvSpPr>
+            <a:spLocks noGrp="1"/>
+          </p:cNvSpPr>
+          <p:nvPr>
+            <p:ph idx="1"/>
+          </p:nvPr>
+        </p:nvSpPr>
+        <p:spPr/>
+        <p:txBody>
+          <a:bodyPr/>
+          <a:lstStyle/>
+          <a:p>
+            <a:endParaRPr lang="en-US"/>
+          </a:p>
+        </p:txBody>
+      </p:sp>
+    </p:spTree>
+    <p:extLst>
+      <p:ext uri="{BB962C8B-B14F-4D97-AF65-F5344CB8AC3E}">
+        <p14:creationId xmlns:p14="http://schemas.microsoft.com/office/powerpoint/2010/main" val="3332301467"/>
+      </p:ext>
+    </p:extLst>
+  </p:cSld>
+  <p:clrMapOvr>
+    <a:masterClrMapping/>
+  </p:clrMapOvr>
+</p:sld>
+</file>
+
+<file path=ppt/slides/slide5.xml><?xml version="1.0" encoding="utf-8"?>
+<p:sld xmlns:a="http://schemas.openxmlformats.org/drawingml/2006/main" xmlns:r="http://schemas.openxmlformats.org/officeDocument/2006/relationships" xmlns:p="http://schemas.openxmlformats.org/presentationml/2006/main">
+  <p:cSld>
+    <p:spTree>
+      <p:nvGrpSpPr>
+        <p:cNvPr id="1" name=""/>
+        <p:cNvGrpSpPr/>
+        <p:nvPr/>
+      </p:nvGrpSpPr>
+      <p:grpSpPr>
+        <a:xfrm>
+          <a:off x="0" y="0"/>
+          <a:ext cx="0" cy="0"/>
+          <a:chOff x="0" y="0"/>
+          <a:chExt cx="0" cy="0"/>
+        </a:xfrm>
+      </p:grpSpPr>
+      <p:sp>
+        <p:nvSpPr>
+          <p:cNvPr id="2" name="Title 1"/>
+          <p:cNvSpPr>
+            <a:spLocks noGrp="1"/>
+          </p:cNvSpPr>
+          <p:nvPr>
+            <p:ph type="title"/>
+          </p:nvPr>
+        </p:nvSpPr>
+        <p:spPr/>
+        <p:txBody>
+          <a:bodyPr/>
+          <a:lstStyle/>
+          <a:p>
+            <a:endParaRPr lang="en-US"/>
+          </a:p>
+        </p:txBody>
+      </p:sp>
+      <p:sp>
+        <p:nvSpPr>
+          <p:cNvPr id="3" name="Content Placeholder 2"/>
+          <p:cNvSpPr>
+            <a:spLocks noGrp="1"/>
+          </p:cNvSpPr>
+          <p:nvPr>
+            <p:ph idx="1"/>
+          </p:nvPr>
+        </p:nvSpPr>
+        <p:spPr/>
+        <p:txBody>
+          <a:bodyPr/>
+          <a:lstStyle/>
+          <a:p>
+            <a:endParaRPr lang="en-US"/>
+          </a:p>
+        </p:txBody>
+      </p:sp>
+    </p:spTree>
+    <p:extLst>
+      <p:ext uri="{BB962C8B-B14F-4D97-AF65-F5344CB8AC3E}">
+        <p14:creationId xmlns:p14="http://schemas.microsoft.com/office/powerpoint/2010/main" val="2101430528"/>
+      </p:ext>
+    </p:extLst>
+  </p:cSld>
+  <p:clrMapOvr>
+    <a:masterClrMapping/>
+  </p:clrMapOvr>
+</p:sld>
+</file>
+
+<file path=ppt/slides/slide6.xml><?xml version="1.0" encoding="utf-8"?>
+<p:sld xmlns:a="http://schemas.openxmlformats.org/drawingml/2006/main" xmlns:r="http://schemas.openxmlformats.org/officeDocument/2006/relationships" xmlns:p="http://schemas.openxmlformats.org/presentationml/2006/main">
+  <p:cSld>
+    <p:spTree>
+      <p:nvGrpSpPr>
+        <p:cNvPr id="1" name=""/>
+        <p:cNvGrpSpPr/>
+        <p:nvPr/>
+      </p:nvGrpSpPr>
+      <p:grpSpPr>
+        <a:xfrm>
+          <a:off x="0" y="0"/>
+          <a:ext cx="0" cy="0"/>
+          <a:chOff x="0" y="0"/>
+          <a:chExt cx="0" cy="0"/>
+        </a:xfrm>
+      </p:grpSpPr>
+      <p:sp>
+        <p:nvSpPr>
+          <p:cNvPr id="2" name="Title 1"/>
+          <p:cNvSpPr>
+            <a:spLocks noGrp="1"/>
+          </p:cNvSpPr>
+          <p:nvPr>
+            <p:ph type="title"/>
+          </p:nvPr>
+        </p:nvSpPr>
+        <p:spPr/>
+        <p:txBody>
+          <a:bodyPr/>
+          <a:lstStyle/>
+          <a:p>
+            <a:endParaRPr lang="en-US"/>
+          </a:p>
+        </p:txBody>
+      </p:sp>
+      <p:sp>
+        <p:nvSpPr>
+          <p:cNvPr id="3" name="Content Placeholder 2"/>
+          <p:cNvSpPr>
+            <a:spLocks noGrp="1"/>
+          </p:cNvSpPr>
+          <p:nvPr>
+            <p:ph idx="1"/>
+          </p:nvPr>
+        </p:nvSpPr>
+        <p:spPr/>
+        <p:txBody>
+          <a:bodyPr/>
+          <a:lstStyle/>
+          <a:p>
+            <a:endParaRPr lang="en-US"/>
+          </a:p>
+        </p:txBody>
+      </p:sp>
+    </p:spTree>
+    <p:extLst>
+      <p:ext uri="{BB962C8B-B14F-4D97-AF65-F5344CB8AC3E}">
+        <p14:creationId xmlns:p14="http://schemas.microsoft.com/office/powerpoint/2010/main" val="2282820248"/>
+      </p:ext>
+    </p:extLst>
+  </p:cSld>
+  <p:clrMapOvr>
+    <a:masterClrMapping/>
+  </p:clrMapOvr>
+</p:sld>
+</file>
+
+<file path=ppt/slides/slide7.xml><?xml version="1.0" encoding="utf-8"?>
+<p:sld xmlns:a="http://schemas.openxmlformats.org/drawingml/2006/main" xmlns:r="http://schemas.openxmlformats.org/officeDocument/2006/relationships" xmlns:p="http://schemas.openxmlformats.org/presentationml/2006/main">
+  <p:cSld>
+    <p:spTree>
+      <p:nvGrpSpPr>
+        <p:cNvPr id="1" name=""/>
+        <p:cNvGrpSpPr/>
+        <p:nvPr/>
+      </p:nvGrpSpPr>
+      <p:grpSpPr>
+        <a:xfrm>
+          <a:off x="0" y="0"/>
+          <a:ext cx="0" cy="0"/>
+          <a:chOff x="0" y="0"/>
+          <a:chExt cx="0" cy="0"/>
+        </a:xfrm>
+      </p:grpSpPr>
+      <p:sp>
+        <p:nvSpPr>
+          <p:cNvPr id="2" name="Title 1"/>
+          <p:cNvSpPr>
+            <a:spLocks noGrp="1"/>
+          </p:cNvSpPr>
+          <p:nvPr>
+            <p:ph type="title"/>
+          </p:nvPr>
+        </p:nvSpPr>
+        <p:spPr/>
+        <p:txBody>
+          <a:bodyPr/>
+          <a:lstStyle/>
+          <a:p>
+            <a:r>
+              <a:rPr lang="en-US" dirty="0" smtClean="0"/>
+              <a:t>Basic Model</a:t>
+            </a:r>
+            <a:endParaRPr lang="en-US" dirty="0"/>
+          </a:p>
+        </p:txBody>
+      </p:sp>
+      <p:pic>
+        <p:nvPicPr>
+          <p:cNvPr id="4" name="Picture 3" descr="Screenshot 2018-09-24 09.33.01.jpeg"/>
+          <p:cNvPicPr>
+            <a:picLocks noChangeAspect="1"/>
+          </p:cNvPicPr>
+          <p:nvPr/>
+        </p:nvPicPr>
+        <p:blipFill>
+          <a:blip r:embed="rId2">
+            <a:extLst>
+              <a:ext uri="{28A0092B-C50C-407E-A947-70E740481C1C}">
+                <a14:useLocalDpi xmlns:a14="http://schemas.microsoft.com/office/drawing/2010/main" val="0"/>
+              </a:ext>
+            </a:extLst>
+          </a:blip>
+          <a:stretch>
+            <a:fillRect/>
+          </a:stretch>
+        </p:blipFill>
+        <p:spPr>
+          <a:xfrm>
+            <a:off x="2011233" y="1587656"/>
+            <a:ext cx="5303966" cy="4733053"/>
+          </a:xfrm>
+          <a:prstGeom prst="rect">
+            <a:avLst/>
+          </a:prstGeom>
+        </p:spPr>
+      </p:pic>
+    </p:spTree>
+    <p:extLst>
+      <p:ext uri="{BB962C8B-B14F-4D97-AF65-F5344CB8AC3E}">
+        <p14:creationId xmlns:p14="http://schemas.microsoft.com/office/powerpoint/2010/main" val="689170637"/>
+      </p:ext>
+    </p:extLst>
+  </p:cSld>
+  <p:clrMapOvr>
+    <a:masterClrMapping/>
+  </p:clrMapOvr>
+</p:sld>
+</file>
+
+<file path=ppt/slides/slide8.xml><?xml version="1.0" encoding="utf-8"?>
+<p:sld xmlns:a="http://schemas.openxmlformats.org/drawingml/2006/main" xmlns:r="http://schemas.openxmlformats.org/officeDocument/2006/relationships" xmlns:p="http://schemas.openxmlformats.org/presentationml/2006/main">
+  <p:cSld>
+    <p:spTree>
+      <p:nvGrpSpPr>
+        <p:cNvPr id="1" name=""/>
+        <p:cNvGrpSpPr/>
+        <p:nvPr/>
+      </p:nvGrpSpPr>
+      <p:grpSpPr>
+        <a:xfrm>
+          <a:off x="0" y="0"/>
+          <a:ext cx="0" cy="0"/>
+          <a:chOff x="0" y="0"/>
+          <a:chExt cx="0" cy="0"/>
+        </a:xfrm>
+      </p:grpSpPr>
+      <p:sp>
+        <p:nvSpPr>
+          <p:cNvPr id="2" name="Title 1"/>
+          <p:cNvSpPr>
+            <a:spLocks noGrp="1"/>
+          </p:cNvSpPr>
+          <p:nvPr>
+            <p:ph type="title"/>
+          </p:nvPr>
+        </p:nvSpPr>
+        <p:spPr/>
+        <p:txBody>
+          <a:bodyPr/>
+          <a:lstStyle/>
+          <a:p>
+            <a:endParaRPr lang="en-US"/>
+          </a:p>
+        </p:txBody>
+      </p:sp>
+      <p:sp>
+        <p:nvSpPr>
+          <p:cNvPr id="3" name="Content Placeholder 2"/>
+          <p:cNvSpPr>
+            <a:spLocks noGrp="1"/>
+          </p:cNvSpPr>
+          <p:nvPr>
+            <p:ph idx="1"/>
+          </p:nvPr>
+        </p:nvSpPr>
+        <p:spPr/>
+        <p:txBody>
+          <a:bodyPr/>
+          <a:lstStyle/>
+          <a:p>
+            <a:endParaRPr lang="en-US"/>
+          </a:p>
+        </p:txBody>
+      </p:sp>
+    </p:spTree>
+    <p:extLst>
+      <p:ext uri="{BB962C8B-B14F-4D97-AF65-F5344CB8AC3E}">
+        <p14:creationId xmlns:p14="http://schemas.microsoft.com/office/powerpoint/2010/main" val="565761930"/>
+      </p:ext>
+    </p:extLst>
+  </p:cSld>
+  <p:clrMapOvr>
+    <a:masterClrMapping/>
+  </p:clrMapOvr>
+</p:sld>
+</file>
+
+<file path=ppt/slides/slide9.xml><?xml version="1.0" encoding="utf-8"?>
+<p:sld xmlns:a="http://schemas.openxmlformats.org/drawingml/2006/main" xmlns:r="http://schemas.openxmlformats.org/officeDocument/2006/relationships" xmlns:p="http://schemas.openxmlformats.org/presentationml/2006/main">
+  <p:cSld>
+    <p:spTree>
+      <p:nvGrpSpPr>
+        <p:cNvPr id="1" name=""/>
+        <p:cNvGrpSpPr/>
+        <p:nvPr/>
+      </p:nvGrpSpPr>
+      <p:grpSpPr>
+        <a:xfrm>
+          <a:off x="0" y="0"/>
+          <a:ext cx="0" cy="0"/>
+          <a:chOff x="0" y="0"/>
+          <a:chExt cx="0" cy="0"/>
+        </a:xfrm>
+      </p:grpSpPr>
+      <p:sp>
+        <p:nvSpPr>
+          <p:cNvPr id="2" name="Title 1"/>
+          <p:cNvSpPr>
+            <a:spLocks noGrp="1"/>
+          </p:cNvSpPr>
+          <p:nvPr>
+            <p:ph type="title"/>
+          </p:nvPr>
+        </p:nvSpPr>
+        <p:spPr/>
+        <p:txBody>
+          <a:bodyPr/>
+          <a:lstStyle/>
+          <a:p>
+            <a:endParaRPr lang="en-US"/>
+          </a:p>
+        </p:txBody>
+      </p:sp>
+      <p:sp>
+        <p:nvSpPr>
+          <p:cNvPr id="3" name="Content Placeholder 2"/>
+          <p:cNvSpPr>
+            <a:spLocks noGrp="1"/>
+          </p:cNvSpPr>
+          <p:nvPr>
+            <p:ph idx="1"/>
+          </p:nvPr>
+        </p:nvSpPr>
+        <p:spPr/>
+        <p:txBody>
+          <a:bodyPr/>
+          <a:lstStyle/>
+          <a:p>
+            <a:endParaRPr lang="en-US"/>
+          </a:p>
+        </p:txBody>
+      </p:sp>
+    </p:spTree>
+    <p:extLst>
+      <p:ext uri="{BB962C8B-B14F-4D97-AF65-F5344CB8AC3E}">
+        <p14:creationId xmlns:p14="http://schemas.microsoft.com/office/powerpoint/2010/main" val="1836483887"/>
       </p:ext>
     </p:extLst>
   </p:cSld>
@@ -3735,4 +5377,324 @@
   </a:objectDefaults>
   <a:extraClrSchemeLst/>
 </a:theme>
+</file>
+
+<file path=ppt/theme/theme2.xml><?xml version="1.0" encoding="utf-8"?>
+<a:theme xmlns:a="http://schemas.openxmlformats.org/drawingml/2006/main" name="Office Theme">
+  <a:themeElements>
+    <a:clrScheme name="Office">
+      <a:dk1>
+        <a:sysClr val="windowText" lastClr="000000"/>
+      </a:dk1>
+      <a:lt1>
+        <a:sysClr val="window" lastClr="FFFFFF"/>
+      </a:lt1>
+      <a:dk2>
+        <a:srgbClr val="1F497D"/>
+      </a:dk2>
+      <a:lt2>
+        <a:srgbClr val="EEECE1"/>
+      </a:lt2>
+      <a:accent1>
+        <a:srgbClr val="4F81BD"/>
+      </a:accent1>
+      <a:accent2>
+        <a:srgbClr val="C0504D"/>
+      </a:accent2>
+      <a:accent3>
+        <a:srgbClr val="9BBB59"/>
+      </a:accent3>
+      <a:accent4>
+        <a:srgbClr val="8064A2"/>
+      </a:accent4>
+      <a:accent5>
+        <a:srgbClr val="4BACC6"/>
+      </a:accent5>
+      <a:accent6>
+        <a:srgbClr val="F79646"/>
+      </a:accent6>
+      <a:hlink>
+        <a:srgbClr val="0000FF"/>
+      </a:hlink>
+      <a:folHlink>
+        <a:srgbClr val="800080"/>
+      </a:folHlink>
+    </a:clrScheme>
+    <a:fontScheme name="Office">
+      <a:majorFont>
+        <a:latin typeface="Calibri"/>
+        <a:ea typeface=""/>
+        <a:cs typeface=""/>
+        <a:font script="Jpan" typeface="ＭＳ Ｐゴシック"/>
+        <a:font script="Hang" typeface="맑은 고딕"/>
+        <a:font script="Hans" typeface="宋体"/>
+        <a:font script="Hant" typeface="新細明體"/>
+        <a:font script="Arab" typeface="Times New Roman"/>
+        <a:font script="Hebr" typeface="Times New Roman"/>
+        <a:font script="Thai" typeface="Angsana New"/>
+        <a:font script="Ethi" typeface="Nyala"/>
+        <a:font script="Beng" typeface="Vrinda"/>
+        <a:font script="Gujr" typeface="Shruti"/>
+        <a:font script="Khmr" typeface="MoolBoran"/>
+        <a:font script="Knda" typeface="Tunga"/>
+        <a:font script="Guru" typeface="Raavi"/>
+        <a:font script="Cans" typeface="Euphemia"/>
+        <a:font script="Cher" typeface="Plantagenet Cherokee"/>
+        <a:font script="Yiii" typeface="Microsoft Yi Baiti"/>
+        <a:font script="Tibt" typeface="Microsoft Himalaya"/>
+        <a:font script="Thaa" typeface="MV Boli"/>
+        <a:font script="Deva" typeface="Mangal"/>
+        <a:font script="Telu" typeface="Gautami"/>
+        <a:font script="Taml" typeface="Latha"/>
+        <a:font script="Syrc" typeface="Estrangelo Edessa"/>
+        <a:font script="Orya" typeface="Kalinga"/>
+        <a:font script="Mlym" typeface="Kartika"/>
+        <a:font script="Laoo" typeface="DokChampa"/>
+        <a:font script="Sinh" typeface="Iskoola Pota"/>
+        <a:font script="Mong" typeface="Mongolian Baiti"/>
+        <a:font script="Viet" typeface="Times New Roman"/>
+        <a:font script="Uigh" typeface="Microsoft Uighur"/>
+        <a:font script="Geor" typeface="Sylfaen"/>
+      </a:majorFont>
+      <a:minorFont>
+        <a:latin typeface="Calibri"/>
+        <a:ea typeface=""/>
+        <a:cs typeface=""/>
+        <a:font script="Jpan" typeface="ＭＳ Ｐゴシック"/>
+        <a:font script="Hang" typeface="맑은 고딕"/>
+        <a:font script="Hans" typeface="宋体"/>
+        <a:font script="Hant" typeface="新細明體"/>
+        <a:font script="Arab" typeface="Arial"/>
+        <a:font script="Hebr" typeface="Arial"/>
+        <a:font script="Thai" typeface="Cordia New"/>
+        <a:font script="Ethi" typeface="Nyala"/>
+        <a:font script="Beng" typeface="Vrinda"/>
+        <a:font script="Gujr" typeface="Shruti"/>
+        <a:font script="Khmr" typeface="DaunPenh"/>
+        <a:font script="Knda" typeface="Tunga"/>
+        <a:font script="Guru" typeface="Raavi"/>
+        <a:font script="Cans" typeface="Euphemia"/>
+        <a:font script="Cher" typeface="Plantagenet Cherokee"/>
+        <a:font script="Yiii" typeface="Microsoft Yi Baiti"/>
+        <a:font script="Tibt" typeface="Microsoft Himalaya"/>
+        <a:font script="Thaa" typeface="MV Boli"/>
+        <a:font script="Deva" typeface="Mangal"/>
+        <a:font script="Telu" typeface="Gautami"/>
+        <a:font script="Taml" typeface="Latha"/>
+        <a:font script="Syrc" typeface="Estrangelo Edessa"/>
+        <a:font script="Orya" typeface="Kalinga"/>
+        <a:font script="Mlym" typeface="Kartika"/>
+        <a:font script="Laoo" typeface="DokChampa"/>
+        <a:font script="Sinh" typeface="Iskoola Pota"/>
+        <a:font script="Mong" typeface="Mongolian Baiti"/>
+        <a:font script="Viet" typeface="Arial"/>
+        <a:font script="Uigh" typeface="Microsoft Uighur"/>
+        <a:font script="Geor" typeface="Sylfaen"/>
+      </a:minorFont>
+    </a:fontScheme>
+    <a:fmtScheme name="Office">
+      <a:fillStyleLst>
+        <a:solidFill>
+          <a:schemeClr val="phClr"/>
+        </a:solidFill>
+        <a:gradFill rotWithShape="1">
+          <a:gsLst>
+            <a:gs pos="0">
+              <a:schemeClr val="phClr">
+                <a:tint val="50000"/>
+                <a:satMod val="300000"/>
+              </a:schemeClr>
+            </a:gs>
+            <a:gs pos="35000">
+              <a:schemeClr val="phClr">
+                <a:tint val="37000"/>
+                <a:satMod val="300000"/>
+              </a:schemeClr>
+            </a:gs>
+            <a:gs pos="100000">
+              <a:schemeClr val="phClr">
+                <a:tint val="15000"/>
+                <a:satMod val="350000"/>
+              </a:schemeClr>
+            </a:gs>
+          </a:gsLst>
+          <a:lin ang="16200000" scaled="1"/>
+        </a:gradFill>
+        <a:gradFill rotWithShape="1">
+          <a:gsLst>
+            <a:gs pos="0">
+              <a:schemeClr val="phClr">
+                <a:tint val="100000"/>
+                <a:shade val="100000"/>
+                <a:satMod val="130000"/>
+              </a:schemeClr>
+            </a:gs>
+            <a:gs pos="100000">
+              <a:schemeClr val="phClr">
+                <a:tint val="50000"/>
+                <a:shade val="100000"/>
+                <a:satMod val="350000"/>
+              </a:schemeClr>
+            </a:gs>
+          </a:gsLst>
+          <a:lin ang="16200000" scaled="0"/>
+        </a:gradFill>
+      </a:fillStyleLst>
+      <a:lnStyleLst>
+        <a:ln w="9525" cap="flat" cmpd="sng" algn="ctr">
+          <a:solidFill>
+            <a:schemeClr val="phClr">
+              <a:shade val="95000"/>
+              <a:satMod val="105000"/>
+            </a:schemeClr>
+          </a:solidFill>
+          <a:prstDash val="solid"/>
+        </a:ln>
+        <a:ln w="25400" cap="flat" cmpd="sng" algn="ctr">
+          <a:solidFill>
+            <a:schemeClr val="phClr"/>
+          </a:solidFill>
+          <a:prstDash val="solid"/>
+        </a:ln>
+        <a:ln w="38100" cap="flat" cmpd="sng" algn="ctr">
+          <a:solidFill>
+            <a:schemeClr val="phClr"/>
+          </a:solidFill>
+          <a:prstDash val="solid"/>
+        </a:ln>
+      </a:lnStyleLst>
+      <a:effectStyleLst>
+        <a:effectStyle>
+          <a:effectLst>
+            <a:outerShdw blurRad="40000" dist="20000" dir="5400000" rotWithShape="0">
+              <a:srgbClr val="000000">
+                <a:alpha val="38000"/>
+              </a:srgbClr>
+            </a:outerShdw>
+          </a:effectLst>
+        </a:effectStyle>
+        <a:effectStyle>
+          <a:effectLst>
+            <a:outerShdw blurRad="40000" dist="23000" dir="5400000" rotWithShape="0">
+              <a:srgbClr val="000000">
+                <a:alpha val="35000"/>
+              </a:srgbClr>
+            </a:outerShdw>
+          </a:effectLst>
+        </a:effectStyle>
+        <a:effectStyle>
+          <a:effectLst>
+            <a:outerShdw blurRad="40000" dist="23000" dir="5400000" rotWithShape="0">
+              <a:srgbClr val="000000">
+                <a:alpha val="35000"/>
+              </a:srgbClr>
+            </a:outerShdw>
+          </a:effectLst>
+          <a:scene3d>
+            <a:camera prst="orthographicFront">
+              <a:rot lat="0" lon="0" rev="0"/>
+            </a:camera>
+            <a:lightRig rig="threePt" dir="t">
+              <a:rot lat="0" lon="0" rev="1200000"/>
+            </a:lightRig>
+          </a:scene3d>
+          <a:sp3d>
+            <a:bevelT w="63500" h="25400"/>
+          </a:sp3d>
+        </a:effectStyle>
+      </a:effectStyleLst>
+      <a:bgFillStyleLst>
+        <a:solidFill>
+          <a:schemeClr val="phClr"/>
+        </a:solidFill>
+        <a:gradFill rotWithShape="1">
+          <a:gsLst>
+            <a:gs pos="0">
+              <a:schemeClr val="phClr">
+                <a:tint val="40000"/>
+                <a:satMod val="350000"/>
+              </a:schemeClr>
+            </a:gs>
+            <a:gs pos="40000">
+              <a:schemeClr val="phClr">
+                <a:tint val="45000"/>
+                <a:shade val="99000"/>
+                <a:satMod val="350000"/>
+              </a:schemeClr>
+            </a:gs>
+            <a:gs pos="100000">
+              <a:schemeClr val="phClr">
+                <a:shade val="20000"/>
+                <a:satMod val="255000"/>
+              </a:schemeClr>
+            </a:gs>
+          </a:gsLst>
+          <a:path path="circle">
+            <a:fillToRect l="50000" t="-80000" r="50000" b="180000"/>
+          </a:path>
+        </a:gradFill>
+        <a:gradFill rotWithShape="1">
+          <a:gsLst>
+            <a:gs pos="0">
+              <a:schemeClr val="phClr">
+                <a:tint val="80000"/>
+                <a:satMod val="300000"/>
+              </a:schemeClr>
+            </a:gs>
+            <a:gs pos="100000">
+              <a:schemeClr val="phClr">
+                <a:shade val="30000"/>
+                <a:satMod val="200000"/>
+              </a:schemeClr>
+            </a:gs>
+          </a:gsLst>
+          <a:path path="circle">
+            <a:fillToRect l="50000" t="50000" r="50000" b="50000"/>
+          </a:path>
+        </a:gradFill>
+      </a:bgFillStyleLst>
+    </a:fmtScheme>
+  </a:themeElements>
+  <a:objectDefaults>
+    <a:spDef>
+      <a:spPr/>
+      <a:bodyPr/>
+      <a:lstStyle/>
+      <a:style>
+        <a:lnRef idx="1">
+          <a:schemeClr val="accent1"/>
+        </a:lnRef>
+        <a:fillRef idx="3">
+          <a:schemeClr val="accent1"/>
+        </a:fillRef>
+        <a:effectRef idx="2">
+          <a:schemeClr val="accent1"/>
+        </a:effectRef>
+        <a:fontRef idx="minor">
+          <a:schemeClr val="lt1"/>
+        </a:fontRef>
+      </a:style>
+    </a:spDef>
+    <a:lnDef>
+      <a:spPr/>
+      <a:bodyPr/>
+      <a:lstStyle/>
+      <a:style>
+        <a:lnRef idx="2">
+          <a:schemeClr val="accent1"/>
+        </a:lnRef>
+        <a:fillRef idx="0">
+          <a:schemeClr val="accent1"/>
+        </a:fillRef>
+        <a:effectRef idx="1">
+          <a:schemeClr val="accent1"/>
+        </a:effectRef>
+        <a:fontRef idx="minor">
+          <a:schemeClr val="tx1"/>
+        </a:fontRef>
+      </a:style>
+    </a:lnDef>
+  </a:objectDefaults>
+  <a:extraClrSchemeLst/>
+</a:theme>
 </file>
--- a/Gatliffe-Panter-Zhang.pptx
+++ b/Gatliffe-Panter-Zhang.pptx
@@ -9,14 +9,14 @@
   </p:notesMasterIdLst>
   <p:sldIdLst>
     <p:sldId id="256" r:id="rId2"/>
-    <p:sldId id="258" r:id="rId3"/>
-    <p:sldId id="257" r:id="rId4"/>
+    <p:sldId id="257" r:id="rId3"/>
+    <p:sldId id="258" r:id="rId4"/>
     <p:sldId id="259" r:id="rId5"/>
     <p:sldId id="260" r:id="rId6"/>
     <p:sldId id="261" r:id="rId7"/>
-    <p:sldId id="262" r:id="rId8"/>
-    <p:sldId id="263" r:id="rId9"/>
-    <p:sldId id="264" r:id="rId10"/>
+    <p:sldId id="263" r:id="rId8"/>
+    <p:sldId id="264" r:id="rId9"/>
+    <p:sldId id="262" r:id="rId10"/>
     <p:sldId id="265" r:id="rId11"/>
     <p:sldId id="266" r:id="rId12"/>
     <p:sldId id="267" r:id="rId13"/>
@@ -637,7 +637,7 @@
     </p:spTree>
     <p:extLst>
       <p:ext uri="{BB962C8B-B14F-4D97-AF65-F5344CB8AC3E}">
-        <p14:creationId xmlns:p14="http://schemas.microsoft.com/office/powerpoint/2010/main" val="2143740425"/>
+        <p14:creationId xmlns:p14="http://schemas.microsoft.com/office/powerpoint/2010/main" val="1454765891"/>
       </p:ext>
     </p:extLst>
   </p:cSld>
@@ -725,7 +725,7 @@
     </p:spTree>
     <p:extLst>
       <p:ext uri="{BB962C8B-B14F-4D97-AF65-F5344CB8AC3E}">
-        <p14:creationId xmlns:p14="http://schemas.microsoft.com/office/powerpoint/2010/main" val="1454765891"/>
+        <p14:creationId xmlns:p14="http://schemas.microsoft.com/office/powerpoint/2010/main" val="2143740425"/>
       </p:ext>
     </p:extLst>
   </p:cSld>
@@ -916,7 +916,7 @@
           <a:p>
             <a:fld id="{E121D6F8-755F-EB41-B367-AF4A25671245}" type="datetimeFigureOut">
               <a:rPr lang="en-US" smtClean="0"/>
-              <a:t>9/23/18</a:t>
+              <a:t>9/24/18</a:t>
             </a:fld>
             <a:endParaRPr lang="en-US"/>
           </a:p>
@@ -1086,7 +1086,7 @@
           <a:p>
             <a:fld id="{E121D6F8-755F-EB41-B367-AF4A25671245}" type="datetimeFigureOut">
               <a:rPr lang="en-US" smtClean="0"/>
-              <a:t>9/23/18</a:t>
+              <a:t>9/24/18</a:t>
             </a:fld>
             <a:endParaRPr lang="en-US"/>
           </a:p>
@@ -1266,7 +1266,7 @@
           <a:p>
             <a:fld id="{E121D6F8-755F-EB41-B367-AF4A25671245}" type="datetimeFigureOut">
               <a:rPr lang="en-US" smtClean="0"/>
-              <a:t>9/23/18</a:t>
+              <a:t>9/24/18</a:t>
             </a:fld>
             <a:endParaRPr lang="en-US"/>
           </a:p>
@@ -1436,7 +1436,7 @@
           <a:p>
             <a:fld id="{E121D6F8-755F-EB41-B367-AF4A25671245}" type="datetimeFigureOut">
               <a:rPr lang="en-US" smtClean="0"/>
-              <a:t>9/23/18</a:t>
+              <a:t>9/24/18</a:t>
             </a:fld>
             <a:endParaRPr lang="en-US"/>
           </a:p>
@@ -1682,7 +1682,7 @@
           <a:p>
             <a:fld id="{E121D6F8-755F-EB41-B367-AF4A25671245}" type="datetimeFigureOut">
               <a:rPr lang="en-US" smtClean="0"/>
-              <a:t>9/23/18</a:t>
+              <a:t>9/24/18</a:t>
             </a:fld>
             <a:endParaRPr lang="en-US"/>
           </a:p>
@@ -1970,7 +1970,7 @@
           <a:p>
             <a:fld id="{E121D6F8-755F-EB41-B367-AF4A25671245}" type="datetimeFigureOut">
               <a:rPr lang="en-US" smtClean="0"/>
-              <a:t>9/23/18</a:t>
+              <a:t>9/24/18</a:t>
             </a:fld>
             <a:endParaRPr lang="en-US"/>
           </a:p>
@@ -2392,7 +2392,7 @@
           <a:p>
             <a:fld id="{E121D6F8-755F-EB41-B367-AF4A25671245}" type="datetimeFigureOut">
               <a:rPr lang="en-US" smtClean="0"/>
-              <a:t>9/23/18</a:t>
+              <a:t>9/24/18</a:t>
             </a:fld>
             <a:endParaRPr lang="en-US"/>
           </a:p>
@@ -2510,7 +2510,7 @@
           <a:p>
             <a:fld id="{E121D6F8-755F-EB41-B367-AF4A25671245}" type="datetimeFigureOut">
               <a:rPr lang="en-US" smtClean="0"/>
-              <a:t>9/23/18</a:t>
+              <a:t>9/24/18</a:t>
             </a:fld>
             <a:endParaRPr lang="en-US"/>
           </a:p>
@@ -2605,7 +2605,7 @@
           <a:p>
             <a:fld id="{E121D6F8-755F-EB41-B367-AF4A25671245}" type="datetimeFigureOut">
               <a:rPr lang="en-US" smtClean="0"/>
-              <a:t>9/23/18</a:t>
+              <a:t>9/24/18</a:t>
             </a:fld>
             <a:endParaRPr lang="en-US"/>
           </a:p>
@@ -2882,7 +2882,7 @@
           <a:p>
             <a:fld id="{E121D6F8-755F-EB41-B367-AF4A25671245}" type="datetimeFigureOut">
               <a:rPr lang="en-US" smtClean="0"/>
-              <a:t>9/23/18</a:t>
+              <a:t>9/24/18</a:t>
             </a:fld>
             <a:endParaRPr lang="en-US"/>
           </a:p>
@@ -3135,7 +3135,7 @@
           <a:p>
             <a:fld id="{E121D6F8-755F-EB41-B367-AF4A25671245}" type="datetimeFigureOut">
               <a:rPr lang="en-US" smtClean="0"/>
-              <a:t>9/23/18</a:t>
+              <a:t>9/24/18</a:t>
             </a:fld>
             <a:endParaRPr lang="en-US"/>
           </a:p>
@@ -3365,7 +3365,7 @@
           <a:p>
             <a:fld id="{E121D6F8-755F-EB41-B367-AF4A25671245}" type="datetimeFigureOut">
               <a:rPr lang="en-US" smtClean="0"/>
-              <a:t>9/23/18</a:t>
+              <a:t>9/24/18</a:t>
             </a:fld>
             <a:endParaRPr lang="en-US"/>
           </a:p>
@@ -4014,7 +4014,11 @@
           <a:bodyPr/>
           <a:lstStyle/>
           <a:p>
-            <a:endParaRPr lang="en-US"/>
+            <a:r>
+              <a:rPr lang="en-US" dirty="0" smtClean="0"/>
+              <a:t>Model Selection</a:t>
+            </a:r>
+            <a:endParaRPr lang="en-US" dirty="0"/>
           </a:p>
         </p:txBody>
       </p:sp>
@@ -4033,7 +4037,28 @@
           <a:bodyPr/>
           <a:lstStyle/>
           <a:p>
-            <a:endParaRPr lang="en-US"/>
+            <a:r>
+              <a:rPr lang="en-US" dirty="0" smtClean="0"/>
+              <a:t>Forward, Backward, and </a:t>
+            </a:r>
+            <a:r>
+              <a:rPr lang="en-US" smtClean="0"/>
+              <a:t>Stepwise run for </a:t>
+            </a:r>
+            <a:r>
+              <a:rPr lang="en-US" dirty="0" smtClean="0"/>
+              <a:t>each model, t=-24,-12, -6, -3 </a:t>
+            </a:r>
+            <a:r>
+              <a:rPr lang="en-US" smtClean="0"/>
+              <a:t>, 1</a:t>
+            </a:r>
+          </a:p>
+          <a:p>
+            <a:endParaRPr lang="en-US" dirty="0" smtClean="0"/>
+          </a:p>
+          <a:p>
+            <a:endParaRPr lang="en-US" dirty="0"/>
           </a:p>
         </p:txBody>
       </p:sp>
@@ -4187,6 +4212,118 @@
 </file>
 
 <file path=ppt/slides/slide2.xml><?xml version="1.0" encoding="utf-8"?>
+<p:sld xmlns:a="http://schemas.openxmlformats.org/drawingml/2006/main" xmlns:r="http://schemas.openxmlformats.org/officeDocument/2006/relationships" xmlns:p="http://schemas.openxmlformats.org/presentationml/2006/main">
+  <p:cSld>
+    <p:spTree>
+      <p:nvGrpSpPr>
+        <p:cNvPr id="1" name=""/>
+        <p:cNvGrpSpPr/>
+        <p:nvPr/>
+      </p:nvGrpSpPr>
+      <p:grpSpPr>
+        <a:xfrm>
+          <a:off x="0" y="0"/>
+          <a:ext cx="0" cy="0"/>
+          <a:chOff x="0" y="0"/>
+          <a:chExt cx="0" cy="0"/>
+        </a:xfrm>
+      </p:grpSpPr>
+      <p:sp>
+        <p:nvSpPr>
+          <p:cNvPr id="2" name="Title 1"/>
+          <p:cNvSpPr>
+            <a:spLocks noGrp="1"/>
+          </p:cNvSpPr>
+          <p:nvPr>
+            <p:ph type="title"/>
+          </p:nvPr>
+        </p:nvSpPr>
+        <p:spPr/>
+        <p:txBody>
+          <a:bodyPr/>
+          <a:lstStyle/>
+          <a:p>
+            <a:r>
+              <a:rPr lang="en-US" b="1" dirty="0" smtClean="0"/>
+              <a:t>The Data Set</a:t>
+            </a:r>
+            <a:endParaRPr lang="en-US" b="1" dirty="0"/>
+          </a:p>
+        </p:txBody>
+      </p:sp>
+      <p:sp>
+        <p:nvSpPr>
+          <p:cNvPr id="3" name="Content Placeholder 2"/>
+          <p:cNvSpPr>
+            <a:spLocks noGrp="1"/>
+          </p:cNvSpPr>
+          <p:nvPr>
+            <p:ph idx="1"/>
+          </p:nvPr>
+        </p:nvSpPr>
+        <p:spPr/>
+        <p:txBody>
+          <a:bodyPr>
+            <a:normAutofit/>
+          </a:bodyPr>
+          <a:lstStyle/>
+          <a:p>
+            <a:pPr marL="0" indent="0">
+              <a:buNone/>
+            </a:pPr>
+            <a:r>
+              <a:rPr lang="is-IS" dirty="0" smtClean="0"/>
+              <a:t>Hourly readings from Denver International Airport taken between  1 September 2013 and 31 August 2018</a:t>
+            </a:r>
+          </a:p>
+          <a:p>
+            <a:pPr marL="0" indent="0">
+              <a:buNone/>
+            </a:pPr>
+            <a:endParaRPr lang="is-IS" dirty="0"/>
+          </a:p>
+          <a:p>
+            <a:pPr marL="0" indent="0">
+              <a:buNone/>
+            </a:pPr>
+            <a:r>
+              <a:rPr lang="is-IS" dirty="0" smtClean="0"/>
+              <a:t>Variables recorded include: temperature, pressure, humidity, wind speed and direction,  precipitation accumulation, cloud cover and course and fine categorical descriptions. </a:t>
+            </a:r>
+            <a:r>
+              <a:rPr lang="is-IS" dirty="0"/>
+              <a:t> </a:t>
+            </a:r>
+            <a:r>
+              <a:rPr lang="is-IS" dirty="0" smtClean="0"/>
+              <a:t> </a:t>
+            </a:r>
+            <a:r>
+              <a:rPr lang="is-IS" dirty="0"/>
+              <a:t> </a:t>
+            </a:r>
+            <a:r>
+              <a:rPr lang="is-IS" dirty="0" smtClean="0"/>
+              <a:t> </a:t>
+            </a:r>
+            <a:endParaRPr lang="en-US" dirty="0"/>
+          </a:p>
+        </p:txBody>
+      </p:sp>
+    </p:spTree>
+    <p:extLst>
+      <p:ext uri="{BB962C8B-B14F-4D97-AF65-F5344CB8AC3E}">
+        <p14:creationId xmlns:p14="http://schemas.microsoft.com/office/powerpoint/2010/main" val="1944008293"/>
+      </p:ext>
+    </p:extLst>
+  </p:cSld>
+  <p:clrMapOvr>
+    <a:masterClrMapping/>
+  </p:clrMapOvr>
+</p:sld>
+</file>
+
+<file path=ppt/slides/slide3.xml><?xml version="1.0" encoding="utf-8"?>
 <p:sld xmlns:a="http://schemas.openxmlformats.org/drawingml/2006/main" xmlns:r="http://schemas.openxmlformats.org/officeDocument/2006/relationships" xmlns:p="http://schemas.openxmlformats.org/presentationml/2006/main">
   <p:cSld>
     <p:spTree>
@@ -4363,7 +4500,28 @@
                   </a:outerShdw>
                 </a:effectLst>
               </a:rPr>
-              <a:t>How far in advance can we </a:t>
+              <a:t>Using only these variables, how </a:t>
+            </a:r>
+            <a:r>
+              <a:rPr lang="en-US" b="1" dirty="0" smtClean="0">
+                <a:ln w="18415" cmpd="sng">
+                  <a:solidFill>
+                    <a:srgbClr val="FFFFFF"/>
+                  </a:solidFill>
+                  <a:prstDash val="solid"/>
+                </a:ln>
+                <a:solidFill>
+                  <a:srgbClr val="FFFFFF"/>
+                </a:solidFill>
+                <a:effectLst>
+                  <a:outerShdw blurRad="63500" dir="3600000" algn="tl" rotWithShape="0">
+                    <a:srgbClr val="000000">
+                      <a:alpha val="70000"/>
+                    </a:srgbClr>
+                  </a:outerShdw>
+                </a:effectLst>
+              </a:rPr>
+              <a:t>far in advance can we </a:t>
             </a:r>
             <a:r>
               <a:rPr lang="en-US" b="1" dirty="0">
@@ -4408,7 +4566,7 @@
               <a:t>predict </a:t>
             </a:r>
             <a:r>
-              <a:rPr lang="en-US" b="1" dirty="0">
+              <a:rPr lang="en-US" b="1" dirty="0" smtClean="0">
                 <a:ln w="18415" cmpd="sng">
                   <a:solidFill>
                     <a:srgbClr val="FFFFFF"/>
@@ -4426,7 +4584,28 @@
                   </a:outerShdw>
                 </a:effectLst>
               </a:rPr>
-              <a:t>precipitation (yes/no) </a:t>
+              <a:t>precipitation (</a:t>
+            </a:r>
+            <a:r>
+              <a:rPr lang="en-US" b="1" dirty="0">
+                <a:ln w="18415" cmpd="sng">
+                  <a:solidFill>
+                    <a:srgbClr val="FFFFFF"/>
+                  </a:solidFill>
+                  <a:prstDash val="solid"/>
+                </a:ln>
+                <a:solidFill>
+                  <a:srgbClr val="FFFFFF"/>
+                </a:solidFill>
+                <a:effectLst>
+                  <a:outerShdw blurRad="63500" dir="3600000" algn="tl" rotWithShape="0">
+                    <a:srgbClr val="000000">
+                      <a:alpha val="70000"/>
+                    </a:srgbClr>
+                  </a:outerShdw>
+                </a:effectLst>
+              </a:rPr>
+              <a:t>yes/no) </a:t>
             </a:r>
             <a:r>
               <a:rPr lang="en-US" b="1" dirty="0" smtClean="0">
@@ -4515,118 +4694,6 @@
     <p:extLst>
       <p:ext uri="{BB962C8B-B14F-4D97-AF65-F5344CB8AC3E}">
         <p14:creationId xmlns:p14="http://schemas.microsoft.com/office/powerpoint/2010/main" val="2468385637"/>
-      </p:ext>
-    </p:extLst>
-  </p:cSld>
-  <p:clrMapOvr>
-    <a:masterClrMapping/>
-  </p:clrMapOvr>
-</p:sld>
-</file>
-
-<file path=ppt/slides/slide3.xml><?xml version="1.0" encoding="utf-8"?>
-<p:sld xmlns:a="http://schemas.openxmlformats.org/drawingml/2006/main" xmlns:r="http://schemas.openxmlformats.org/officeDocument/2006/relationships" xmlns:p="http://schemas.openxmlformats.org/presentationml/2006/main">
-  <p:cSld>
-    <p:spTree>
-      <p:nvGrpSpPr>
-        <p:cNvPr id="1" name=""/>
-        <p:cNvGrpSpPr/>
-        <p:nvPr/>
-      </p:nvGrpSpPr>
-      <p:grpSpPr>
-        <a:xfrm>
-          <a:off x="0" y="0"/>
-          <a:ext cx="0" cy="0"/>
-          <a:chOff x="0" y="0"/>
-          <a:chExt cx="0" cy="0"/>
-        </a:xfrm>
-      </p:grpSpPr>
-      <p:sp>
-        <p:nvSpPr>
-          <p:cNvPr id="2" name="Title 1"/>
-          <p:cNvSpPr>
-            <a:spLocks noGrp="1"/>
-          </p:cNvSpPr>
-          <p:nvPr>
-            <p:ph type="title"/>
-          </p:nvPr>
-        </p:nvSpPr>
-        <p:spPr/>
-        <p:txBody>
-          <a:bodyPr/>
-          <a:lstStyle/>
-          <a:p>
-            <a:r>
-              <a:rPr lang="en-US" b="1" dirty="0" smtClean="0"/>
-              <a:t>The Data Set</a:t>
-            </a:r>
-            <a:endParaRPr lang="en-US" b="1" dirty="0"/>
-          </a:p>
-        </p:txBody>
-      </p:sp>
-      <p:sp>
-        <p:nvSpPr>
-          <p:cNvPr id="3" name="Content Placeholder 2"/>
-          <p:cNvSpPr>
-            <a:spLocks noGrp="1"/>
-          </p:cNvSpPr>
-          <p:nvPr>
-            <p:ph idx="1"/>
-          </p:nvPr>
-        </p:nvSpPr>
-        <p:spPr/>
-        <p:txBody>
-          <a:bodyPr>
-            <a:normAutofit/>
-          </a:bodyPr>
-          <a:lstStyle/>
-          <a:p>
-            <a:pPr marL="0" indent="0">
-              <a:buNone/>
-            </a:pPr>
-            <a:r>
-              <a:rPr lang="is-IS" dirty="0" smtClean="0"/>
-              <a:t>Hourly readings from Denver International Airport taken between  1 September 2013 and 31 August 2018</a:t>
-            </a:r>
-          </a:p>
-          <a:p>
-            <a:pPr marL="0" indent="0">
-              <a:buNone/>
-            </a:pPr>
-            <a:endParaRPr lang="is-IS" dirty="0"/>
-          </a:p>
-          <a:p>
-            <a:pPr marL="0" indent="0">
-              <a:buNone/>
-            </a:pPr>
-            <a:r>
-              <a:rPr lang="is-IS" dirty="0" smtClean="0"/>
-              <a:t>Variables recorded include: temperature, pressure, humidity, wind speed and direction,  precipitation accumulation, cloud cover and course and fine categorical descriptions. </a:t>
-            </a:r>
-            <a:r>
-              <a:rPr lang="is-IS" dirty="0"/>
-              <a:t> </a:t>
-            </a:r>
-            <a:r>
-              <a:rPr lang="is-IS" dirty="0" smtClean="0"/>
-              <a:t> </a:t>
-            </a:r>
-            <a:r>
-              <a:rPr lang="is-IS" dirty="0"/>
-              <a:t> </a:t>
-            </a:r>
-            <a:r>
-              <a:rPr lang="is-IS" dirty="0" smtClean="0"/>
-              <a:t> </a:t>
-            </a:r>
-            <a:endParaRPr lang="en-US" dirty="0"/>
-          </a:p>
-        </p:txBody>
-      </p:sp>
-    </p:spTree>
-    <p:extLst>
-      <p:ext uri="{BB962C8B-B14F-4D97-AF65-F5344CB8AC3E}">
-        <p14:creationId xmlns:p14="http://schemas.microsoft.com/office/powerpoint/2010/main" val="1944008293"/>
       </p:ext>
     </p:extLst>
   </p:cSld>
@@ -4672,25 +4739,36 @@
           </a:p>
         </p:txBody>
       </p:sp>
-      <p:sp>
-        <p:nvSpPr>
-          <p:cNvPr id="3" name="Content Placeholder 2"/>
-          <p:cNvSpPr>
-            <a:spLocks noGrp="1"/>
-          </p:cNvSpPr>
-          <p:nvPr>
-            <p:ph idx="1"/>
-          </p:nvPr>
-        </p:nvSpPr>
-        <p:spPr/>
-        <p:txBody>
-          <a:bodyPr/>
-          <a:lstStyle/>
-          <a:p>
-            <a:endParaRPr lang="en-US"/>
-          </a:p>
-        </p:txBody>
-      </p:sp>
+      <p:pic>
+        <p:nvPicPr>
+          <p:cNvPr id="4" name="Picture 3" descr="Rplot01.png"/>
+          <p:cNvPicPr>
+            <a:picLocks noChangeAspect="1"/>
+          </p:cNvPicPr>
+          <p:nvPr/>
+        </p:nvPicPr>
+        <p:blipFill>
+          <a:blip r:embed="rId2">
+            <a:extLst>
+              <a:ext uri="{28A0092B-C50C-407E-A947-70E740481C1C}">
+                <a14:useLocalDpi xmlns:a14="http://schemas.microsoft.com/office/drawing/2010/main" val="0"/>
+              </a:ext>
+            </a:extLst>
+          </a:blip>
+          <a:stretch>
+            <a:fillRect/>
+          </a:stretch>
+        </p:blipFill>
+        <p:spPr>
+          <a:xfrm>
+            <a:off x="334854" y="2050076"/>
+            <a:ext cx="8448580" cy="3661051"/>
+          </a:xfrm>
+          <a:prstGeom prst="rect">
+            <a:avLst/>
+          </a:prstGeom>
+        </p:spPr>
+      </p:pic>
     </p:spTree>
     <p:extLst>
       <p:ext uri="{BB962C8B-B14F-4D97-AF65-F5344CB8AC3E}">
@@ -4736,29 +4814,40 @@
           <a:bodyPr/>
           <a:lstStyle/>
           <a:p>
-            <a:endParaRPr lang="en-US"/>
-          </a:p>
-        </p:txBody>
-      </p:sp>
-      <p:sp>
-        <p:nvSpPr>
-          <p:cNvPr id="3" name="Content Placeholder 2"/>
-          <p:cNvSpPr>
-            <a:spLocks noGrp="1"/>
-          </p:cNvSpPr>
-          <p:nvPr>
-            <p:ph idx="1"/>
-          </p:nvPr>
-        </p:nvSpPr>
-        <p:spPr/>
-        <p:txBody>
-          <a:bodyPr/>
-          <a:lstStyle/>
-          <a:p>
-            <a:endParaRPr lang="en-US"/>
-          </a:p>
-        </p:txBody>
-      </p:sp>
+            <a:endParaRPr lang="en-US" dirty="0"/>
+          </a:p>
+        </p:txBody>
+      </p:sp>
+      <p:pic>
+        <p:nvPicPr>
+          <p:cNvPr id="10" name="Picture 9" descr="Rplot05.png"/>
+          <p:cNvPicPr>
+            <a:picLocks noChangeAspect="1"/>
+          </p:cNvPicPr>
+          <p:nvPr/>
+        </p:nvPicPr>
+        <p:blipFill>
+          <a:blip r:embed="rId2">
+            <a:extLst>
+              <a:ext uri="{28A0092B-C50C-407E-A947-70E740481C1C}">
+                <a14:useLocalDpi xmlns:a14="http://schemas.microsoft.com/office/drawing/2010/main" val="0"/>
+              </a:ext>
+            </a:extLst>
+          </a:blip>
+          <a:stretch>
+            <a:fillRect/>
+          </a:stretch>
+        </p:blipFill>
+        <p:spPr>
+          <a:xfrm>
+            <a:off x="0" y="1815866"/>
+            <a:ext cx="9144000" cy="3965266"/>
+          </a:xfrm>
+          <a:prstGeom prst="rect">
+            <a:avLst/>
+          </a:prstGeom>
+        </p:spPr>
+      </p:pic>
     </p:spTree>
     <p:extLst>
       <p:ext uri="{BB962C8B-B14F-4D97-AF65-F5344CB8AC3E}">
@@ -4804,29 +4893,39 @@
           <a:bodyPr/>
           <a:lstStyle/>
           <a:p>
-            <a:endParaRPr lang="en-US"/>
-          </a:p>
-        </p:txBody>
-      </p:sp>
-      <p:sp>
-        <p:nvSpPr>
-          <p:cNvPr id="3" name="Content Placeholder 2"/>
-          <p:cNvSpPr>
-            <a:spLocks noGrp="1"/>
-          </p:cNvSpPr>
+            <a:r>
+              <a:rPr lang="en-US" dirty="0" smtClean="0"/>
+              <a:t>Current Condition Regressions</a:t>
+            </a:r>
+            <a:endParaRPr lang="en-US" dirty="0"/>
+          </a:p>
+        </p:txBody>
+      </p:sp>
+      <p:pic>
+        <p:nvPicPr>
+          <p:cNvPr id="4" name="Content Placeholder 3" descr="Rplot06.png"/>
+          <p:cNvPicPr>
+            <a:picLocks noGrp="1" noChangeAspect="1"/>
+          </p:cNvPicPr>
           <p:nvPr>
             <p:ph idx="1"/>
           </p:nvPr>
-        </p:nvSpPr>
+        </p:nvPicPr>
+        <p:blipFill>
+          <a:blip r:embed="rId2">
+            <a:extLst>
+              <a:ext uri="{28A0092B-C50C-407E-A947-70E740481C1C}">
+                <a14:useLocalDpi xmlns:a14="http://schemas.microsoft.com/office/drawing/2010/main" val="0"/>
+              </a:ext>
+            </a:extLst>
+          </a:blip>
+          <a:srcRect l="5301" r="5301"/>
+          <a:stretch>
+            <a:fillRect/>
+          </a:stretch>
+        </p:blipFill>
         <p:spPr/>
-        <p:txBody>
-          <a:bodyPr/>
-          <a:lstStyle/>
-          <a:p>
-            <a:endParaRPr lang="en-US"/>
-          </a:p>
-        </p:txBody>
-      </p:sp>
+      </p:pic>
     </p:spTree>
     <p:extLst>
       <p:ext uri="{BB962C8B-B14F-4D97-AF65-F5344CB8AC3E}">
@@ -4841,6 +4940,1295 @@
 </file>
 
 <file path=ppt/slides/slide7.xml><?xml version="1.0" encoding="utf-8"?>
+<p:sld xmlns:a="http://schemas.openxmlformats.org/drawingml/2006/main" xmlns:r="http://schemas.openxmlformats.org/officeDocument/2006/relationships" xmlns:p="http://schemas.openxmlformats.org/presentationml/2006/main">
+  <p:cSld>
+    <p:spTree>
+      <p:nvGrpSpPr>
+        <p:cNvPr id="1" name=""/>
+        <p:cNvGrpSpPr/>
+        <p:nvPr/>
+      </p:nvGrpSpPr>
+      <p:grpSpPr>
+        <a:xfrm>
+          <a:off x="0" y="0"/>
+          <a:ext cx="0" cy="0"/>
+          <a:chOff x="0" y="0"/>
+          <a:chExt cx="0" cy="0"/>
+        </a:xfrm>
+      </p:grpSpPr>
+      <p:pic>
+        <p:nvPicPr>
+          <p:cNvPr id="4" name="Picture 3" descr="522795232-612x612.jpg"/>
+          <p:cNvPicPr>
+            <a:picLocks noChangeAspect="1"/>
+          </p:cNvPicPr>
+          <p:nvPr/>
+        </p:nvPicPr>
+        <p:blipFill>
+          <a:blip r:embed="rId2">
+            <a:alphaModFix/>
+            <a:extLst>
+              <a:ext uri="{28A0092B-C50C-407E-A947-70E740481C1C}">
+                <a14:useLocalDpi xmlns:a14="http://schemas.microsoft.com/office/drawing/2010/main" val="0"/>
+              </a:ext>
+            </a:extLst>
+          </a:blip>
+          <a:stretch>
+            <a:fillRect/>
+          </a:stretch>
+        </p:blipFill>
+        <p:spPr>
+          <a:xfrm>
+            <a:off x="-834625" y="-96641"/>
+            <a:ext cx="10384946" cy="7109955"/>
+          </a:xfrm>
+          <a:prstGeom prst="rect">
+            <a:avLst/>
+          </a:prstGeom>
+        </p:spPr>
+      </p:pic>
+      <p:sp>
+        <p:nvSpPr>
+          <p:cNvPr id="2" name="Title 1"/>
+          <p:cNvSpPr>
+            <a:spLocks noGrp="1"/>
+          </p:cNvSpPr>
+          <p:nvPr>
+            <p:ph type="title"/>
+          </p:nvPr>
+        </p:nvSpPr>
+        <p:spPr/>
+        <p:txBody>
+          <a:bodyPr/>
+          <a:lstStyle/>
+          <a:p>
+            <a:r>
+              <a:rPr lang="en-US" dirty="0" smtClean="0">
+                <a:ln w="18415" cmpd="sng">
+                  <a:solidFill>
+                    <a:srgbClr val="FFFFFF"/>
+                  </a:solidFill>
+                  <a:prstDash val="solid"/>
+                </a:ln>
+                <a:solidFill>
+                  <a:srgbClr val="FFFFFF"/>
+                </a:solidFill>
+                <a:effectLst>
+                  <a:outerShdw blurRad="63500" dir="3600000" algn="tl" rotWithShape="0">
+                    <a:srgbClr val="000000">
+                      <a:alpha val="70000"/>
+                    </a:srgbClr>
+                  </a:outerShdw>
+                </a:effectLst>
+              </a:rPr>
+              <a:t>Data Cleaning</a:t>
+            </a:r>
+            <a:endParaRPr lang="en-US" dirty="0">
+              <a:ln w="18415" cmpd="sng">
+                <a:solidFill>
+                  <a:srgbClr val="FFFFFF"/>
+                </a:solidFill>
+                <a:prstDash val="solid"/>
+              </a:ln>
+              <a:solidFill>
+                <a:srgbClr val="FFFFFF"/>
+              </a:solidFill>
+              <a:effectLst>
+                <a:outerShdw blurRad="63500" dir="3600000" algn="tl" rotWithShape="0">
+                  <a:srgbClr val="000000">
+                    <a:alpha val="70000"/>
+                  </a:srgbClr>
+                </a:outerShdw>
+              </a:effectLst>
+            </a:endParaRPr>
+          </a:p>
+        </p:txBody>
+      </p:sp>
+      <p:sp>
+        <p:nvSpPr>
+          <p:cNvPr id="3" name="Content Placeholder 2"/>
+          <p:cNvSpPr>
+            <a:spLocks noGrp="1"/>
+          </p:cNvSpPr>
+          <p:nvPr>
+            <p:ph idx="1"/>
+          </p:nvPr>
+        </p:nvSpPr>
+        <p:spPr/>
+        <p:txBody>
+          <a:bodyPr>
+            <a:normAutofit fontScale="77500" lnSpcReduction="20000"/>
+          </a:bodyPr>
+          <a:lstStyle/>
+          <a:p>
+            <a:r>
+              <a:rPr lang="en-US" dirty="0">
+                <a:ln w="18415" cmpd="sng">
+                  <a:solidFill>
+                    <a:srgbClr val="FFFFFF"/>
+                  </a:solidFill>
+                  <a:prstDash val="solid"/>
+                </a:ln>
+                <a:solidFill>
+                  <a:srgbClr val="FFFFFF"/>
+                </a:solidFill>
+                <a:effectLst>
+                  <a:outerShdw blurRad="63500" dir="3600000" algn="tl" rotWithShape="0">
+                    <a:srgbClr val="000000">
+                      <a:alpha val="70000"/>
+                    </a:srgbClr>
+                  </a:outerShdw>
+                </a:effectLst>
+              </a:rPr>
+              <a:t>Interpolated missing  </a:t>
+            </a:r>
+            <a:r>
+              <a:rPr lang="en-US" i="1" dirty="0" err="1">
+                <a:ln w="18415" cmpd="sng">
+                  <a:solidFill>
+                    <a:srgbClr val="FFFFFF"/>
+                  </a:solidFill>
+                  <a:prstDash val="solid"/>
+                </a:ln>
+                <a:solidFill>
+                  <a:srgbClr val="FFFFFF"/>
+                </a:solidFill>
+                <a:effectLst>
+                  <a:outerShdw blurRad="63500" dir="3600000" algn="tl" rotWithShape="0">
+                    <a:srgbClr val="000000">
+                      <a:alpha val="70000"/>
+                    </a:srgbClr>
+                  </a:outerShdw>
+                </a:effectLst>
+              </a:rPr>
+              <a:t>x</a:t>
+            </a:r>
+            <a:r>
+              <a:rPr lang="en-US" i="1" baseline="-25000" dirty="0" err="1">
+                <a:ln w="18415" cmpd="sng">
+                  <a:solidFill>
+                    <a:srgbClr val="FFFFFF"/>
+                  </a:solidFill>
+                  <a:prstDash val="solid"/>
+                </a:ln>
+                <a:solidFill>
+                  <a:srgbClr val="FFFFFF"/>
+                </a:solidFill>
+                <a:effectLst>
+                  <a:outerShdw blurRad="63500" dir="3600000" algn="tl" rotWithShape="0">
+                    <a:srgbClr val="000000">
+                      <a:alpha val="70000"/>
+                    </a:srgbClr>
+                  </a:outerShdw>
+                </a:effectLst>
+              </a:rPr>
+              <a:t>t</a:t>
+            </a:r>
+            <a:r>
+              <a:rPr lang="en-US" dirty="0">
+                <a:ln w="18415" cmpd="sng">
+                  <a:solidFill>
+                    <a:srgbClr val="FFFFFF"/>
+                  </a:solidFill>
+                  <a:prstDash val="solid"/>
+                </a:ln>
+                <a:solidFill>
+                  <a:srgbClr val="FFFFFF"/>
+                </a:solidFill>
+                <a:effectLst>
+                  <a:outerShdw blurRad="63500" dir="3600000" algn="tl" rotWithShape="0">
+                    <a:srgbClr val="000000">
+                      <a:alpha val="70000"/>
+                    </a:srgbClr>
+                  </a:outerShdw>
+                </a:effectLst>
+              </a:rPr>
+              <a:t> </a:t>
+            </a:r>
+            <a:r>
+              <a:rPr lang="en-US" i="1" dirty="0" smtClean="0">
+                <a:ln w="18415" cmpd="sng">
+                  <a:solidFill>
+                    <a:srgbClr val="FFFFFF"/>
+                  </a:solidFill>
+                  <a:prstDash val="solid"/>
+                </a:ln>
+                <a:solidFill>
+                  <a:srgbClr val="FFFFFF"/>
+                </a:solidFill>
+                <a:effectLst>
+                  <a:outerShdw blurRad="63500" dir="3600000" algn="tl" rotWithShape="0">
+                    <a:srgbClr val="000000">
+                      <a:alpha val="70000"/>
+                    </a:srgbClr>
+                  </a:outerShdw>
+                </a:effectLst>
+              </a:rPr>
+              <a:t> </a:t>
+            </a:r>
+            <a:r>
+              <a:rPr lang="en-US" dirty="0" smtClean="0">
+                <a:ln w="18415" cmpd="sng">
+                  <a:solidFill>
+                    <a:srgbClr val="FFFFFF"/>
+                  </a:solidFill>
+                  <a:prstDash val="solid"/>
+                </a:ln>
+                <a:solidFill>
+                  <a:srgbClr val="FFFFFF"/>
+                </a:solidFill>
+                <a:effectLst>
+                  <a:outerShdw blurRad="63500" dir="3600000" algn="tl" rotWithShape="0">
+                    <a:srgbClr val="000000">
+                      <a:alpha val="70000"/>
+                    </a:srgbClr>
+                  </a:outerShdw>
+                </a:effectLst>
+              </a:rPr>
+              <a:t>values where </a:t>
+            </a:r>
+            <a:r>
+              <a:rPr lang="en-US" i="1" dirty="0" smtClean="0">
+                <a:ln w="18415" cmpd="sng">
+                  <a:solidFill>
+                    <a:srgbClr val="FFFFFF"/>
+                  </a:solidFill>
+                  <a:prstDash val="solid"/>
+                </a:ln>
+                <a:solidFill>
+                  <a:srgbClr val="FFFFFF"/>
+                </a:solidFill>
+                <a:effectLst>
+                  <a:outerShdw blurRad="63500" dir="3600000" algn="tl" rotWithShape="0">
+                    <a:srgbClr val="000000">
+                      <a:alpha val="70000"/>
+                    </a:srgbClr>
+                  </a:outerShdw>
+                </a:effectLst>
+              </a:rPr>
+              <a:t>x</a:t>
+            </a:r>
+            <a:r>
+              <a:rPr lang="en-US" i="1" baseline="-25000" dirty="0" smtClean="0">
+                <a:ln w="18415" cmpd="sng">
+                  <a:solidFill>
+                    <a:srgbClr val="FFFFFF"/>
+                  </a:solidFill>
+                  <a:prstDash val="solid"/>
+                </a:ln>
+                <a:solidFill>
+                  <a:srgbClr val="FFFFFF"/>
+                </a:solidFill>
+                <a:effectLst>
+                  <a:outerShdw blurRad="63500" dir="3600000" algn="tl" rotWithShape="0">
+                    <a:srgbClr val="000000">
+                      <a:alpha val="70000"/>
+                    </a:srgbClr>
+                  </a:outerShdw>
+                </a:effectLst>
+              </a:rPr>
+              <a:t>t-1 </a:t>
+            </a:r>
+            <a:r>
+              <a:rPr lang="en-US" dirty="0" smtClean="0">
+                <a:ln w="18415" cmpd="sng">
+                  <a:solidFill>
+                    <a:srgbClr val="FFFFFF"/>
+                  </a:solidFill>
+                  <a:prstDash val="solid"/>
+                </a:ln>
+                <a:solidFill>
+                  <a:srgbClr val="FFFFFF"/>
+                </a:solidFill>
+                <a:effectLst>
+                  <a:outerShdw blurRad="63500" dir="3600000" algn="tl" rotWithShape="0">
+                    <a:srgbClr val="000000">
+                      <a:alpha val="70000"/>
+                    </a:srgbClr>
+                  </a:outerShdw>
+                </a:effectLst>
+              </a:rPr>
+              <a:t>and </a:t>
+            </a:r>
+            <a:r>
+              <a:rPr lang="en-US" i="1" dirty="0" smtClean="0">
+                <a:ln w="18415" cmpd="sng">
+                  <a:solidFill>
+                    <a:srgbClr val="FFFFFF"/>
+                  </a:solidFill>
+                  <a:prstDash val="solid"/>
+                </a:ln>
+                <a:solidFill>
+                  <a:srgbClr val="FFFFFF"/>
+                </a:solidFill>
+                <a:effectLst>
+                  <a:outerShdw blurRad="63500" dir="3600000" algn="tl" rotWithShape="0">
+                    <a:srgbClr val="000000">
+                      <a:alpha val="70000"/>
+                    </a:srgbClr>
+                  </a:outerShdw>
+                </a:effectLst>
+              </a:rPr>
+              <a:t>x</a:t>
+            </a:r>
+            <a:r>
+              <a:rPr lang="en-US" i="1" baseline="-25000" dirty="0" smtClean="0">
+                <a:ln w="18415" cmpd="sng">
+                  <a:solidFill>
+                    <a:srgbClr val="FFFFFF"/>
+                  </a:solidFill>
+                  <a:prstDash val="solid"/>
+                </a:ln>
+                <a:solidFill>
+                  <a:srgbClr val="FFFFFF"/>
+                </a:solidFill>
+                <a:effectLst>
+                  <a:outerShdw blurRad="63500" dir="3600000" algn="tl" rotWithShape="0">
+                    <a:srgbClr val="000000">
+                      <a:alpha val="70000"/>
+                    </a:srgbClr>
+                  </a:outerShdw>
+                </a:effectLst>
+              </a:rPr>
+              <a:t>t+1 </a:t>
+            </a:r>
+            <a:r>
+              <a:rPr lang="en-US" dirty="0" smtClean="0">
+                <a:ln w="18415" cmpd="sng">
+                  <a:solidFill>
+                    <a:srgbClr val="FFFFFF"/>
+                  </a:solidFill>
+                  <a:prstDash val="solid"/>
+                </a:ln>
+                <a:solidFill>
+                  <a:srgbClr val="FFFFFF"/>
+                </a:solidFill>
+                <a:effectLst>
+                  <a:outerShdw blurRad="63500" dir="3600000" algn="tl" rotWithShape="0">
+                    <a:srgbClr val="000000">
+                      <a:alpha val="70000"/>
+                    </a:srgbClr>
+                  </a:outerShdw>
+                </a:effectLst>
+              </a:rPr>
+              <a:t>are known.</a:t>
+            </a:r>
+            <a:endParaRPr lang="en-US" dirty="0" smtClean="0">
+              <a:ln w="18415" cmpd="sng">
+                <a:solidFill>
+                  <a:srgbClr val="FFFFFF"/>
+                </a:solidFill>
+                <a:prstDash val="solid"/>
+              </a:ln>
+              <a:solidFill>
+                <a:srgbClr val="FFFFFF"/>
+              </a:solidFill>
+              <a:effectLst>
+                <a:outerShdw blurRad="63500" dir="3600000" algn="tl" rotWithShape="0">
+                  <a:srgbClr val="000000">
+                    <a:alpha val="70000"/>
+                  </a:srgbClr>
+                </a:outerShdw>
+              </a:effectLst>
+            </a:endParaRPr>
+          </a:p>
+          <a:p>
+            <a:r>
+              <a:rPr lang="en-US" dirty="0" smtClean="0">
+                <a:ln w="18415" cmpd="sng">
+                  <a:solidFill>
+                    <a:srgbClr val="FFFFFF"/>
+                  </a:solidFill>
+                  <a:prstDash val="solid"/>
+                </a:ln>
+                <a:solidFill>
+                  <a:srgbClr val="FFFFFF"/>
+                </a:solidFill>
+                <a:effectLst>
+                  <a:outerShdw blurRad="63500" dir="3600000" algn="tl" rotWithShape="0">
+                    <a:srgbClr val="000000">
+                      <a:alpha val="70000"/>
+                    </a:srgbClr>
+                  </a:outerShdw>
+                </a:effectLst>
+              </a:rPr>
+              <a:t>Created variables for previous hourly readings </a:t>
+            </a:r>
+            <a:r>
+              <a:rPr lang="en-US" i="1" dirty="0" smtClean="0">
+                <a:ln w="18415" cmpd="sng">
+                  <a:solidFill>
+                    <a:srgbClr val="FFFFFF"/>
+                  </a:solidFill>
+                  <a:prstDash val="solid"/>
+                </a:ln>
+                <a:solidFill>
+                  <a:srgbClr val="FFFFFF"/>
+                </a:solidFill>
+                <a:effectLst>
+                  <a:outerShdw blurRad="63500" dir="3600000" algn="tl" rotWithShape="0">
+                    <a:srgbClr val="000000">
+                      <a:alpha val="70000"/>
+                    </a:srgbClr>
+                  </a:outerShdw>
+                </a:effectLst>
+              </a:rPr>
+              <a:t>at t</a:t>
+            </a:r>
+            <a:r>
+              <a:rPr lang="en-US" i="1" baseline="-25000" dirty="0" smtClean="0">
+                <a:ln w="18415" cmpd="sng">
+                  <a:solidFill>
+                    <a:srgbClr val="FFFFFF"/>
+                  </a:solidFill>
+                  <a:prstDash val="solid"/>
+                </a:ln>
+                <a:solidFill>
+                  <a:srgbClr val="FFFFFF"/>
+                </a:solidFill>
+                <a:effectLst>
+                  <a:outerShdw blurRad="63500" dir="3600000" algn="tl" rotWithShape="0">
+                    <a:srgbClr val="000000">
+                      <a:alpha val="70000"/>
+                    </a:srgbClr>
+                  </a:outerShdw>
+                </a:effectLst>
+              </a:rPr>
+              <a:t>0</a:t>
+            </a:r>
+            <a:r>
+              <a:rPr lang="en-US" i="1" dirty="0" smtClean="0">
+                <a:ln w="18415" cmpd="sng">
+                  <a:solidFill>
+                    <a:srgbClr val="FFFFFF"/>
+                  </a:solidFill>
+                  <a:prstDash val="solid"/>
+                </a:ln>
+                <a:solidFill>
+                  <a:srgbClr val="FFFFFF"/>
+                </a:solidFill>
+                <a:effectLst>
+                  <a:outerShdw blurRad="63500" dir="3600000" algn="tl" rotWithShape="0">
+                    <a:srgbClr val="000000">
+                      <a:alpha val="70000"/>
+                    </a:srgbClr>
+                  </a:outerShdw>
+                </a:effectLst>
+              </a:rPr>
+              <a:t>-</a:t>
+            </a:r>
+            <a:r>
+              <a:rPr lang="en-US" i="1" dirty="0">
+                <a:ln w="18415" cmpd="sng">
+                  <a:solidFill>
+                    <a:srgbClr val="FFFFFF"/>
+                  </a:solidFill>
+                  <a:prstDash val="solid"/>
+                </a:ln>
+                <a:solidFill>
+                  <a:srgbClr val="FFFFFF"/>
+                </a:solidFill>
+                <a:effectLst>
+                  <a:outerShdw blurRad="63500" dir="3600000" algn="tl" rotWithShape="0">
+                    <a:srgbClr val="000000">
+                      <a:alpha val="70000"/>
+                    </a:srgbClr>
+                  </a:outerShdw>
+                </a:effectLst>
+              </a:rPr>
+              <a:t>24</a:t>
+            </a:r>
+            <a:r>
+              <a:rPr lang="en-US" i="1" dirty="0" smtClean="0">
+                <a:ln w="18415" cmpd="sng">
+                  <a:solidFill>
+                    <a:srgbClr val="FFFFFF"/>
+                  </a:solidFill>
+                  <a:prstDash val="solid"/>
+                </a:ln>
+                <a:solidFill>
+                  <a:srgbClr val="FFFFFF"/>
+                </a:solidFill>
+                <a:effectLst>
+                  <a:outerShdw blurRad="63500" dir="3600000" algn="tl" rotWithShape="0">
+                    <a:srgbClr val="000000">
+                      <a:alpha val="70000"/>
+                    </a:srgbClr>
+                  </a:outerShdw>
+                </a:effectLst>
+              </a:rPr>
+              <a:t>,  </a:t>
+            </a:r>
+            <a:r>
+              <a:rPr lang="en-US" i="1" dirty="0">
+                <a:ln w="18415" cmpd="sng">
+                  <a:solidFill>
+                    <a:srgbClr val="FFFFFF"/>
+                  </a:solidFill>
+                  <a:prstDash val="solid"/>
+                </a:ln>
+                <a:solidFill>
+                  <a:srgbClr val="FFFFFF"/>
+                </a:solidFill>
+                <a:effectLst>
+                  <a:outerShdw blurRad="63500" dir="3600000" algn="tl" rotWithShape="0">
+                    <a:srgbClr val="000000">
+                      <a:alpha val="70000"/>
+                    </a:srgbClr>
+                  </a:outerShdw>
+                </a:effectLst>
+              </a:rPr>
+              <a:t>t</a:t>
+            </a:r>
+            <a:r>
+              <a:rPr lang="en-US" i="1" baseline="-25000" dirty="0">
+                <a:ln w="18415" cmpd="sng">
+                  <a:solidFill>
+                    <a:srgbClr val="FFFFFF"/>
+                  </a:solidFill>
+                  <a:prstDash val="solid"/>
+                </a:ln>
+                <a:solidFill>
+                  <a:srgbClr val="FFFFFF"/>
+                </a:solidFill>
+                <a:effectLst>
+                  <a:outerShdw blurRad="63500" dir="3600000" algn="tl" rotWithShape="0">
+                    <a:srgbClr val="000000">
+                      <a:alpha val="70000"/>
+                    </a:srgbClr>
+                  </a:outerShdw>
+                </a:effectLst>
+              </a:rPr>
+              <a:t>0</a:t>
+            </a:r>
+            <a:r>
+              <a:rPr lang="en-US" i="1" dirty="0" smtClean="0">
+                <a:ln w="18415" cmpd="sng">
+                  <a:solidFill>
+                    <a:srgbClr val="FFFFFF"/>
+                  </a:solidFill>
+                  <a:prstDash val="solid"/>
+                </a:ln>
+                <a:solidFill>
+                  <a:srgbClr val="FFFFFF"/>
+                </a:solidFill>
+                <a:effectLst>
+                  <a:outerShdw blurRad="63500" dir="3600000" algn="tl" rotWithShape="0">
+                    <a:srgbClr val="000000">
+                      <a:alpha val="70000"/>
+                    </a:srgbClr>
+                  </a:outerShdw>
+                </a:effectLst>
+              </a:rPr>
+              <a:t>-12,  </a:t>
+            </a:r>
+            <a:r>
+              <a:rPr lang="en-US" i="1" dirty="0">
+                <a:ln w="18415" cmpd="sng">
+                  <a:solidFill>
+                    <a:srgbClr val="FFFFFF"/>
+                  </a:solidFill>
+                  <a:prstDash val="solid"/>
+                </a:ln>
+                <a:solidFill>
+                  <a:srgbClr val="FFFFFF"/>
+                </a:solidFill>
+                <a:effectLst>
+                  <a:outerShdw blurRad="63500" dir="3600000" algn="tl" rotWithShape="0">
+                    <a:srgbClr val="000000">
+                      <a:alpha val="70000"/>
+                    </a:srgbClr>
+                  </a:outerShdw>
+                </a:effectLst>
+              </a:rPr>
+              <a:t>t</a:t>
+            </a:r>
+            <a:r>
+              <a:rPr lang="en-US" i="1" baseline="-25000" dirty="0">
+                <a:ln w="18415" cmpd="sng">
+                  <a:solidFill>
+                    <a:srgbClr val="FFFFFF"/>
+                  </a:solidFill>
+                  <a:prstDash val="solid"/>
+                </a:ln>
+                <a:solidFill>
+                  <a:srgbClr val="FFFFFF"/>
+                </a:solidFill>
+                <a:effectLst>
+                  <a:outerShdw blurRad="63500" dir="3600000" algn="tl" rotWithShape="0">
+                    <a:srgbClr val="000000">
+                      <a:alpha val="70000"/>
+                    </a:srgbClr>
+                  </a:outerShdw>
+                </a:effectLst>
+              </a:rPr>
+              <a:t>0</a:t>
+            </a:r>
+            <a:r>
+              <a:rPr lang="en-US" i="1" dirty="0" smtClean="0">
+                <a:ln w="18415" cmpd="sng">
+                  <a:solidFill>
+                    <a:srgbClr val="FFFFFF"/>
+                  </a:solidFill>
+                  <a:prstDash val="solid"/>
+                </a:ln>
+                <a:solidFill>
+                  <a:srgbClr val="FFFFFF"/>
+                </a:solidFill>
+                <a:effectLst>
+                  <a:outerShdw blurRad="63500" dir="3600000" algn="tl" rotWithShape="0">
+                    <a:srgbClr val="000000">
+                      <a:alpha val="70000"/>
+                    </a:srgbClr>
+                  </a:outerShdw>
+                </a:effectLst>
+              </a:rPr>
+              <a:t>-</a:t>
+            </a:r>
+            <a:r>
+              <a:rPr lang="en-US" i="1" dirty="0">
+                <a:ln w="18415" cmpd="sng">
+                  <a:solidFill>
+                    <a:srgbClr val="FFFFFF"/>
+                  </a:solidFill>
+                  <a:prstDash val="solid"/>
+                </a:ln>
+                <a:solidFill>
+                  <a:srgbClr val="FFFFFF"/>
+                </a:solidFill>
+                <a:effectLst>
+                  <a:outerShdw blurRad="63500" dir="3600000" algn="tl" rotWithShape="0">
+                    <a:srgbClr val="000000">
+                      <a:alpha val="70000"/>
+                    </a:srgbClr>
+                  </a:outerShdw>
+                </a:effectLst>
+              </a:rPr>
+              <a:t>6</a:t>
+            </a:r>
+            <a:r>
+              <a:rPr lang="en-US" i="1" dirty="0" smtClean="0">
+                <a:ln w="18415" cmpd="sng">
+                  <a:solidFill>
+                    <a:srgbClr val="FFFFFF"/>
+                  </a:solidFill>
+                  <a:prstDash val="solid"/>
+                </a:ln>
+                <a:solidFill>
+                  <a:srgbClr val="FFFFFF"/>
+                </a:solidFill>
+                <a:effectLst>
+                  <a:outerShdw blurRad="63500" dir="3600000" algn="tl" rotWithShape="0">
+                    <a:srgbClr val="000000">
+                      <a:alpha val="70000"/>
+                    </a:srgbClr>
+                  </a:outerShdw>
+                </a:effectLst>
+              </a:rPr>
+              <a:t>, </a:t>
+            </a:r>
+            <a:r>
+              <a:rPr lang="en-US" i="1" dirty="0">
+                <a:ln w="18415" cmpd="sng">
+                  <a:solidFill>
+                    <a:srgbClr val="FFFFFF"/>
+                  </a:solidFill>
+                  <a:prstDash val="solid"/>
+                </a:ln>
+                <a:solidFill>
+                  <a:srgbClr val="FFFFFF"/>
+                </a:solidFill>
+                <a:effectLst>
+                  <a:outerShdw blurRad="63500" dir="3600000" algn="tl" rotWithShape="0">
+                    <a:srgbClr val="000000">
+                      <a:alpha val="70000"/>
+                    </a:srgbClr>
+                  </a:outerShdw>
+                </a:effectLst>
+              </a:rPr>
+              <a:t>t</a:t>
+            </a:r>
+            <a:r>
+              <a:rPr lang="en-US" i="1" baseline="-25000" dirty="0">
+                <a:ln w="18415" cmpd="sng">
+                  <a:solidFill>
+                    <a:srgbClr val="FFFFFF"/>
+                  </a:solidFill>
+                  <a:prstDash val="solid"/>
+                </a:ln>
+                <a:solidFill>
+                  <a:srgbClr val="FFFFFF"/>
+                </a:solidFill>
+                <a:effectLst>
+                  <a:outerShdw blurRad="63500" dir="3600000" algn="tl" rotWithShape="0">
+                    <a:srgbClr val="000000">
+                      <a:alpha val="70000"/>
+                    </a:srgbClr>
+                  </a:outerShdw>
+                </a:effectLst>
+              </a:rPr>
+              <a:t>0</a:t>
+            </a:r>
+            <a:r>
+              <a:rPr lang="en-US" i="1" dirty="0" smtClean="0">
+                <a:ln w="18415" cmpd="sng">
+                  <a:solidFill>
+                    <a:srgbClr val="FFFFFF"/>
+                  </a:solidFill>
+                  <a:prstDash val="solid"/>
+                </a:ln>
+                <a:solidFill>
+                  <a:srgbClr val="FFFFFF"/>
+                </a:solidFill>
+                <a:effectLst>
+                  <a:outerShdw blurRad="63500" dir="3600000" algn="tl" rotWithShape="0">
+                    <a:srgbClr val="000000">
+                      <a:alpha val="70000"/>
+                    </a:srgbClr>
+                  </a:outerShdw>
+                </a:effectLst>
+              </a:rPr>
+              <a:t>-3,  </a:t>
+            </a:r>
+            <a:r>
+              <a:rPr lang="en-US" i="1" dirty="0">
+                <a:ln w="18415" cmpd="sng">
+                  <a:solidFill>
+                    <a:srgbClr val="FFFFFF"/>
+                  </a:solidFill>
+                  <a:prstDash val="solid"/>
+                </a:ln>
+                <a:solidFill>
+                  <a:srgbClr val="FFFFFF"/>
+                </a:solidFill>
+                <a:effectLst>
+                  <a:outerShdw blurRad="63500" dir="3600000" algn="tl" rotWithShape="0">
+                    <a:srgbClr val="000000">
+                      <a:alpha val="70000"/>
+                    </a:srgbClr>
+                  </a:outerShdw>
+                </a:effectLst>
+              </a:rPr>
+              <a:t>t</a:t>
+            </a:r>
+            <a:r>
+              <a:rPr lang="en-US" i="1" baseline="-25000" dirty="0">
+                <a:ln w="18415" cmpd="sng">
+                  <a:solidFill>
+                    <a:srgbClr val="FFFFFF"/>
+                  </a:solidFill>
+                  <a:prstDash val="solid"/>
+                </a:ln>
+                <a:solidFill>
+                  <a:srgbClr val="FFFFFF"/>
+                </a:solidFill>
+                <a:effectLst>
+                  <a:outerShdw blurRad="63500" dir="3600000" algn="tl" rotWithShape="0">
+                    <a:srgbClr val="000000">
+                      <a:alpha val="70000"/>
+                    </a:srgbClr>
+                  </a:outerShdw>
+                </a:effectLst>
+              </a:rPr>
+              <a:t>0</a:t>
+            </a:r>
+            <a:r>
+              <a:rPr lang="en-US" i="1" dirty="0" smtClean="0">
+                <a:ln w="18415" cmpd="sng">
+                  <a:solidFill>
+                    <a:srgbClr val="FFFFFF"/>
+                  </a:solidFill>
+                  <a:prstDash val="solid"/>
+                </a:ln>
+                <a:solidFill>
+                  <a:srgbClr val="FFFFFF"/>
+                </a:solidFill>
+                <a:effectLst>
+                  <a:outerShdw blurRad="63500" dir="3600000" algn="tl" rotWithShape="0">
+                    <a:srgbClr val="000000">
+                      <a:alpha val="70000"/>
+                    </a:srgbClr>
+                  </a:outerShdw>
+                </a:effectLst>
+              </a:rPr>
+              <a:t>-1</a:t>
+            </a:r>
+          </a:p>
+          <a:p>
+            <a:r>
+              <a:rPr lang="en-US" dirty="0" smtClean="0">
+                <a:ln w="18415" cmpd="sng">
+                  <a:solidFill>
+                    <a:srgbClr val="FFFFFF"/>
+                  </a:solidFill>
+                  <a:prstDash val="solid"/>
+                </a:ln>
+                <a:solidFill>
+                  <a:srgbClr val="FFFFFF"/>
+                </a:solidFill>
+                <a:effectLst>
+                  <a:outerShdw blurRad="63500" dir="3600000" algn="tl" rotWithShape="0">
+                    <a:srgbClr val="000000">
+                      <a:alpha val="70000"/>
+                    </a:srgbClr>
+                  </a:outerShdw>
+                </a:effectLst>
+              </a:rPr>
+              <a:t>Conversion of wind direction from degrees to categorical variables (N, NNE, NE, ENE, E, etc.)</a:t>
+            </a:r>
+          </a:p>
+          <a:p>
+            <a:r>
+              <a:rPr lang="en-US" dirty="0" smtClean="0">
+                <a:ln w="18415" cmpd="sng">
+                  <a:solidFill>
+                    <a:srgbClr val="FFFFFF"/>
+                  </a:solidFill>
+                  <a:prstDash val="solid"/>
+                </a:ln>
+                <a:solidFill>
+                  <a:srgbClr val="FFFFFF"/>
+                </a:solidFill>
+                <a:effectLst>
+                  <a:outerShdw blurRad="63500" dir="3600000" algn="tl" rotWithShape="0">
+                    <a:srgbClr val="000000">
+                      <a:alpha val="70000"/>
+                    </a:srgbClr>
+                  </a:outerShdw>
+                </a:effectLst>
+              </a:rPr>
+              <a:t>Converted temperature from Kelvin to Celsius</a:t>
+            </a:r>
+          </a:p>
+          <a:p>
+            <a:r>
+              <a:rPr lang="en-US" dirty="0" smtClean="0">
+                <a:ln w="18415" cmpd="sng">
+                  <a:solidFill>
+                    <a:srgbClr val="FFFFFF"/>
+                  </a:solidFill>
+                  <a:prstDash val="solid"/>
+                </a:ln>
+                <a:solidFill>
+                  <a:srgbClr val="FFFFFF"/>
+                </a:solidFill>
+                <a:effectLst>
+                  <a:outerShdw blurRad="63500" dir="3600000" algn="tl" rotWithShape="0">
+                    <a:srgbClr val="000000">
+                      <a:alpha val="70000"/>
+                    </a:srgbClr>
+                  </a:outerShdw>
+                </a:effectLst>
+              </a:rPr>
+              <a:t>Created binary variables for no precipitation/ precipitation at all </a:t>
+            </a:r>
+            <a:r>
+              <a:rPr lang="en-US" i="1" dirty="0" smtClean="0">
+                <a:ln w="18415" cmpd="sng">
+                  <a:solidFill>
+                    <a:srgbClr val="FFFFFF"/>
+                  </a:solidFill>
+                  <a:prstDash val="solid"/>
+                </a:ln>
+                <a:solidFill>
+                  <a:srgbClr val="FFFFFF"/>
+                </a:solidFill>
+                <a:effectLst>
+                  <a:outerShdw blurRad="63500" dir="3600000" algn="tl" rotWithShape="0">
+                    <a:srgbClr val="000000">
+                      <a:alpha val="70000"/>
+                    </a:srgbClr>
+                  </a:outerShdw>
+                </a:effectLst>
+              </a:rPr>
+              <a:t>t</a:t>
+            </a:r>
+          </a:p>
+          <a:p>
+            <a:r>
+              <a:rPr lang="en-US" dirty="0" smtClean="0">
+                <a:ln w="18415" cmpd="sng">
+                  <a:solidFill>
+                    <a:srgbClr val="FFFFFF"/>
+                  </a:solidFill>
+                  <a:prstDash val="solid"/>
+                </a:ln>
+                <a:solidFill>
+                  <a:srgbClr val="FFFFFF"/>
+                </a:solidFill>
+                <a:effectLst>
+                  <a:outerShdw blurRad="63500" dir="3600000" algn="tl" rotWithShape="0">
+                    <a:srgbClr val="000000">
+                      <a:alpha val="70000"/>
+                    </a:srgbClr>
+                  </a:outerShdw>
+                </a:effectLst>
+              </a:rPr>
+              <a:t>Created binary variable for precipitation in the next 24 hours for </a:t>
+            </a:r>
+            <a:r>
+              <a:rPr lang="en-US" i="1" dirty="0" smtClean="0">
+                <a:ln w="18415" cmpd="sng">
+                  <a:solidFill>
+                    <a:srgbClr val="FFFFFF"/>
+                  </a:solidFill>
+                  <a:prstDash val="solid"/>
+                </a:ln>
+                <a:solidFill>
+                  <a:srgbClr val="FFFFFF"/>
+                </a:solidFill>
+                <a:effectLst>
+                  <a:outerShdw blurRad="63500" dir="3600000" algn="tl" rotWithShape="0">
+                    <a:srgbClr val="000000">
+                      <a:alpha val="70000"/>
+                    </a:srgbClr>
+                  </a:outerShdw>
+                </a:effectLst>
+              </a:rPr>
+              <a:t>t</a:t>
+            </a:r>
+            <a:r>
+              <a:rPr lang="en-US" i="1" baseline="-25000" dirty="0" smtClean="0">
+                <a:ln w="18415" cmpd="sng">
+                  <a:solidFill>
+                    <a:srgbClr val="FFFFFF"/>
+                  </a:solidFill>
+                  <a:prstDash val="solid"/>
+                </a:ln>
+                <a:solidFill>
+                  <a:srgbClr val="FFFFFF"/>
+                </a:solidFill>
+                <a:effectLst>
+                  <a:outerShdw blurRad="63500" dir="3600000" algn="tl" rotWithShape="0">
+                    <a:srgbClr val="000000">
+                      <a:alpha val="70000"/>
+                    </a:srgbClr>
+                  </a:outerShdw>
+                </a:effectLst>
+              </a:rPr>
+              <a:t>0</a:t>
+            </a:r>
+            <a:endParaRPr lang="en-US" baseline="-25000" dirty="0" smtClean="0">
+              <a:ln w="18415" cmpd="sng">
+                <a:solidFill>
+                  <a:srgbClr val="FFFFFF"/>
+                </a:solidFill>
+                <a:prstDash val="solid"/>
+              </a:ln>
+              <a:solidFill>
+                <a:srgbClr val="FFFFFF"/>
+              </a:solidFill>
+              <a:effectLst>
+                <a:outerShdw blurRad="63500" dir="3600000" algn="tl" rotWithShape="0">
+                  <a:srgbClr val="000000">
+                    <a:alpha val="70000"/>
+                  </a:srgbClr>
+                </a:outerShdw>
+              </a:effectLst>
+            </a:endParaRPr>
+          </a:p>
+          <a:p>
+            <a:r>
+              <a:rPr lang="en-US" dirty="0" smtClean="0">
+                <a:ln w="18415" cmpd="sng">
+                  <a:solidFill>
+                    <a:srgbClr val="FFFFFF"/>
+                  </a:solidFill>
+                  <a:prstDash val="solid"/>
+                </a:ln>
+                <a:solidFill>
+                  <a:srgbClr val="FFFFFF"/>
+                </a:solidFill>
+                <a:effectLst>
+                  <a:outerShdw blurRad="63500" dir="3600000" algn="tl" rotWithShape="0">
+                    <a:srgbClr val="000000">
+                      <a:alpha val="70000"/>
+                    </a:srgbClr>
+                  </a:outerShdw>
+                </a:effectLst>
+              </a:rPr>
+              <a:t>Remove all records with NAs.</a:t>
+            </a:r>
+          </a:p>
+          <a:p>
+            <a:endParaRPr lang="en-US" dirty="0" smtClean="0"/>
+          </a:p>
+          <a:p>
+            <a:pPr marL="0" indent="0">
+              <a:buNone/>
+            </a:pPr>
+            <a:endParaRPr lang="en-US" dirty="0"/>
+          </a:p>
+          <a:p>
+            <a:endParaRPr lang="en-US" dirty="0"/>
+          </a:p>
+          <a:p>
+            <a:endParaRPr lang="en-US" dirty="0"/>
+          </a:p>
+          <a:p>
+            <a:endParaRPr lang="en-US" dirty="0"/>
+          </a:p>
+        </p:txBody>
+      </p:sp>
+    </p:spTree>
+    <p:extLst>
+      <p:ext uri="{BB962C8B-B14F-4D97-AF65-F5344CB8AC3E}">
+        <p14:creationId xmlns:p14="http://schemas.microsoft.com/office/powerpoint/2010/main" val="565761930"/>
+      </p:ext>
+    </p:extLst>
+  </p:cSld>
+  <p:clrMapOvr>
+    <a:masterClrMapping/>
+  </p:clrMapOvr>
+</p:sld>
+</file>
+
+<file path=ppt/slides/slide8.xml><?xml version="1.0" encoding="utf-8"?>
+<p:sld xmlns:a="http://schemas.openxmlformats.org/drawingml/2006/main" xmlns:r="http://schemas.openxmlformats.org/officeDocument/2006/relationships" xmlns:p="http://schemas.openxmlformats.org/presentationml/2006/main">
+  <p:cSld>
+    <p:spTree>
+      <p:nvGrpSpPr>
+        <p:cNvPr id="1" name=""/>
+        <p:cNvGrpSpPr/>
+        <p:nvPr/>
+      </p:nvGrpSpPr>
+      <p:grpSpPr>
+        <a:xfrm>
+          <a:off x="0" y="0"/>
+          <a:ext cx="0" cy="0"/>
+          <a:chOff x="0" y="0"/>
+          <a:chExt cx="0" cy="0"/>
+        </a:xfrm>
+      </p:grpSpPr>
+      <p:pic>
+        <p:nvPicPr>
+          <p:cNvPr id="9" name="Picture 8" descr="white.jpg"/>
+          <p:cNvPicPr>
+            <a:picLocks noChangeAspect="1"/>
+          </p:cNvPicPr>
+          <p:nvPr/>
+        </p:nvPicPr>
+        <p:blipFill>
+          <a:blip r:embed="rId3">
+            <a:extLst>
+              <a:ext uri="{28A0092B-C50C-407E-A947-70E740481C1C}">
+                <a14:useLocalDpi xmlns:a14="http://schemas.microsoft.com/office/drawing/2010/main" val="0"/>
+              </a:ext>
+            </a:extLst>
+          </a:blip>
+          <a:stretch>
+            <a:fillRect/>
+          </a:stretch>
+        </p:blipFill>
+        <p:spPr>
+          <a:xfrm>
+            <a:off x="0" y="0"/>
+            <a:ext cx="9373506" cy="6858000"/>
+          </a:xfrm>
+          <a:prstGeom prst="rect">
+            <a:avLst/>
+          </a:prstGeom>
+        </p:spPr>
+      </p:pic>
+      <p:pic>
+        <p:nvPicPr>
+          <p:cNvPr id="8" name="Picture 7" descr="goodwp.com_16595.jpg"/>
+          <p:cNvPicPr>
+            <a:picLocks noChangeAspect="1"/>
+          </p:cNvPicPr>
+          <p:nvPr/>
+        </p:nvPicPr>
+        <p:blipFill>
+          <a:blip r:embed="rId4">
+            <a:alphaModFix amt="35000"/>
+            <a:extLst>
+              <a:ext uri="{28A0092B-C50C-407E-A947-70E740481C1C}">
+                <a14:useLocalDpi xmlns:a14="http://schemas.microsoft.com/office/drawing/2010/main" val="0"/>
+              </a:ext>
+            </a:extLst>
+          </a:blip>
+          <a:stretch>
+            <a:fillRect/>
+          </a:stretch>
+        </p:blipFill>
+        <p:spPr>
+          <a:xfrm>
+            <a:off x="-2036281" y="-441784"/>
+            <a:ext cx="13365401" cy="8090522"/>
+          </a:xfrm>
+          <a:prstGeom prst="rect">
+            <a:avLst/>
+          </a:prstGeom>
+        </p:spPr>
+      </p:pic>
+      <p:sp>
+        <p:nvSpPr>
+          <p:cNvPr id="2" name="Title 1"/>
+          <p:cNvSpPr>
+            <a:spLocks noGrp="1"/>
+          </p:cNvSpPr>
+          <p:nvPr>
+            <p:ph type="title"/>
+          </p:nvPr>
+        </p:nvSpPr>
+        <p:spPr/>
+        <p:txBody>
+          <a:bodyPr/>
+          <a:lstStyle/>
+          <a:p>
+            <a:r>
+              <a:rPr lang="en-US" dirty="0" smtClean="0"/>
+              <a:t>Variables</a:t>
+            </a:r>
+            <a:endParaRPr lang="en-US" dirty="0"/>
+          </a:p>
+        </p:txBody>
+      </p:sp>
+      <p:sp>
+        <p:nvSpPr>
+          <p:cNvPr id="3" name="Content Placeholder 2"/>
+          <p:cNvSpPr>
+            <a:spLocks noGrp="1"/>
+          </p:cNvSpPr>
+          <p:nvPr>
+            <p:ph idx="1"/>
+          </p:nvPr>
+        </p:nvSpPr>
+        <p:spPr/>
+        <p:txBody>
+          <a:bodyPr/>
+          <a:lstStyle/>
+          <a:p>
+            <a:r>
+              <a:rPr lang="en-US" dirty="0" err="1" smtClean="0"/>
+              <a:t>x</a:t>
+            </a:r>
+            <a:r>
+              <a:rPr lang="en-US" baseline="-25000" dirty="0" err="1" smtClean="0"/>
+              <a:t>t</a:t>
+            </a:r>
+            <a:r>
+              <a:rPr lang="en-US" dirty="0" smtClean="0"/>
+              <a:t> := temperature,</a:t>
+            </a:r>
+            <a:r>
+              <a:rPr lang="en-US" dirty="0"/>
+              <a:t> pressure, </a:t>
+            </a:r>
+            <a:r>
+              <a:rPr lang="en-US" dirty="0" smtClean="0"/>
+              <a:t> humidity, wind speed, % cloud coverage, precipitation/no precipitation binary for all t.</a:t>
+            </a:r>
+          </a:p>
+          <a:p>
+            <a:r>
+              <a:rPr lang="en-US" dirty="0" smtClean="0"/>
+              <a:t>Not used: wind direction, </a:t>
+            </a:r>
+            <a:r>
+              <a:rPr lang="en-US" dirty="0" err="1" smtClean="0"/>
+              <a:t>acculmulated</a:t>
+            </a:r>
+            <a:r>
+              <a:rPr lang="en-US" dirty="0" smtClean="0"/>
+              <a:t> precipitation (1 </a:t>
+            </a:r>
+            <a:r>
+              <a:rPr lang="en-US" dirty="0" err="1" smtClean="0"/>
+              <a:t>hr</a:t>
+            </a:r>
+            <a:r>
+              <a:rPr lang="en-US" dirty="0" smtClean="0"/>
+              <a:t>, 3 </a:t>
+            </a:r>
+            <a:r>
+              <a:rPr lang="en-US" dirty="0" err="1" smtClean="0"/>
+              <a:t>hr</a:t>
+            </a:r>
+            <a:r>
+              <a:rPr lang="en-US" dirty="0" smtClean="0"/>
+              <a:t>)</a:t>
+            </a:r>
+          </a:p>
+          <a:p>
+            <a:r>
+              <a:rPr lang="en-US" dirty="0" smtClean="0"/>
+              <a:t>Linear rate of change between each previous   reading and each current reading</a:t>
+            </a:r>
+          </a:p>
+        </p:txBody>
+      </p:sp>
+      <p:graphicFrame>
+        <p:nvGraphicFramePr>
+          <p:cNvPr id="5" name="Object 4"/>
+          <p:cNvGraphicFramePr>
+            <a:graphicFrameLocks noChangeAspect="1"/>
+          </p:cNvGraphicFramePr>
+          <p:nvPr>
+            <p:extLst>
+              <p:ext uri="{D42A27DB-BD31-4B8C-83A1-F6EECF244321}">
+                <p14:modId xmlns:p14="http://schemas.microsoft.com/office/powerpoint/2010/main" val="1847937802"/>
+              </p:ext>
+            </p:extLst>
+          </p:nvPr>
+        </p:nvGraphicFramePr>
+        <p:xfrm>
+          <a:off x="3278188" y="5329238"/>
+          <a:ext cx="2151062" cy="1158875"/>
+        </p:xfrm>
+        <a:graphic>
+          <a:graphicData uri="http://schemas.openxmlformats.org/presentationml/2006/ole">
+            <mc:AlternateContent xmlns:mc="http://schemas.openxmlformats.org/markup-compatibility/2006">
+              <mc:Choice xmlns:v="urn:schemas-microsoft-com:vml" Requires="v">
+                <p:oleObj spid="_x0000_s1028" name="Equation" r:id="rId5" imgW="990600" imgH="533400" progId="Equation.3">
+                  <p:embed/>
+                </p:oleObj>
+              </mc:Choice>
+              <mc:Fallback>
+                <p:oleObj name="Equation" r:id="rId5" imgW="990600" imgH="533400" progId="Equation.3">
+                  <p:embed/>
+                  <p:pic>
+                    <p:nvPicPr>
+                      <p:cNvPr id="0" name=""/>
+                      <p:cNvPicPr/>
+                      <p:nvPr/>
+                    </p:nvPicPr>
+                    <p:blipFill>
+                      <a:blip r:embed="rId6"/>
+                      <a:stretch>
+                        <a:fillRect/>
+                      </a:stretch>
+                    </p:blipFill>
+                    <p:spPr>
+                      <a:xfrm>
+                        <a:off x="3278188" y="5329238"/>
+                        <a:ext cx="2151062" cy="1158875"/>
+                      </a:xfrm>
+                      <a:prstGeom prst="rect">
+                        <a:avLst/>
+                      </a:prstGeom>
+                    </p:spPr>
+                  </p:pic>
+                </p:oleObj>
+              </mc:Fallback>
+            </mc:AlternateContent>
+          </a:graphicData>
+        </a:graphic>
+      </p:graphicFrame>
+    </p:spTree>
+    <p:extLst>
+      <p:ext uri="{BB962C8B-B14F-4D97-AF65-F5344CB8AC3E}">
+        <p14:creationId xmlns:p14="http://schemas.microsoft.com/office/powerpoint/2010/main" val="1836483887"/>
+      </p:ext>
+    </p:extLst>
+  </p:cSld>
+  <p:clrMapOvr>
+    <a:masterClrMapping/>
+  </p:clrMapOvr>
+</p:sld>
+</file>
+
+<file path=ppt/slides/slide9.xml><?xml version="1.0" encoding="utf-8"?>
 <p:sld xmlns:a="http://schemas.openxmlformats.org/drawingml/2006/main" xmlns:r="http://schemas.openxmlformats.org/officeDocument/2006/relationships" xmlns:p="http://schemas.openxmlformats.org/presentationml/2006/main">
   <p:cSld>
     <p:spTree>
@@ -4914,142 +6302,6 @@
     <p:extLst>
       <p:ext uri="{BB962C8B-B14F-4D97-AF65-F5344CB8AC3E}">
         <p14:creationId xmlns:p14="http://schemas.microsoft.com/office/powerpoint/2010/main" val="689170637"/>
-      </p:ext>
-    </p:extLst>
-  </p:cSld>
-  <p:clrMapOvr>
-    <a:masterClrMapping/>
-  </p:clrMapOvr>
-</p:sld>
-</file>
-
-<file path=ppt/slides/slide8.xml><?xml version="1.0" encoding="utf-8"?>
-<p:sld xmlns:a="http://schemas.openxmlformats.org/drawingml/2006/main" xmlns:r="http://schemas.openxmlformats.org/officeDocument/2006/relationships" xmlns:p="http://schemas.openxmlformats.org/presentationml/2006/main">
-  <p:cSld>
-    <p:spTree>
-      <p:nvGrpSpPr>
-        <p:cNvPr id="1" name=""/>
-        <p:cNvGrpSpPr/>
-        <p:nvPr/>
-      </p:nvGrpSpPr>
-      <p:grpSpPr>
-        <a:xfrm>
-          <a:off x="0" y="0"/>
-          <a:ext cx="0" cy="0"/>
-          <a:chOff x="0" y="0"/>
-          <a:chExt cx="0" cy="0"/>
-        </a:xfrm>
-      </p:grpSpPr>
-      <p:sp>
-        <p:nvSpPr>
-          <p:cNvPr id="2" name="Title 1"/>
-          <p:cNvSpPr>
-            <a:spLocks noGrp="1"/>
-          </p:cNvSpPr>
-          <p:nvPr>
-            <p:ph type="title"/>
-          </p:nvPr>
-        </p:nvSpPr>
-        <p:spPr/>
-        <p:txBody>
-          <a:bodyPr/>
-          <a:lstStyle/>
-          <a:p>
-            <a:endParaRPr lang="en-US"/>
-          </a:p>
-        </p:txBody>
-      </p:sp>
-      <p:sp>
-        <p:nvSpPr>
-          <p:cNvPr id="3" name="Content Placeholder 2"/>
-          <p:cNvSpPr>
-            <a:spLocks noGrp="1"/>
-          </p:cNvSpPr>
-          <p:nvPr>
-            <p:ph idx="1"/>
-          </p:nvPr>
-        </p:nvSpPr>
-        <p:spPr/>
-        <p:txBody>
-          <a:bodyPr/>
-          <a:lstStyle/>
-          <a:p>
-            <a:endParaRPr lang="en-US"/>
-          </a:p>
-        </p:txBody>
-      </p:sp>
-    </p:spTree>
-    <p:extLst>
-      <p:ext uri="{BB962C8B-B14F-4D97-AF65-F5344CB8AC3E}">
-        <p14:creationId xmlns:p14="http://schemas.microsoft.com/office/powerpoint/2010/main" val="565761930"/>
-      </p:ext>
-    </p:extLst>
-  </p:cSld>
-  <p:clrMapOvr>
-    <a:masterClrMapping/>
-  </p:clrMapOvr>
-</p:sld>
-</file>
-
-<file path=ppt/slides/slide9.xml><?xml version="1.0" encoding="utf-8"?>
-<p:sld xmlns:a="http://schemas.openxmlformats.org/drawingml/2006/main" xmlns:r="http://schemas.openxmlformats.org/officeDocument/2006/relationships" xmlns:p="http://schemas.openxmlformats.org/presentationml/2006/main">
-  <p:cSld>
-    <p:spTree>
-      <p:nvGrpSpPr>
-        <p:cNvPr id="1" name=""/>
-        <p:cNvGrpSpPr/>
-        <p:nvPr/>
-      </p:nvGrpSpPr>
-      <p:grpSpPr>
-        <a:xfrm>
-          <a:off x="0" y="0"/>
-          <a:ext cx="0" cy="0"/>
-          <a:chOff x="0" y="0"/>
-          <a:chExt cx="0" cy="0"/>
-        </a:xfrm>
-      </p:grpSpPr>
-      <p:sp>
-        <p:nvSpPr>
-          <p:cNvPr id="2" name="Title 1"/>
-          <p:cNvSpPr>
-            <a:spLocks noGrp="1"/>
-          </p:cNvSpPr>
-          <p:nvPr>
-            <p:ph type="title"/>
-          </p:nvPr>
-        </p:nvSpPr>
-        <p:spPr/>
-        <p:txBody>
-          <a:bodyPr/>
-          <a:lstStyle/>
-          <a:p>
-            <a:endParaRPr lang="en-US"/>
-          </a:p>
-        </p:txBody>
-      </p:sp>
-      <p:sp>
-        <p:nvSpPr>
-          <p:cNvPr id="3" name="Content Placeholder 2"/>
-          <p:cNvSpPr>
-            <a:spLocks noGrp="1"/>
-          </p:cNvSpPr>
-          <p:nvPr>
-            <p:ph idx="1"/>
-          </p:nvPr>
-        </p:nvSpPr>
-        <p:spPr/>
-        <p:txBody>
-          <a:bodyPr/>
-          <a:lstStyle/>
-          <a:p>
-            <a:endParaRPr lang="en-US"/>
-          </a:p>
-        </p:txBody>
-      </p:sp>
-    </p:spTree>
-    <p:extLst>
-      <p:ext uri="{BB962C8B-B14F-4D97-AF65-F5344CB8AC3E}">
-        <p14:creationId xmlns:p14="http://schemas.microsoft.com/office/powerpoint/2010/main" val="1836483887"/>
       </p:ext>
     </p:extLst>
   </p:cSld>

--- a/Gatliffe-Panter-Zhang.pptx
+++ b/Gatliffe-Panter-Zhang.pptx
@@ -5,21 +5,23 @@
     <p:sldMasterId id="2147483648" r:id="rId1"/>
   </p:sldMasterIdLst>
   <p:notesMasterIdLst>
-    <p:notesMasterId r:id="rId14"/>
+    <p:notesMasterId r:id="rId16"/>
   </p:notesMasterIdLst>
   <p:sldIdLst>
     <p:sldId id="256" r:id="rId2"/>
-    <p:sldId id="257" r:id="rId3"/>
-    <p:sldId id="258" r:id="rId4"/>
+    <p:sldId id="258" r:id="rId3"/>
+    <p:sldId id="257" r:id="rId4"/>
     <p:sldId id="259" r:id="rId5"/>
-    <p:sldId id="260" r:id="rId6"/>
-    <p:sldId id="261" r:id="rId7"/>
-    <p:sldId id="263" r:id="rId8"/>
-    <p:sldId id="264" r:id="rId9"/>
-    <p:sldId id="262" r:id="rId10"/>
-    <p:sldId id="265" r:id="rId11"/>
-    <p:sldId id="266" r:id="rId12"/>
-    <p:sldId id="267" r:id="rId13"/>
+    <p:sldId id="268" r:id="rId6"/>
+    <p:sldId id="260" r:id="rId7"/>
+    <p:sldId id="261" r:id="rId8"/>
+    <p:sldId id="269" r:id="rId9"/>
+    <p:sldId id="263" r:id="rId10"/>
+    <p:sldId id="264" r:id="rId11"/>
+    <p:sldId id="262" r:id="rId12"/>
+    <p:sldId id="265" r:id="rId13"/>
+    <p:sldId id="266" r:id="rId14"/>
+    <p:sldId id="267" r:id="rId15"/>
   </p:sldIdLst>
   <p:sldSz cx="9144000" cy="6858000" type="screen4x3"/>
   <p:notesSz cx="6858000" cy="9144000"/>
@@ -118,6 +120,22 @@
       </a:defRPr>
     </a:lvl9pPr>
   </p:defaultTextStyle>
+  <p:extLst>
+    <p:ext uri="{EFAFB233-063F-42B5-8137-9DF3F51BA10A}">
+      <p15:sldGuideLst xmlns:p15="http://schemas.microsoft.com/office/powerpoint/2012/main" xmlns="">
+        <p15:guide id="1" orient="horz" pos="2160">
+          <p15:clr>
+            <a:srgbClr val="A4A3A4"/>
+          </p15:clr>
+        </p15:guide>
+        <p15:guide id="2" pos="2880">
+          <p15:clr>
+            <a:srgbClr val="A4A3A4"/>
+          </p15:clr>
+        </p15:guide>
+      </p15:sldGuideLst>
+    </p:ext>
+  </p:extLst>
 </p:presentation>
 </file>
 
@@ -267,38 +285,37 @@
           <a:p>
             <a:pPr lvl="0"/>
             <a:r>
-              <a:rPr lang="en-US" smtClean="0"/>
+              <a:rPr lang="en-US"/>
               <a:t>Click to edit Master text styles</a:t>
             </a:r>
           </a:p>
           <a:p>
             <a:pPr lvl="1"/>
             <a:r>
-              <a:rPr lang="en-US" smtClean="0"/>
+              <a:rPr lang="en-US"/>
               <a:t>Second level</a:t>
             </a:r>
           </a:p>
           <a:p>
             <a:pPr lvl="2"/>
             <a:r>
-              <a:rPr lang="en-US" smtClean="0"/>
+              <a:rPr lang="en-US"/>
               <a:t>Third level</a:t>
             </a:r>
           </a:p>
           <a:p>
             <a:pPr lvl="3"/>
             <a:r>
-              <a:rPr lang="en-US" smtClean="0"/>
+              <a:rPr lang="en-US"/>
               <a:t>Fourth level</a:t>
             </a:r>
           </a:p>
           <a:p>
             <a:pPr lvl="4"/>
             <a:r>
-              <a:rPr lang="en-US" smtClean="0"/>
+              <a:rPr lang="en-US"/>
               <a:t>Fifth level</a:t>
             </a:r>
-            <a:endParaRPr lang="en-US"/>
           </a:p>
         </p:txBody>
       </p:sp>
@@ -516,10 +533,9 @@
           <a:lstStyle/>
           <a:p>
             <a:r>
-              <a:rPr lang="en-US" dirty="0" smtClean="0"/>
+              <a:rPr lang="en-US" dirty="0"/>
               <a:t>Lee</a:t>
             </a:r>
-            <a:endParaRPr lang="en-US" dirty="0"/>
           </a:p>
         </p:txBody>
       </p:sp>
@@ -604,10 +620,9 @@
           <a:lstStyle/>
           <a:p>
             <a:r>
-              <a:rPr lang="en-US" dirty="0" smtClean="0"/>
+              <a:rPr lang="en-US" dirty="0"/>
               <a:t>Lee</a:t>
             </a:r>
-            <a:endParaRPr lang="en-US" dirty="0"/>
           </a:p>
         </p:txBody>
       </p:sp>
@@ -637,7 +652,7 @@
     </p:spTree>
     <p:extLst>
       <p:ext uri="{BB962C8B-B14F-4D97-AF65-F5344CB8AC3E}">
-        <p14:creationId xmlns:p14="http://schemas.microsoft.com/office/powerpoint/2010/main" val="1454765891"/>
+        <p14:creationId xmlns:p14="http://schemas.microsoft.com/office/powerpoint/2010/main" val="2143740425"/>
       </p:ext>
     </p:extLst>
   </p:cSld>
@@ -692,10 +707,9 @@
           <a:lstStyle/>
           <a:p>
             <a:r>
-              <a:rPr lang="en-US" dirty="0" smtClean="0"/>
+              <a:rPr lang="en-US" dirty="0"/>
               <a:t>Lee</a:t>
             </a:r>
-            <a:endParaRPr lang="en-US" dirty="0"/>
           </a:p>
         </p:txBody>
       </p:sp>
@@ -725,7 +739,7 @@
     </p:spTree>
     <p:extLst>
       <p:ext uri="{BB962C8B-B14F-4D97-AF65-F5344CB8AC3E}">
-        <p14:creationId xmlns:p14="http://schemas.microsoft.com/office/powerpoint/2010/main" val="2143740425"/>
+        <p14:creationId xmlns:p14="http://schemas.microsoft.com/office/powerpoint/2010/main" val="1454765891"/>
       </p:ext>
     </p:extLst>
   </p:cSld>
@@ -773,10 +787,9 @@
           <a:lstStyle/>
           <a:p>
             <a:r>
-              <a:rPr lang="en-US" smtClean="0"/>
+              <a:rPr lang="en-US"/>
               <a:t>Click to edit Master title style</a:t>
             </a:r>
-            <a:endParaRPr lang="en-US"/>
           </a:p>
         </p:txBody>
       </p:sp>
@@ -892,10 +905,9 @@
           </a:lstStyle>
           <a:p>
             <a:r>
-              <a:rPr lang="en-US" smtClean="0"/>
+              <a:rPr lang="en-US"/>
               <a:t>Click to edit Master subtitle style</a:t>
             </a:r>
-            <a:endParaRPr lang="en-US"/>
           </a:p>
         </p:txBody>
       </p:sp>
@@ -1010,10 +1022,9 @@
           <a:lstStyle/>
           <a:p>
             <a:r>
-              <a:rPr lang="en-US" smtClean="0"/>
+              <a:rPr lang="en-US"/>
               <a:t>Click to edit Master title style</a:t>
             </a:r>
-            <a:endParaRPr lang="en-US"/>
           </a:p>
         </p:txBody>
       </p:sp>
@@ -1034,38 +1045,37 @@
           <a:p>
             <a:pPr lvl="0"/>
             <a:r>
-              <a:rPr lang="en-US" smtClean="0"/>
+              <a:rPr lang="en-US"/>
               <a:t>Click to edit Master text styles</a:t>
             </a:r>
           </a:p>
           <a:p>
             <a:pPr lvl="1"/>
             <a:r>
-              <a:rPr lang="en-US" smtClean="0"/>
+              <a:rPr lang="en-US"/>
               <a:t>Second level</a:t>
             </a:r>
           </a:p>
           <a:p>
             <a:pPr lvl="2"/>
             <a:r>
-              <a:rPr lang="en-US" smtClean="0"/>
+              <a:rPr lang="en-US"/>
               <a:t>Third level</a:t>
             </a:r>
           </a:p>
           <a:p>
             <a:pPr lvl="3"/>
             <a:r>
-              <a:rPr lang="en-US" smtClean="0"/>
+              <a:rPr lang="en-US"/>
               <a:t>Fourth level</a:t>
             </a:r>
           </a:p>
           <a:p>
             <a:pPr lvl="4"/>
             <a:r>
-              <a:rPr lang="en-US" smtClean="0"/>
+              <a:rPr lang="en-US"/>
               <a:t>Fifth level</a:t>
             </a:r>
-            <a:endParaRPr lang="en-US"/>
           </a:p>
         </p:txBody>
       </p:sp>
@@ -1185,10 +1195,9 @@
           <a:lstStyle/>
           <a:p>
             <a:r>
-              <a:rPr lang="en-US" smtClean="0"/>
+              <a:rPr lang="en-US"/>
               <a:t>Click to edit Master title style</a:t>
             </a:r>
-            <a:endParaRPr lang="en-US"/>
           </a:p>
         </p:txBody>
       </p:sp>
@@ -1214,38 +1223,37 @@
           <a:p>
             <a:pPr lvl="0"/>
             <a:r>
-              <a:rPr lang="en-US" smtClean="0"/>
+              <a:rPr lang="en-US"/>
               <a:t>Click to edit Master text styles</a:t>
             </a:r>
           </a:p>
           <a:p>
             <a:pPr lvl="1"/>
             <a:r>
-              <a:rPr lang="en-US" smtClean="0"/>
+              <a:rPr lang="en-US"/>
               <a:t>Second level</a:t>
             </a:r>
           </a:p>
           <a:p>
             <a:pPr lvl="2"/>
             <a:r>
-              <a:rPr lang="en-US" smtClean="0"/>
+              <a:rPr lang="en-US"/>
               <a:t>Third level</a:t>
             </a:r>
           </a:p>
           <a:p>
             <a:pPr lvl="3"/>
             <a:r>
-              <a:rPr lang="en-US" smtClean="0"/>
+              <a:rPr lang="en-US"/>
               <a:t>Fourth level</a:t>
             </a:r>
           </a:p>
           <a:p>
             <a:pPr lvl="4"/>
             <a:r>
-              <a:rPr lang="en-US" smtClean="0"/>
+              <a:rPr lang="en-US"/>
               <a:t>Fifth level</a:t>
             </a:r>
-            <a:endParaRPr lang="en-US"/>
           </a:p>
         </p:txBody>
       </p:sp>
@@ -1360,10 +1368,9 @@
           <a:lstStyle/>
           <a:p>
             <a:r>
-              <a:rPr lang="en-US" smtClean="0"/>
+              <a:rPr lang="en-US"/>
               <a:t>Click to edit Master title style</a:t>
             </a:r>
-            <a:endParaRPr lang="en-US"/>
           </a:p>
         </p:txBody>
       </p:sp>
@@ -1384,38 +1391,37 @@
           <a:p>
             <a:pPr lvl="0"/>
             <a:r>
-              <a:rPr lang="en-US" smtClean="0"/>
+              <a:rPr lang="en-US"/>
               <a:t>Click to edit Master text styles</a:t>
             </a:r>
           </a:p>
           <a:p>
             <a:pPr lvl="1"/>
             <a:r>
-              <a:rPr lang="en-US" smtClean="0"/>
+              <a:rPr lang="en-US"/>
               <a:t>Second level</a:t>
             </a:r>
           </a:p>
           <a:p>
             <a:pPr lvl="2"/>
             <a:r>
-              <a:rPr lang="en-US" smtClean="0"/>
+              <a:rPr lang="en-US"/>
               <a:t>Third level</a:t>
             </a:r>
           </a:p>
           <a:p>
             <a:pPr lvl="3"/>
             <a:r>
-              <a:rPr lang="en-US" smtClean="0"/>
+              <a:rPr lang="en-US"/>
               <a:t>Fourth level</a:t>
             </a:r>
           </a:p>
           <a:p>
             <a:pPr lvl="4"/>
             <a:r>
-              <a:rPr lang="en-US" smtClean="0"/>
+              <a:rPr lang="en-US"/>
               <a:t>Fifth level</a:t>
             </a:r>
-            <a:endParaRPr lang="en-US"/>
           </a:p>
         </p:txBody>
       </p:sp>
@@ -1539,10 +1545,9 @@
           </a:lstStyle>
           <a:p>
             <a:r>
-              <a:rPr lang="en-US" smtClean="0"/>
+              <a:rPr lang="en-US"/>
               <a:t>Click to edit Master title style</a:t>
             </a:r>
-            <a:endParaRPr lang="en-US"/>
           </a:p>
         </p:txBody>
       </p:sp>
@@ -1659,7 +1664,7 @@
           <a:p>
             <a:pPr lvl="0"/>
             <a:r>
-              <a:rPr lang="en-US" smtClean="0"/>
+              <a:rPr lang="en-US"/>
               <a:t>Click to edit Master text styles</a:t>
             </a:r>
           </a:p>
@@ -1776,10 +1781,9 @@
           <a:lstStyle/>
           <a:p>
             <a:r>
-              <a:rPr lang="en-US" smtClean="0"/>
+              <a:rPr lang="en-US"/>
               <a:t>Click to edit Master title style</a:t>
             </a:r>
-            <a:endParaRPr lang="en-US"/>
           </a:p>
         </p:txBody>
       </p:sp>
@@ -1833,38 +1837,37 @@
           <a:p>
             <a:pPr lvl="0"/>
             <a:r>
-              <a:rPr lang="en-US" smtClean="0"/>
+              <a:rPr lang="en-US"/>
               <a:t>Click to edit Master text styles</a:t>
             </a:r>
           </a:p>
           <a:p>
             <a:pPr lvl="1"/>
             <a:r>
-              <a:rPr lang="en-US" smtClean="0"/>
+              <a:rPr lang="en-US"/>
               <a:t>Second level</a:t>
             </a:r>
           </a:p>
           <a:p>
             <a:pPr lvl="2"/>
             <a:r>
-              <a:rPr lang="en-US" smtClean="0"/>
+              <a:rPr lang="en-US"/>
               <a:t>Third level</a:t>
             </a:r>
           </a:p>
           <a:p>
             <a:pPr lvl="3"/>
             <a:r>
-              <a:rPr lang="en-US" smtClean="0"/>
+              <a:rPr lang="en-US"/>
               <a:t>Fourth level</a:t>
             </a:r>
           </a:p>
           <a:p>
             <a:pPr lvl="4"/>
             <a:r>
-              <a:rPr lang="en-US" smtClean="0"/>
+              <a:rPr lang="en-US"/>
               <a:t>Fifth level</a:t>
             </a:r>
-            <a:endParaRPr lang="en-US"/>
           </a:p>
         </p:txBody>
       </p:sp>
@@ -1918,38 +1921,37 @@
           <a:p>
             <a:pPr lvl="0"/>
             <a:r>
-              <a:rPr lang="en-US" smtClean="0"/>
+              <a:rPr lang="en-US"/>
               <a:t>Click to edit Master text styles</a:t>
             </a:r>
           </a:p>
           <a:p>
             <a:pPr lvl="1"/>
             <a:r>
-              <a:rPr lang="en-US" smtClean="0"/>
+              <a:rPr lang="en-US"/>
               <a:t>Second level</a:t>
             </a:r>
           </a:p>
           <a:p>
             <a:pPr lvl="2"/>
             <a:r>
-              <a:rPr lang="en-US" smtClean="0"/>
+              <a:rPr lang="en-US"/>
               <a:t>Third level</a:t>
             </a:r>
           </a:p>
           <a:p>
             <a:pPr lvl="3"/>
             <a:r>
-              <a:rPr lang="en-US" smtClean="0"/>
+              <a:rPr lang="en-US"/>
               <a:t>Fourth level</a:t>
             </a:r>
           </a:p>
           <a:p>
             <a:pPr lvl="4"/>
             <a:r>
-              <a:rPr lang="en-US" smtClean="0"/>
+              <a:rPr lang="en-US"/>
               <a:t>Fifth level</a:t>
             </a:r>
-            <a:endParaRPr lang="en-US"/>
           </a:p>
         </p:txBody>
       </p:sp>
@@ -2068,10 +2070,9 @@
           </a:lstStyle>
           <a:p>
             <a:r>
-              <a:rPr lang="en-US" smtClean="0"/>
+              <a:rPr lang="en-US"/>
               <a:t>Click to edit Master title style</a:t>
             </a:r>
-            <a:endParaRPr lang="en-US"/>
           </a:p>
         </p:txBody>
       </p:sp>
@@ -2134,7 +2135,7 @@
           <a:p>
             <a:pPr lvl="0"/>
             <a:r>
-              <a:rPr lang="en-US" smtClean="0"/>
+              <a:rPr lang="en-US"/>
               <a:t>Click to edit Master text styles</a:t>
             </a:r>
           </a:p>
@@ -2190,38 +2191,37 @@
           <a:p>
             <a:pPr lvl="0"/>
             <a:r>
-              <a:rPr lang="en-US" smtClean="0"/>
+              <a:rPr lang="en-US"/>
               <a:t>Click to edit Master text styles</a:t>
             </a:r>
           </a:p>
           <a:p>
             <a:pPr lvl="1"/>
             <a:r>
-              <a:rPr lang="en-US" smtClean="0"/>
+              <a:rPr lang="en-US"/>
               <a:t>Second level</a:t>
             </a:r>
           </a:p>
           <a:p>
             <a:pPr lvl="2"/>
             <a:r>
-              <a:rPr lang="en-US" smtClean="0"/>
+              <a:rPr lang="en-US"/>
               <a:t>Third level</a:t>
             </a:r>
           </a:p>
           <a:p>
             <a:pPr lvl="3"/>
             <a:r>
-              <a:rPr lang="en-US" smtClean="0"/>
+              <a:rPr lang="en-US"/>
               <a:t>Fourth level</a:t>
             </a:r>
           </a:p>
           <a:p>
             <a:pPr lvl="4"/>
             <a:r>
-              <a:rPr lang="en-US" smtClean="0"/>
+              <a:rPr lang="en-US"/>
               <a:t>Fifth level</a:t>
             </a:r>
-            <a:endParaRPr lang="en-US"/>
           </a:p>
         </p:txBody>
       </p:sp>
@@ -2284,7 +2284,7 @@
           <a:p>
             <a:pPr lvl="0"/>
             <a:r>
-              <a:rPr lang="en-US" smtClean="0"/>
+              <a:rPr lang="en-US"/>
               <a:t>Click to edit Master text styles</a:t>
             </a:r>
           </a:p>
@@ -2340,38 +2340,37 @@
           <a:p>
             <a:pPr lvl="0"/>
             <a:r>
-              <a:rPr lang="en-US" smtClean="0"/>
+              <a:rPr lang="en-US"/>
               <a:t>Click to edit Master text styles</a:t>
             </a:r>
           </a:p>
           <a:p>
             <a:pPr lvl="1"/>
             <a:r>
-              <a:rPr lang="en-US" smtClean="0"/>
+              <a:rPr lang="en-US"/>
               <a:t>Second level</a:t>
             </a:r>
           </a:p>
           <a:p>
             <a:pPr lvl="2"/>
             <a:r>
-              <a:rPr lang="en-US" smtClean="0"/>
+              <a:rPr lang="en-US"/>
               <a:t>Third level</a:t>
             </a:r>
           </a:p>
           <a:p>
             <a:pPr lvl="3"/>
             <a:r>
-              <a:rPr lang="en-US" smtClean="0"/>
+              <a:rPr lang="en-US"/>
               <a:t>Fourth level</a:t>
             </a:r>
           </a:p>
           <a:p>
             <a:pPr lvl="4"/>
             <a:r>
-              <a:rPr lang="en-US" smtClean="0"/>
+              <a:rPr lang="en-US"/>
               <a:t>Fifth level</a:t>
             </a:r>
-            <a:endParaRPr lang="en-US"/>
           </a:p>
         </p:txBody>
       </p:sp>
@@ -2486,10 +2485,9 @@
           <a:lstStyle/>
           <a:p>
             <a:r>
-              <a:rPr lang="en-US" smtClean="0"/>
+              <a:rPr lang="en-US"/>
               <a:t>Click to edit Master title style</a:t>
             </a:r>
-            <a:endParaRPr lang="en-US"/>
           </a:p>
         </p:txBody>
       </p:sp>
@@ -2708,10 +2706,9 @@
           </a:lstStyle>
           <a:p>
             <a:r>
-              <a:rPr lang="en-US" smtClean="0"/>
+              <a:rPr lang="en-US"/>
               <a:t>Click to edit Master title style</a:t>
             </a:r>
-            <a:endParaRPr lang="en-US"/>
           </a:p>
         </p:txBody>
       </p:sp>
@@ -2765,38 +2762,37 @@
           <a:p>
             <a:pPr lvl="0"/>
             <a:r>
-              <a:rPr lang="en-US" smtClean="0"/>
+              <a:rPr lang="en-US"/>
               <a:t>Click to edit Master text styles</a:t>
             </a:r>
           </a:p>
           <a:p>
             <a:pPr lvl="1"/>
             <a:r>
-              <a:rPr lang="en-US" smtClean="0"/>
+              <a:rPr lang="en-US"/>
               <a:t>Second level</a:t>
             </a:r>
           </a:p>
           <a:p>
             <a:pPr lvl="2"/>
             <a:r>
-              <a:rPr lang="en-US" smtClean="0"/>
+              <a:rPr lang="en-US"/>
               <a:t>Third level</a:t>
             </a:r>
           </a:p>
           <a:p>
             <a:pPr lvl="3"/>
             <a:r>
-              <a:rPr lang="en-US" smtClean="0"/>
+              <a:rPr lang="en-US"/>
               <a:t>Fourth level</a:t>
             </a:r>
           </a:p>
           <a:p>
             <a:pPr lvl="4"/>
             <a:r>
-              <a:rPr lang="en-US" smtClean="0"/>
+              <a:rPr lang="en-US"/>
               <a:t>Fifth level</a:t>
             </a:r>
-            <a:endParaRPr lang="en-US"/>
           </a:p>
         </p:txBody>
       </p:sp>
@@ -2859,7 +2855,7 @@
           <a:p>
             <a:pPr lvl="0"/>
             <a:r>
-              <a:rPr lang="en-US" smtClean="0"/>
+              <a:rPr lang="en-US"/>
               <a:t>Click to edit Master text styles</a:t>
             </a:r>
           </a:p>
@@ -2985,10 +2981,9 @@
           </a:lstStyle>
           <a:p>
             <a:r>
-              <a:rPr lang="en-US" smtClean="0"/>
+              <a:rPr lang="en-US"/>
               <a:t>Click to edit Master title style</a:t>
             </a:r>
-            <a:endParaRPr lang="en-US"/>
           </a:p>
         </p:txBody>
       </p:sp>
@@ -3112,7 +3107,7 @@
           <a:p>
             <a:pPr lvl="0"/>
             <a:r>
-              <a:rPr lang="en-US" smtClean="0"/>
+              <a:rPr lang="en-US"/>
               <a:t>Click to edit Master text styles</a:t>
             </a:r>
           </a:p>
@@ -3261,10 +3256,9 @@
           <a:lstStyle/>
           <a:p>
             <a:r>
-              <a:rPr lang="en-US" smtClean="0"/>
+              <a:rPr lang="en-US"/>
               <a:t>Click to edit Master title style</a:t>
             </a:r>
-            <a:endParaRPr lang="en-US"/>
           </a:p>
         </p:txBody>
       </p:sp>
@@ -3295,38 +3289,37 @@
           <a:p>
             <a:pPr lvl="0"/>
             <a:r>
-              <a:rPr lang="en-US" smtClean="0"/>
+              <a:rPr lang="en-US"/>
               <a:t>Click to edit Master text styles</a:t>
             </a:r>
           </a:p>
           <a:p>
             <a:pPr lvl="1"/>
             <a:r>
-              <a:rPr lang="en-US" smtClean="0"/>
+              <a:rPr lang="en-US"/>
               <a:t>Second level</a:t>
             </a:r>
           </a:p>
           <a:p>
             <a:pPr lvl="2"/>
             <a:r>
-              <a:rPr lang="en-US" smtClean="0"/>
+              <a:rPr lang="en-US"/>
               <a:t>Third level</a:t>
             </a:r>
           </a:p>
           <a:p>
             <a:pPr lvl="3"/>
             <a:r>
-              <a:rPr lang="en-US" smtClean="0"/>
+              <a:rPr lang="en-US"/>
               <a:t>Fourth level</a:t>
             </a:r>
           </a:p>
           <a:p>
             <a:pPr lvl="4"/>
             <a:r>
-              <a:rPr lang="en-US" smtClean="0"/>
+              <a:rPr lang="en-US"/>
               <a:t>Fifth level</a:t>
             </a:r>
-            <a:endParaRPr lang="en-US"/>
           </a:p>
         </p:txBody>
       </p:sp>
@@ -3783,10 +3776,9 @@
           <a:lstStyle/>
           <a:p>
             <a:r>
-              <a:rPr lang="en-US" b="1" dirty="0" smtClean="0"/>
+              <a:rPr lang="en-US" b="1" dirty="0"/>
               <a:t>Will it Rain/ Snow Tomorrow?</a:t>
             </a:r>
-            <a:endParaRPr lang="en-US" b="1" dirty="0"/>
           </a:p>
         </p:txBody>
       </p:sp>
@@ -3812,23 +3804,23 @@
           </a:bodyPr>
           <a:lstStyle/>
           <a:p>
-            <a:endParaRPr lang="en-US" dirty="0" smtClean="0"/>
-          </a:p>
-          <a:p>
             <a:endParaRPr lang="en-US" dirty="0"/>
           </a:p>
           <a:p>
-            <a:endParaRPr lang="en-US" dirty="0" smtClean="0"/>
-          </a:p>
-          <a:p>
             <a:endParaRPr lang="en-US" dirty="0"/>
           </a:p>
           <a:p>
-            <a:endParaRPr lang="en-US" dirty="0" smtClean="0"/>
-          </a:p>
-          <a:p>
-            <a:r>
-              <a:rPr lang="en-US" dirty="0" smtClean="0">
+            <a:endParaRPr lang="en-US" dirty="0"/>
+          </a:p>
+          <a:p>
+            <a:endParaRPr lang="en-US" dirty="0"/>
+          </a:p>
+          <a:p>
+            <a:endParaRPr lang="en-US" dirty="0"/>
+          </a:p>
+          <a:p>
+            <a:r>
+              <a:rPr lang="en-US" dirty="0">
                 <a:solidFill>
                   <a:schemeClr val="accent6">
                     <a:lumMod val="50000"/>
@@ -3838,7 +3830,7 @@
               <a:t>A </a:t>
             </a:r>
             <a:r>
-              <a:rPr lang="en-US" dirty="0" err="1" smtClean="0">
+              <a:rPr lang="en-US" dirty="0" err="1">
                 <a:solidFill>
                   <a:schemeClr val="accent6">
                     <a:lumMod val="50000"/>
@@ -3848,7 +3840,7 @@
               <a:t>Logisitic</a:t>
             </a:r>
             <a:r>
-              <a:rPr lang="en-US" dirty="0" smtClean="0">
+              <a:rPr lang="en-US" dirty="0">
                 <a:solidFill>
                   <a:schemeClr val="accent6">
                     <a:lumMod val="50000"/>
@@ -3860,7 +3852,7 @@
           </a:p>
           <a:p>
             <a:r>
-              <a:rPr lang="en-US" sz="2200" dirty="0" smtClean="0">
+              <a:rPr lang="en-US" sz="2200" dirty="0">
                 <a:solidFill>
                   <a:schemeClr val="accent6">
                     <a:lumMod val="50000"/>
@@ -3870,7 +3862,7 @@
               <a:t>Kathleen Gatliffe-Lee </a:t>
             </a:r>
             <a:r>
-              <a:rPr lang="en-US" sz="2200" dirty="0" err="1" smtClean="0">
+              <a:rPr lang="en-US" sz="2200" dirty="0" err="1">
                 <a:solidFill>
                   <a:schemeClr val="accent6">
                     <a:lumMod val="50000"/>
@@ -3887,49 +3879,32 @@
                   </a:schemeClr>
                 </a:solidFill>
               </a:rPr>
-              <a:t>-</a:t>
-            </a:r>
-            <a:r>
-              <a:rPr lang="en-US" sz="2200" dirty="0" smtClean="0">
+              <a:t>-Leo Zhang</a:t>
+            </a:r>
+          </a:p>
+          <a:p>
+            <a:r>
+              <a:rPr lang="en-US" sz="2200" dirty="0">
                 <a:solidFill>
                   <a:schemeClr val="accent6">
                     <a:lumMod val="50000"/>
                   </a:schemeClr>
                 </a:solidFill>
               </a:rPr>
-              <a:t>Leo Zhang</a:t>
-            </a:r>
-          </a:p>
-          <a:p>
-            <a:r>
-              <a:rPr lang="en-US" sz="2200" dirty="0" smtClean="0">
+              <a:t>University of Colorado at Denver</a:t>
+            </a:r>
+          </a:p>
+          <a:p>
+            <a:r>
+              <a:rPr lang="en-US" sz="2200" dirty="0">
                 <a:solidFill>
                   <a:schemeClr val="accent6">
                     <a:lumMod val="50000"/>
                   </a:schemeClr>
                 </a:solidFill>
               </a:rPr>
-              <a:t>University of Colorado at Denver</a:t>
-            </a:r>
-          </a:p>
-          <a:p>
-            <a:r>
-              <a:rPr lang="en-US" sz="2200" dirty="0" smtClean="0">
-                <a:solidFill>
-                  <a:schemeClr val="accent6">
-                    <a:lumMod val="50000"/>
-                  </a:schemeClr>
-                </a:solidFill>
-              </a:rPr>
               <a:t>MATH 6388 Professor Audrey Hendricks</a:t>
             </a:r>
-            <a:endParaRPr lang="en-US" sz="2200" dirty="0">
-              <a:solidFill>
-                <a:schemeClr val="accent6">
-                  <a:lumMod val="50000"/>
-                </a:schemeClr>
-              </a:solidFill>
-            </a:endParaRPr>
           </a:p>
         </p:txBody>
       </p:sp>
@@ -4014,11 +3989,7 @@
           <a:bodyPr/>
           <a:lstStyle/>
           <a:p>
-            <a:r>
-              <a:rPr lang="en-US" dirty="0" smtClean="0"/>
-              <a:t>Model Selection</a:t>
-            </a:r>
-            <a:endParaRPr lang="en-US" dirty="0"/>
+            <a:endParaRPr lang="en-US"/>
           </a:p>
         </p:txBody>
       </p:sp>
@@ -4037,35 +4008,365 @@
           <a:bodyPr/>
           <a:lstStyle/>
           <a:p>
-            <a:r>
-              <a:rPr lang="en-US" dirty="0" smtClean="0"/>
-              <a:t>Forward, Backward, and </a:t>
-            </a:r>
+            <a:endParaRPr lang="en-US"/>
+          </a:p>
+        </p:txBody>
+      </p:sp>
+      <p:pic>
+        <p:nvPicPr>
+          <p:cNvPr id="4" name="Picture 3" descr="white.jpg"/>
+          <p:cNvPicPr>
+            <a:picLocks noChangeAspect="1"/>
+          </p:cNvPicPr>
+          <p:nvPr/>
+        </p:nvPicPr>
+        <p:blipFill>
+          <a:blip r:embed="rId3">
+            <a:extLst>
+              <a:ext uri="{28A0092B-C50C-407E-A947-70E740481C1C}">
+                <a14:useLocalDpi xmlns:a14="http://schemas.microsoft.com/office/drawing/2010/main" val="0"/>
+              </a:ext>
+            </a:extLst>
+          </a:blip>
+          <a:stretch>
+            <a:fillRect/>
+          </a:stretch>
+        </p:blipFill>
+        <p:spPr>
+          <a:xfrm>
+            <a:off x="0" y="0"/>
+            <a:ext cx="9373506" cy="6858000"/>
+          </a:xfrm>
+          <a:prstGeom prst="rect">
+            <a:avLst/>
+          </a:prstGeom>
+        </p:spPr>
+      </p:pic>
+      <p:pic>
+        <p:nvPicPr>
+          <p:cNvPr id="5" name="Picture 4" descr="goodwp.com_16595.jpg"/>
+          <p:cNvPicPr>
+            <a:picLocks noChangeAspect="1"/>
+          </p:cNvPicPr>
+          <p:nvPr/>
+        </p:nvPicPr>
+        <p:blipFill>
+          <a:blip r:embed="rId4">
+            <a:alphaModFix amt="35000"/>
+            <a:extLst>
+              <a:ext uri="{28A0092B-C50C-407E-A947-70E740481C1C}">
+                <a14:useLocalDpi xmlns:a14="http://schemas.microsoft.com/office/drawing/2010/main" val="0"/>
+              </a:ext>
+            </a:extLst>
+          </a:blip>
+          <a:stretch>
+            <a:fillRect/>
+          </a:stretch>
+        </p:blipFill>
+        <p:spPr>
+          <a:xfrm>
+            <a:off x="-2036281" y="-441784"/>
+            <a:ext cx="13365401" cy="8090522"/>
+          </a:xfrm>
+          <a:prstGeom prst="rect">
+            <a:avLst/>
+          </a:prstGeom>
+        </p:spPr>
+      </p:pic>
+      <p:sp>
+        <p:nvSpPr>
+          <p:cNvPr id="6" name="Title 1"/>
+          <p:cNvSpPr txBox="1">
+            <a:spLocks/>
+          </p:cNvSpPr>
+          <p:nvPr/>
+        </p:nvSpPr>
+        <p:spPr>
+          <a:xfrm>
+            <a:off x="457200" y="274638"/>
+            <a:ext cx="8229600" cy="1143000"/>
+          </a:xfrm>
+          <a:prstGeom prst="rect">
+            <a:avLst/>
+          </a:prstGeom>
+        </p:spPr>
+        <p:txBody>
+          <a:bodyPr vert="horz" lIns="91440" tIns="45720" rIns="91440" bIns="45720" rtlCol="0" anchor="ctr">
+            <a:normAutofit/>
+          </a:bodyPr>
+          <a:lstStyle>
+            <a:lvl1pPr algn="ctr" defTabSz="457200" rtl="0" eaLnBrk="1" latinLnBrk="0" hangingPunct="1">
+              <a:spcBef>
+                <a:spcPct val="0"/>
+              </a:spcBef>
+              <a:buNone/>
+              <a:defRPr sz="4400" kern="1200">
+                <a:solidFill>
+                  <a:schemeClr val="tx1"/>
+                </a:solidFill>
+                <a:latin typeface="+mj-lt"/>
+                <a:ea typeface="+mj-ea"/>
+                <a:cs typeface="+mj-cs"/>
+              </a:defRPr>
+            </a:lvl1pPr>
+          </a:lstStyle>
+          <a:p>
             <a:r>
               <a:rPr lang="en-US" smtClean="0"/>
-              <a:t>Stepwise run for </a:t>
-            </a:r>
-            <a:r>
-              <a:rPr lang="en-US" dirty="0" smtClean="0"/>
-              <a:t>each model, t=-24,-12, -6, -3 </a:t>
-            </a:r>
+              <a:t>Variables</a:t>
+            </a:r>
+            <a:endParaRPr lang="en-US" dirty="0"/>
+          </a:p>
+        </p:txBody>
+      </p:sp>
+      <p:sp>
+        <p:nvSpPr>
+          <p:cNvPr id="7" name="Content Placeholder 2"/>
+          <p:cNvSpPr txBox="1">
+            <a:spLocks/>
+          </p:cNvSpPr>
+          <p:nvPr/>
+        </p:nvSpPr>
+        <p:spPr>
+          <a:xfrm>
+            <a:off x="457200" y="1600200"/>
+            <a:ext cx="8229600" cy="4525963"/>
+          </a:xfrm>
+          <a:prstGeom prst="rect">
+            <a:avLst/>
+          </a:prstGeom>
+        </p:spPr>
+        <p:txBody>
+          <a:bodyPr vert="horz" lIns="91440" tIns="45720" rIns="91440" bIns="45720" rtlCol="0">
+            <a:normAutofit/>
+          </a:bodyPr>
+          <a:lstStyle>
+            <a:lvl1pPr marL="342900" indent="-342900" algn="l" defTabSz="457200" rtl="0" eaLnBrk="1" latinLnBrk="0" hangingPunct="1">
+              <a:spcBef>
+                <a:spcPct val="20000"/>
+              </a:spcBef>
+              <a:buFont typeface="Arial"/>
+              <a:buChar char="•"/>
+              <a:defRPr sz="3200" kern="1200">
+                <a:solidFill>
+                  <a:schemeClr val="tx1"/>
+                </a:solidFill>
+                <a:latin typeface="+mn-lt"/>
+                <a:ea typeface="+mn-ea"/>
+                <a:cs typeface="+mn-cs"/>
+              </a:defRPr>
+            </a:lvl1pPr>
+            <a:lvl2pPr marL="742950" indent="-285750" algn="l" defTabSz="457200" rtl="0" eaLnBrk="1" latinLnBrk="0" hangingPunct="1">
+              <a:spcBef>
+                <a:spcPct val="20000"/>
+              </a:spcBef>
+              <a:buFont typeface="Arial"/>
+              <a:buChar char="–"/>
+              <a:defRPr sz="2800" kern="1200">
+                <a:solidFill>
+                  <a:schemeClr val="tx1"/>
+                </a:solidFill>
+                <a:latin typeface="+mn-lt"/>
+                <a:ea typeface="+mn-ea"/>
+                <a:cs typeface="+mn-cs"/>
+              </a:defRPr>
+            </a:lvl2pPr>
+            <a:lvl3pPr marL="1143000" indent="-228600" algn="l" defTabSz="457200" rtl="0" eaLnBrk="1" latinLnBrk="0" hangingPunct="1">
+              <a:spcBef>
+                <a:spcPct val="20000"/>
+              </a:spcBef>
+              <a:buFont typeface="Arial"/>
+              <a:buChar char="•"/>
+              <a:defRPr sz="2400" kern="1200">
+                <a:solidFill>
+                  <a:schemeClr val="tx1"/>
+                </a:solidFill>
+                <a:latin typeface="+mn-lt"/>
+                <a:ea typeface="+mn-ea"/>
+                <a:cs typeface="+mn-cs"/>
+              </a:defRPr>
+            </a:lvl3pPr>
+            <a:lvl4pPr marL="1600200" indent="-228600" algn="l" defTabSz="457200" rtl="0" eaLnBrk="1" latinLnBrk="0" hangingPunct="1">
+              <a:spcBef>
+                <a:spcPct val="20000"/>
+              </a:spcBef>
+              <a:buFont typeface="Arial"/>
+              <a:buChar char="–"/>
+              <a:defRPr sz="2000" kern="1200">
+                <a:solidFill>
+                  <a:schemeClr val="tx1"/>
+                </a:solidFill>
+                <a:latin typeface="+mn-lt"/>
+                <a:ea typeface="+mn-ea"/>
+                <a:cs typeface="+mn-cs"/>
+              </a:defRPr>
+            </a:lvl4pPr>
+            <a:lvl5pPr marL="2057400" indent="-228600" algn="l" defTabSz="457200" rtl="0" eaLnBrk="1" latinLnBrk="0" hangingPunct="1">
+              <a:spcBef>
+                <a:spcPct val="20000"/>
+              </a:spcBef>
+              <a:buFont typeface="Arial"/>
+              <a:buChar char="»"/>
+              <a:defRPr sz="2000" kern="1200">
+                <a:solidFill>
+                  <a:schemeClr val="tx1"/>
+                </a:solidFill>
+                <a:latin typeface="+mn-lt"/>
+                <a:ea typeface="+mn-ea"/>
+                <a:cs typeface="+mn-cs"/>
+              </a:defRPr>
+            </a:lvl5pPr>
+            <a:lvl6pPr marL="2514600" indent="-228600" algn="l" defTabSz="457200" rtl="0" eaLnBrk="1" latinLnBrk="0" hangingPunct="1">
+              <a:spcBef>
+                <a:spcPct val="20000"/>
+              </a:spcBef>
+              <a:buFont typeface="Arial"/>
+              <a:buChar char="•"/>
+              <a:defRPr sz="2000" kern="1200">
+                <a:solidFill>
+                  <a:schemeClr val="tx1"/>
+                </a:solidFill>
+                <a:latin typeface="+mn-lt"/>
+                <a:ea typeface="+mn-ea"/>
+                <a:cs typeface="+mn-cs"/>
+              </a:defRPr>
+            </a:lvl6pPr>
+            <a:lvl7pPr marL="2971800" indent="-228600" algn="l" defTabSz="457200" rtl="0" eaLnBrk="1" latinLnBrk="0" hangingPunct="1">
+              <a:spcBef>
+                <a:spcPct val="20000"/>
+              </a:spcBef>
+              <a:buFont typeface="Arial"/>
+              <a:buChar char="•"/>
+              <a:defRPr sz="2000" kern="1200">
+                <a:solidFill>
+                  <a:schemeClr val="tx1"/>
+                </a:solidFill>
+                <a:latin typeface="+mn-lt"/>
+                <a:ea typeface="+mn-ea"/>
+                <a:cs typeface="+mn-cs"/>
+              </a:defRPr>
+            </a:lvl7pPr>
+            <a:lvl8pPr marL="3429000" indent="-228600" algn="l" defTabSz="457200" rtl="0" eaLnBrk="1" latinLnBrk="0" hangingPunct="1">
+              <a:spcBef>
+                <a:spcPct val="20000"/>
+              </a:spcBef>
+              <a:buFont typeface="Arial"/>
+              <a:buChar char="•"/>
+              <a:defRPr sz="2000" kern="1200">
+                <a:solidFill>
+                  <a:schemeClr val="tx1"/>
+                </a:solidFill>
+                <a:latin typeface="+mn-lt"/>
+                <a:ea typeface="+mn-ea"/>
+                <a:cs typeface="+mn-cs"/>
+              </a:defRPr>
+            </a:lvl8pPr>
+            <a:lvl9pPr marL="3886200" indent="-228600" algn="l" defTabSz="457200" rtl="0" eaLnBrk="1" latinLnBrk="0" hangingPunct="1">
+              <a:spcBef>
+                <a:spcPct val="20000"/>
+              </a:spcBef>
+              <a:buFont typeface="Arial"/>
+              <a:buChar char="•"/>
+              <a:defRPr sz="2000" kern="1200">
+                <a:solidFill>
+                  <a:schemeClr val="tx1"/>
+                </a:solidFill>
+                <a:latin typeface="+mn-lt"/>
+                <a:ea typeface="+mn-ea"/>
+                <a:cs typeface="+mn-cs"/>
+              </a:defRPr>
+            </a:lvl9pPr>
+          </a:lstStyle>
+          <a:p>
             <a:r>
               <a:rPr lang="en-US" smtClean="0"/>
-              <a:t>, 1</a:t>
-            </a:r>
-          </a:p>
-          <a:p>
+              <a:t>x</a:t>
+            </a:r>
+            <a:r>
+              <a:rPr lang="en-US" baseline="-25000" smtClean="0"/>
+              <a:t>t</a:t>
+            </a:r>
+            <a:r>
+              <a:rPr lang="en-US" smtClean="0"/>
+              <a:t> := temperature, pressure,  humidity, wind speed, % cloud coverage, precipitation/no precipitation binary for all t.</a:t>
+            </a:r>
+          </a:p>
+          <a:p>
+            <a:r>
+              <a:rPr lang="en-US" smtClean="0"/>
+              <a:t>Not used: wind direction, acculmulated precipitation (1 hr, 3 hr)</a:t>
+            </a:r>
+          </a:p>
+          <a:p>
+            <a:r>
+              <a:rPr lang="en-US" smtClean="0"/>
+              <a:t>Linear rate of change between each previous   reading and each current reading</a:t>
+            </a:r>
             <a:endParaRPr lang="en-US" dirty="0" smtClean="0"/>
           </a:p>
-          <a:p>
-            <a:endParaRPr lang="en-US" dirty="0"/>
-          </a:p>
-        </p:txBody>
-      </p:sp>
+        </p:txBody>
+      </p:sp>
+      <p:graphicFrame>
+        <p:nvGraphicFramePr>
+          <p:cNvPr id="8" name="Object 7"/>
+          <p:cNvGraphicFramePr>
+            <a:graphicFrameLocks noChangeAspect="1"/>
+          </p:cNvGraphicFramePr>
+          <p:nvPr>
+            <p:extLst>
+              <p:ext uri="{D42A27DB-BD31-4B8C-83A1-F6EECF244321}">
+                <p14:modId xmlns:p14="http://schemas.microsoft.com/office/powerpoint/2010/main" val="3360687158"/>
+              </p:ext>
+            </p:extLst>
+          </p:nvPr>
+        </p:nvGraphicFramePr>
+        <p:xfrm>
+          <a:off x="3278188" y="5329238"/>
+          <a:ext cx="2151062" cy="1158875"/>
+        </p:xfrm>
+        <a:graphic>
+          <a:graphicData uri="http://schemas.openxmlformats.org/presentationml/2006/ole">
+            <mc:AlternateContent xmlns:mc="http://schemas.openxmlformats.org/markup-compatibility/2006">
+              <mc:Choice xmlns:v="urn:schemas-microsoft-com:vml" Requires="v">
+                <p:oleObj spid="_x0000_s1026" name="Equation" r:id="rId5" imgW="990600" imgH="533400" progId="Equation.3">
+                  <p:embed/>
+                </p:oleObj>
+              </mc:Choice>
+              <mc:Fallback>
+                <p:oleObj name="Equation" r:id="rId5" imgW="990600" imgH="533400" progId="Equation.3">
+                  <p:embed/>
+                  <p:pic>
+                    <p:nvPicPr>
+                      <p:cNvPr id="0" name=""/>
+                      <p:cNvPicPr/>
+                      <p:nvPr/>
+                    </p:nvPicPr>
+                    <p:blipFill>
+                      <a:blip r:embed="rId6"/>
+                      <a:stretch>
+                        <a:fillRect/>
+                      </a:stretch>
+                    </p:blipFill>
+                    <p:spPr>
+                      <a:xfrm>
+                        <a:off x="3278188" y="5329238"/>
+                        <a:ext cx="2151062" cy="1158875"/>
+                      </a:xfrm>
+                      <a:prstGeom prst="rect">
+                        <a:avLst/>
+                      </a:prstGeom>
+                    </p:spPr>
+                  </p:pic>
+                </p:oleObj>
+              </mc:Fallback>
+            </mc:AlternateContent>
+          </a:graphicData>
+        </a:graphic>
+      </p:graphicFrame>
     </p:spTree>
     <p:extLst>
       <p:ext uri="{BB962C8B-B14F-4D97-AF65-F5344CB8AC3E}">
-        <p14:creationId xmlns:p14="http://schemas.microsoft.com/office/powerpoint/2010/main" val="3904099069"/>
+        <p14:creationId xmlns:p14="http://schemas.microsoft.com/office/powerpoint/2010/main" val="1836483887"/>
       </p:ext>
     </p:extLst>
   </p:cSld>
@@ -4107,33 +4408,47 @@
           <a:bodyPr/>
           <a:lstStyle/>
           <a:p>
-            <a:endParaRPr lang="en-US"/>
-          </a:p>
-        </p:txBody>
-      </p:sp>
-      <p:sp>
-        <p:nvSpPr>
-          <p:cNvPr id="3" name="Content Placeholder 2"/>
-          <p:cNvSpPr>
-            <a:spLocks noGrp="1"/>
-          </p:cNvSpPr>
-          <p:nvPr>
-            <p:ph idx="1"/>
-          </p:nvPr>
-        </p:nvSpPr>
-        <p:spPr/>
-        <p:txBody>
-          <a:bodyPr/>
-          <a:lstStyle/>
-          <a:p>
-            <a:endParaRPr lang="en-US"/>
-          </a:p>
-        </p:txBody>
-      </p:sp>
+            <a:r>
+              <a:rPr lang="en-US" dirty="0"/>
+              <a:t>Basic Model</a:t>
+            </a:r>
+          </a:p>
+        </p:txBody>
+      </p:sp>
+      <p:pic>
+        <p:nvPicPr>
+          <p:cNvPr id="4" name="Picture 3" descr="Screenshot 2018-09-24 09.33.01.jpeg"/>
+          <p:cNvPicPr>
+            <a:picLocks noChangeAspect="1"/>
+          </p:cNvPicPr>
+          <p:nvPr/>
+        </p:nvPicPr>
+        <p:blipFill>
+          <a:blip r:embed="rId2">
+            <a:extLst>
+              <a:ext uri="{28A0092B-C50C-407E-A947-70E740481C1C}">
+                <a14:useLocalDpi xmlns:a14="http://schemas.microsoft.com/office/drawing/2010/main" val="0"/>
+              </a:ext>
+            </a:extLst>
+          </a:blip>
+          <a:stretch>
+            <a:fillRect/>
+          </a:stretch>
+        </p:blipFill>
+        <p:spPr>
+          <a:xfrm>
+            <a:off x="2011233" y="1587656"/>
+            <a:ext cx="5303966" cy="4733053"/>
+          </a:xfrm>
+          <a:prstGeom prst="rect">
+            <a:avLst/>
+          </a:prstGeom>
+        </p:spPr>
+      </p:pic>
     </p:spTree>
     <p:extLst>
       <p:ext uri="{BB962C8B-B14F-4D97-AF65-F5344CB8AC3E}">
-        <p14:creationId xmlns:p14="http://schemas.microsoft.com/office/powerpoint/2010/main" val="3415337262"/>
+        <p14:creationId xmlns:p14="http://schemas.microsoft.com/office/powerpoint/2010/main" val="689170637"/>
       </p:ext>
     </p:extLst>
   </p:cSld>
@@ -4201,7 +4516,7 @@
     </p:spTree>
     <p:extLst>
       <p:ext uri="{BB962C8B-B14F-4D97-AF65-F5344CB8AC3E}">
-        <p14:creationId xmlns:p14="http://schemas.microsoft.com/office/powerpoint/2010/main" val="2292206900"/>
+        <p14:creationId xmlns:p14="http://schemas.microsoft.com/office/powerpoint/2010/main" val="3904099069"/>
       </p:ext>
     </p:extLst>
   </p:cSld>
@@ -4211,7 +4526,7 @@
 </p:sld>
 </file>
 
-<file path=ppt/slides/slide2.xml><?xml version="1.0" encoding="utf-8"?>
+<file path=ppt/slides/slide13.xml><?xml version="1.0" encoding="utf-8"?>
 <p:sld xmlns:a="http://schemas.openxmlformats.org/drawingml/2006/main" xmlns:r="http://schemas.openxmlformats.org/officeDocument/2006/relationships" xmlns:p="http://schemas.openxmlformats.org/presentationml/2006/main">
   <p:cSld>
     <p:spTree>
@@ -4243,11 +4558,7 @@
           <a:bodyPr/>
           <a:lstStyle/>
           <a:p>
-            <a:r>
-              <a:rPr lang="en-US" b="1" dirty="0" smtClean="0"/>
-              <a:t>The Data Set</a:t>
-            </a:r>
-            <a:endParaRPr lang="en-US" b="1" dirty="0"/>
+            <a:endParaRPr lang="en-US"/>
           </a:p>
         </p:txBody>
       </p:sp>
@@ -4263,57 +4574,17 @@
         </p:nvSpPr>
         <p:spPr/>
         <p:txBody>
-          <a:bodyPr>
-            <a:normAutofit/>
-          </a:bodyPr>
+          <a:bodyPr/>
           <a:lstStyle/>
           <a:p>
-            <a:pPr marL="0" indent="0">
-              <a:buNone/>
-            </a:pPr>
-            <a:r>
-              <a:rPr lang="is-IS" dirty="0" smtClean="0"/>
-              <a:t>Hourly readings from Denver International Airport taken between  1 September 2013 and 31 August 2018</a:t>
-            </a:r>
-          </a:p>
-          <a:p>
-            <a:pPr marL="0" indent="0">
-              <a:buNone/>
-            </a:pPr>
-            <a:endParaRPr lang="is-IS" dirty="0"/>
-          </a:p>
-          <a:p>
-            <a:pPr marL="0" indent="0">
-              <a:buNone/>
-            </a:pPr>
-            <a:r>
-              <a:rPr lang="is-IS" dirty="0" smtClean="0"/>
-              <a:t>Variables recorded include: temperature, pressure, humidity, wind speed and direction,  precipitation accumulation, cloud cover and course and fine categorical descriptions. </a:t>
-            </a:r>
-            <a:r>
-              <a:rPr lang="is-IS" dirty="0"/>
-              <a:t> </a:t>
-            </a:r>
-            <a:r>
-              <a:rPr lang="is-IS" dirty="0" smtClean="0"/>
-              <a:t> </a:t>
-            </a:r>
-            <a:r>
-              <a:rPr lang="is-IS" dirty="0"/>
-              <a:t> </a:t>
-            </a:r>
-            <a:r>
-              <a:rPr lang="is-IS" dirty="0" smtClean="0"/>
-              <a:t> </a:t>
-            </a:r>
-            <a:endParaRPr lang="en-US" dirty="0"/>
+            <a:endParaRPr lang="en-US"/>
           </a:p>
         </p:txBody>
       </p:sp>
     </p:spTree>
     <p:extLst>
       <p:ext uri="{BB962C8B-B14F-4D97-AF65-F5344CB8AC3E}">
-        <p14:creationId xmlns:p14="http://schemas.microsoft.com/office/powerpoint/2010/main" val="1944008293"/>
+        <p14:creationId xmlns:p14="http://schemas.microsoft.com/office/powerpoint/2010/main" val="3415337262"/>
       </p:ext>
     </p:extLst>
   </p:cSld>
@@ -4323,7 +4594,75 @@
 </p:sld>
 </file>
 
-<file path=ppt/slides/slide3.xml><?xml version="1.0" encoding="utf-8"?>
+<file path=ppt/slides/slide14.xml><?xml version="1.0" encoding="utf-8"?>
+<p:sld xmlns:a="http://schemas.openxmlformats.org/drawingml/2006/main" xmlns:r="http://schemas.openxmlformats.org/officeDocument/2006/relationships" xmlns:p="http://schemas.openxmlformats.org/presentationml/2006/main">
+  <p:cSld>
+    <p:spTree>
+      <p:nvGrpSpPr>
+        <p:cNvPr id="1" name=""/>
+        <p:cNvGrpSpPr/>
+        <p:nvPr/>
+      </p:nvGrpSpPr>
+      <p:grpSpPr>
+        <a:xfrm>
+          <a:off x="0" y="0"/>
+          <a:ext cx="0" cy="0"/>
+          <a:chOff x="0" y="0"/>
+          <a:chExt cx="0" cy="0"/>
+        </a:xfrm>
+      </p:grpSpPr>
+      <p:sp>
+        <p:nvSpPr>
+          <p:cNvPr id="2" name="Title 1"/>
+          <p:cNvSpPr>
+            <a:spLocks noGrp="1"/>
+          </p:cNvSpPr>
+          <p:nvPr>
+            <p:ph type="title"/>
+          </p:nvPr>
+        </p:nvSpPr>
+        <p:spPr/>
+        <p:txBody>
+          <a:bodyPr/>
+          <a:lstStyle/>
+          <a:p>
+            <a:endParaRPr lang="en-US"/>
+          </a:p>
+        </p:txBody>
+      </p:sp>
+      <p:sp>
+        <p:nvSpPr>
+          <p:cNvPr id="3" name="Content Placeholder 2"/>
+          <p:cNvSpPr>
+            <a:spLocks noGrp="1"/>
+          </p:cNvSpPr>
+          <p:nvPr>
+            <p:ph idx="1"/>
+          </p:nvPr>
+        </p:nvSpPr>
+        <p:spPr/>
+        <p:txBody>
+          <a:bodyPr/>
+          <a:lstStyle/>
+          <a:p>
+            <a:endParaRPr lang="en-US"/>
+          </a:p>
+        </p:txBody>
+      </p:sp>
+    </p:spTree>
+    <p:extLst>
+      <p:ext uri="{BB962C8B-B14F-4D97-AF65-F5344CB8AC3E}">
+        <p14:creationId xmlns:p14="http://schemas.microsoft.com/office/powerpoint/2010/main" val="2292206900"/>
+      </p:ext>
+    </p:extLst>
+  </p:cSld>
+  <p:clrMapOvr>
+    <a:masterClrMapping/>
+  </p:clrMapOvr>
+</p:sld>
+</file>
+
+<file path=ppt/slides/slide2.xml><?xml version="1.0" encoding="utf-8"?>
 <p:sld xmlns:a="http://schemas.openxmlformats.org/drawingml/2006/main" xmlns:r="http://schemas.openxmlformats.org/officeDocument/2006/relationships" xmlns:p="http://schemas.openxmlformats.org/presentationml/2006/main">
   <p:cSld>
     <p:spTree>
@@ -4400,7 +4739,7 @@
           <a:lstStyle/>
           <a:p>
             <a:r>
-              <a:rPr lang="en-US" b="1" dirty="0" smtClean="0">
+              <a:rPr lang="en-US" b="1" dirty="0">
                 <a:ln w="18415" cmpd="sng">
                   <a:solidFill>
                     <a:srgbClr val="FFFFFF"/>
@@ -4421,7 +4760,7 @@
               <a:t/>
             </a:r>
             <a:br>
-              <a:rPr lang="en-US" b="1" dirty="0" smtClean="0">
+              <a:rPr lang="en-US" b="1" dirty="0">
                 <a:ln w="18415" cmpd="sng">
                   <a:solidFill>
                     <a:srgbClr val="FFFFFF"/>
@@ -4482,7 +4821,7 @@
               </a:rPr>
             </a:br>
             <a:r>
-              <a:rPr lang="en-US" b="1" dirty="0" smtClean="0">
+              <a:rPr lang="en-US" b="1" dirty="0">
                 <a:ln w="18415" cmpd="sng">
                   <a:solidFill>
                     <a:srgbClr val="FFFFFF"/>
@@ -4500,154 +4839,7 @@
                   </a:outerShdw>
                 </a:effectLst>
               </a:rPr>
-              <a:t>Using only these variables, how </a:t>
-            </a:r>
-            <a:r>
-              <a:rPr lang="en-US" b="1" dirty="0" smtClean="0">
-                <a:ln w="18415" cmpd="sng">
-                  <a:solidFill>
-                    <a:srgbClr val="FFFFFF"/>
-                  </a:solidFill>
-                  <a:prstDash val="solid"/>
-                </a:ln>
-                <a:solidFill>
-                  <a:srgbClr val="FFFFFF"/>
-                </a:solidFill>
-                <a:effectLst>
-                  <a:outerShdw blurRad="63500" dir="3600000" algn="tl" rotWithShape="0">
-                    <a:srgbClr val="000000">
-                      <a:alpha val="70000"/>
-                    </a:srgbClr>
-                  </a:outerShdw>
-                </a:effectLst>
-              </a:rPr>
-              <a:t>far in advance can we </a:t>
-            </a:r>
-            <a:r>
-              <a:rPr lang="en-US" b="1" dirty="0">
-                <a:ln w="18415" cmpd="sng">
-                  <a:solidFill>
-                    <a:srgbClr val="FFFFFF"/>
-                  </a:solidFill>
-                  <a:prstDash val="solid"/>
-                </a:ln>
-                <a:solidFill>
-                  <a:srgbClr val="FFFFFF"/>
-                </a:solidFill>
-                <a:effectLst>
-                  <a:outerShdw blurRad="63500" dir="3600000" algn="tl" rotWithShape="0">
-                    <a:srgbClr val="000000">
-                      <a:alpha val="70000"/>
-                    </a:srgbClr>
-                  </a:outerShdw>
-                </a:effectLst>
-              </a:rPr>
-              <a:t>successfully </a:t>
-            </a:r>
-            <a:r>
-              <a:rPr lang="en-US" b="1" dirty="0" smtClean="0">
-                <a:ln w="18415" cmpd="sng">
-                  <a:solidFill>
-                    <a:srgbClr val="FFFFFF"/>
-                  </a:solidFill>
-                  <a:prstDash val="solid"/>
-                </a:ln>
-                <a:solidFill>
-                  <a:srgbClr val="FFFFFF"/>
-                </a:solidFill>
-                <a:effectLst>
-                  <a:outerShdw blurRad="63500" dir="3600000" algn="tl" rotWithShape="0">
-                    <a:srgbClr val="000000">
-                      <a:alpha val="70000"/>
-                    </a:srgbClr>
-                  </a:outerShdw>
-                </a:effectLst>
-              </a:rPr>
-              <a:t>predict </a:t>
-            </a:r>
-            <a:r>
-              <a:rPr lang="en-US" b="1" dirty="0" smtClean="0">
-                <a:ln w="18415" cmpd="sng">
-                  <a:solidFill>
-                    <a:srgbClr val="FFFFFF"/>
-                  </a:solidFill>
-                  <a:prstDash val="solid"/>
-                </a:ln>
-                <a:solidFill>
-                  <a:srgbClr val="FFFFFF"/>
-                </a:solidFill>
-                <a:effectLst>
-                  <a:outerShdw blurRad="63500" dir="3600000" algn="tl" rotWithShape="0">
-                    <a:srgbClr val="000000">
-                      <a:alpha val="70000"/>
-                    </a:srgbClr>
-                  </a:outerShdw>
-                </a:effectLst>
-              </a:rPr>
-              <a:t>precipitation (</a:t>
-            </a:r>
-            <a:r>
-              <a:rPr lang="en-US" b="1" dirty="0">
-                <a:ln w="18415" cmpd="sng">
-                  <a:solidFill>
-                    <a:srgbClr val="FFFFFF"/>
-                  </a:solidFill>
-                  <a:prstDash val="solid"/>
-                </a:ln>
-                <a:solidFill>
-                  <a:srgbClr val="FFFFFF"/>
-                </a:solidFill>
-                <a:effectLst>
-                  <a:outerShdw blurRad="63500" dir="3600000" algn="tl" rotWithShape="0">
-                    <a:srgbClr val="000000">
-                      <a:alpha val="70000"/>
-                    </a:srgbClr>
-                  </a:outerShdw>
-                </a:effectLst>
-              </a:rPr>
-              <a:t>yes/no) </a:t>
-            </a:r>
-            <a:r>
-              <a:rPr lang="en-US" b="1" dirty="0" smtClean="0">
-                <a:ln w="18415" cmpd="sng">
-                  <a:solidFill>
-                    <a:srgbClr val="FFFFFF"/>
-                  </a:solidFill>
-                  <a:prstDash val="solid"/>
-                </a:ln>
-                <a:solidFill>
-                  <a:srgbClr val="FFFFFF"/>
-                </a:solidFill>
-                <a:effectLst>
-                  <a:outerShdw blurRad="63500" dir="3600000" algn="tl" rotWithShape="0">
-                    <a:srgbClr val="000000">
-                      <a:alpha val="70000"/>
-                    </a:srgbClr>
-                  </a:outerShdw>
-                </a:effectLst>
-              </a:rPr>
-              <a:t>for the following day? </a:t>
-            </a:r>
-            <a:r>
-              <a:rPr lang="en-US" b="1" dirty="0">
-                <a:ln w="18415" cmpd="sng">
-                  <a:solidFill>
-                    <a:srgbClr val="FFFFFF"/>
-                  </a:solidFill>
-                  <a:prstDash val="solid"/>
-                </a:ln>
-                <a:solidFill>
-                  <a:srgbClr val="FFFFFF"/>
-                </a:solidFill>
-                <a:effectLst>
-                  <a:outerShdw blurRad="63500" dir="3600000" algn="tl" rotWithShape="0">
-                    <a:srgbClr val="000000">
-                      <a:alpha val="70000"/>
-                    </a:srgbClr>
-                  </a:outerShdw>
-                </a:effectLst>
-              </a:rPr>
-              <a:t/>
+              <a:t>How far in advance can we successfully predict precipitation (yes/no) for the following day? </a:t>
             </a:r>
             <a:br>
               <a:rPr lang="en-US" b="1" dirty="0">
@@ -4694,6 +4886,101 @@
     <p:extLst>
       <p:ext uri="{BB962C8B-B14F-4D97-AF65-F5344CB8AC3E}">
         <p14:creationId xmlns:p14="http://schemas.microsoft.com/office/powerpoint/2010/main" val="2468385637"/>
+      </p:ext>
+    </p:extLst>
+  </p:cSld>
+  <p:clrMapOvr>
+    <a:masterClrMapping/>
+  </p:clrMapOvr>
+</p:sld>
+</file>
+
+<file path=ppt/slides/slide3.xml><?xml version="1.0" encoding="utf-8"?>
+<p:sld xmlns:a="http://schemas.openxmlformats.org/drawingml/2006/main" xmlns:r="http://schemas.openxmlformats.org/officeDocument/2006/relationships" xmlns:p="http://schemas.openxmlformats.org/presentationml/2006/main">
+  <p:cSld>
+    <p:spTree>
+      <p:nvGrpSpPr>
+        <p:cNvPr id="1" name=""/>
+        <p:cNvGrpSpPr/>
+        <p:nvPr/>
+      </p:nvGrpSpPr>
+      <p:grpSpPr>
+        <a:xfrm>
+          <a:off x="0" y="0"/>
+          <a:ext cx="0" cy="0"/>
+          <a:chOff x="0" y="0"/>
+          <a:chExt cx="0" cy="0"/>
+        </a:xfrm>
+      </p:grpSpPr>
+      <p:sp>
+        <p:nvSpPr>
+          <p:cNvPr id="2" name="Title 1"/>
+          <p:cNvSpPr>
+            <a:spLocks noGrp="1"/>
+          </p:cNvSpPr>
+          <p:nvPr>
+            <p:ph type="title"/>
+          </p:nvPr>
+        </p:nvSpPr>
+        <p:spPr/>
+        <p:txBody>
+          <a:bodyPr/>
+          <a:lstStyle/>
+          <a:p>
+            <a:r>
+              <a:rPr lang="en-US" b="1" dirty="0"/>
+              <a:t>The Data Set</a:t>
+            </a:r>
+          </a:p>
+        </p:txBody>
+      </p:sp>
+      <p:sp>
+        <p:nvSpPr>
+          <p:cNvPr id="3" name="Content Placeholder 2"/>
+          <p:cNvSpPr>
+            <a:spLocks noGrp="1"/>
+          </p:cNvSpPr>
+          <p:nvPr>
+            <p:ph idx="1"/>
+          </p:nvPr>
+        </p:nvSpPr>
+        <p:spPr/>
+        <p:txBody>
+          <a:bodyPr>
+            <a:normAutofit/>
+          </a:bodyPr>
+          <a:lstStyle/>
+          <a:p>
+            <a:pPr marL="0" indent="0">
+              <a:buNone/>
+            </a:pPr>
+            <a:r>
+              <a:rPr lang="is-IS" dirty="0"/>
+              <a:t>Hourly readings from Denver International Airport taken between  1 September 2013 and 31 August 2018</a:t>
+            </a:r>
+          </a:p>
+          <a:p>
+            <a:pPr marL="0" indent="0">
+              <a:buNone/>
+            </a:pPr>
+            <a:endParaRPr lang="is-IS" dirty="0"/>
+          </a:p>
+          <a:p>
+            <a:pPr marL="0" indent="0">
+              <a:buNone/>
+            </a:pPr>
+            <a:r>
+              <a:rPr lang="is-IS" dirty="0"/>
+              <a:t>Variables recorded include: temperature, pressure, humidity, wind speed and direction,  precipitation accumulation, cloud cover and course and fine categorical descriptions.     </a:t>
+            </a:r>
+            <a:endParaRPr lang="en-US" dirty="0"/>
+          </a:p>
+        </p:txBody>
+      </p:sp>
+    </p:spTree>
+    <p:extLst>
+      <p:ext uri="{BB962C8B-B14F-4D97-AF65-F5344CB8AC3E}">
+        <p14:creationId xmlns:p14="http://schemas.microsoft.com/office/powerpoint/2010/main" val="1944008293"/>
       </p:ext>
     </p:extLst>
   </p:cSld>
@@ -4720,49 +5007,30 @@
           <a:chExt cx="0" cy="0"/>
         </a:xfrm>
       </p:grpSpPr>
-      <p:sp>
-        <p:nvSpPr>
-          <p:cNvPr id="2" name="Title 1"/>
-          <p:cNvSpPr>
-            <a:spLocks noGrp="1"/>
-          </p:cNvSpPr>
-          <p:nvPr>
-            <p:ph type="title"/>
-          </p:nvPr>
-        </p:nvSpPr>
-        <p:spPr/>
-        <p:txBody>
-          <a:bodyPr/>
-          <a:lstStyle/>
-          <a:p>
-            <a:endParaRPr lang="en-US"/>
-          </a:p>
-        </p:txBody>
-      </p:sp>
       <p:pic>
         <p:nvPicPr>
-          <p:cNvPr id="4" name="Picture 3" descr="Rplot01.png"/>
+          <p:cNvPr id="5" name="Picture 4">
+            <a:extLst>
+              <a:ext uri="{FF2B5EF4-FFF2-40B4-BE49-F238E27FC236}">
+                <a16:creationId xmlns:a16="http://schemas.microsoft.com/office/drawing/2014/main" xmlns="" id="{A433D14E-3BC4-304C-A1DB-ADC468E2FCE0}"/>
+              </a:ext>
+            </a:extLst>
+          </p:cNvPr>
           <p:cNvPicPr>
             <a:picLocks noChangeAspect="1"/>
           </p:cNvPicPr>
           <p:nvPr/>
         </p:nvPicPr>
         <p:blipFill>
-          <a:blip r:embed="rId2">
-            <a:extLst>
-              <a:ext uri="{28A0092B-C50C-407E-A947-70E740481C1C}">
-                <a14:useLocalDpi xmlns:a14="http://schemas.microsoft.com/office/drawing/2010/main" val="0"/>
-              </a:ext>
-            </a:extLst>
-          </a:blip>
+          <a:blip r:embed="rId2"/>
           <a:stretch>
             <a:fillRect/>
           </a:stretch>
         </p:blipFill>
         <p:spPr>
           <a:xfrm>
-            <a:off x="334854" y="2050076"/>
-            <a:ext cx="8448580" cy="3661051"/>
+            <a:off x="0" y="325678"/>
+            <a:ext cx="9144000" cy="4747363"/>
           </a:xfrm>
           <a:prstGeom prst="rect">
             <a:avLst/>
@@ -4799,49 +5067,30 @@
           <a:chExt cx="0" cy="0"/>
         </a:xfrm>
       </p:grpSpPr>
-      <p:sp>
-        <p:nvSpPr>
-          <p:cNvPr id="2" name="Title 1"/>
-          <p:cNvSpPr>
-            <a:spLocks noGrp="1"/>
-          </p:cNvSpPr>
-          <p:nvPr>
-            <p:ph type="title"/>
-          </p:nvPr>
-        </p:nvSpPr>
-        <p:spPr/>
-        <p:txBody>
-          <a:bodyPr/>
-          <a:lstStyle/>
-          <a:p>
-            <a:endParaRPr lang="en-US" dirty="0"/>
-          </a:p>
-        </p:txBody>
-      </p:sp>
       <p:pic>
         <p:nvPicPr>
-          <p:cNvPr id="10" name="Picture 9" descr="Rplot05.png"/>
+          <p:cNvPr id="6" name="Picture 5">
+            <a:extLst>
+              <a:ext uri="{FF2B5EF4-FFF2-40B4-BE49-F238E27FC236}">
+                <a16:creationId xmlns:a16="http://schemas.microsoft.com/office/drawing/2014/main" xmlns="" id="{E952F46A-D4BD-BA46-9A2D-D99140DA4CB3}"/>
+              </a:ext>
+            </a:extLst>
+          </p:cNvPr>
           <p:cNvPicPr>
             <a:picLocks noChangeAspect="1"/>
           </p:cNvPicPr>
           <p:nvPr/>
         </p:nvPicPr>
         <p:blipFill>
-          <a:blip r:embed="rId2">
-            <a:extLst>
-              <a:ext uri="{28A0092B-C50C-407E-A947-70E740481C1C}">
-                <a14:useLocalDpi xmlns:a14="http://schemas.microsoft.com/office/drawing/2010/main" val="0"/>
-              </a:ext>
-            </a:extLst>
-          </a:blip>
+          <a:blip r:embed="rId2"/>
           <a:stretch>
             <a:fillRect/>
           </a:stretch>
         </p:blipFill>
         <p:spPr>
           <a:xfrm>
-            <a:off x="0" y="1815866"/>
-            <a:ext cx="9144000" cy="3965266"/>
+            <a:off x="217737" y="275572"/>
+            <a:ext cx="8714977" cy="4997885"/>
           </a:xfrm>
           <a:prstGeom prst="rect">
             <a:avLst/>
@@ -4851,7 +5100,7 @@
     </p:spTree>
     <p:extLst>
       <p:ext uri="{BB962C8B-B14F-4D97-AF65-F5344CB8AC3E}">
-        <p14:creationId xmlns:p14="http://schemas.microsoft.com/office/powerpoint/2010/main" val="2101430528"/>
+        <p14:creationId xmlns:p14="http://schemas.microsoft.com/office/powerpoint/2010/main" val="1904990156"/>
       </p:ext>
     </p:extLst>
   </p:cSld>
@@ -4878,58 +5127,40 @@
           <a:chExt cx="0" cy="0"/>
         </a:xfrm>
       </p:grpSpPr>
-      <p:sp>
-        <p:nvSpPr>
-          <p:cNvPr id="2" name="Title 1"/>
-          <p:cNvSpPr>
-            <a:spLocks noGrp="1"/>
-          </p:cNvSpPr>
-          <p:nvPr>
-            <p:ph type="title"/>
-          </p:nvPr>
-        </p:nvSpPr>
-        <p:spPr/>
-        <p:txBody>
-          <a:bodyPr/>
-          <a:lstStyle/>
-          <a:p>
-            <a:r>
-              <a:rPr lang="en-US" dirty="0" smtClean="0"/>
-              <a:t>Current Condition Regressions</a:t>
-            </a:r>
-            <a:endParaRPr lang="en-US" dirty="0"/>
-          </a:p>
-        </p:txBody>
-      </p:sp>
       <p:pic>
         <p:nvPicPr>
-          <p:cNvPr id="4" name="Content Placeholder 3" descr="Rplot06.png"/>
+          <p:cNvPr id="5" name="Picture 4">
+            <a:extLst>
+              <a:ext uri="{FF2B5EF4-FFF2-40B4-BE49-F238E27FC236}">
+                <a16:creationId xmlns:a16="http://schemas.microsoft.com/office/drawing/2014/main" xmlns="" id="{4CB0DDDC-EC9C-204F-A1C6-A3CE9D25200B}"/>
+              </a:ext>
+            </a:extLst>
+          </p:cNvPr>
           <p:cNvPicPr>
-            <a:picLocks noGrp="1" noChangeAspect="1"/>
+            <a:picLocks noChangeAspect="1"/>
           </p:cNvPicPr>
-          <p:nvPr>
-            <p:ph idx="1"/>
-          </p:nvPr>
+          <p:nvPr/>
         </p:nvPicPr>
         <p:blipFill>
-          <a:blip r:embed="rId2">
-            <a:extLst>
-              <a:ext uri="{28A0092B-C50C-407E-A947-70E740481C1C}">
-                <a14:useLocalDpi xmlns:a14="http://schemas.microsoft.com/office/drawing/2010/main" val="0"/>
-              </a:ext>
-            </a:extLst>
-          </a:blip>
-          <a:srcRect l="5301" r="5301"/>
+          <a:blip r:embed="rId2"/>
           <a:stretch>
             <a:fillRect/>
           </a:stretch>
         </p:blipFill>
-        <p:spPr/>
+        <p:spPr>
+          <a:xfrm>
+            <a:off x="0" y="150312"/>
+            <a:ext cx="9144000" cy="6707688"/>
+          </a:xfrm>
+          <a:prstGeom prst="rect">
+            <a:avLst/>
+          </a:prstGeom>
+        </p:spPr>
       </p:pic>
     </p:spTree>
     <p:extLst>
       <p:ext uri="{BB962C8B-B14F-4D97-AF65-F5344CB8AC3E}">
-        <p14:creationId xmlns:p14="http://schemas.microsoft.com/office/powerpoint/2010/main" val="2282820248"/>
+        <p14:creationId xmlns:p14="http://schemas.microsoft.com/office/powerpoint/2010/main" val="2101430528"/>
       </p:ext>
     </p:extLst>
   </p:cSld>
@@ -4958,1022 +5189,38 @@
       </p:grpSpPr>
       <p:pic>
         <p:nvPicPr>
-          <p:cNvPr id="4" name="Picture 3" descr="522795232-612x612.jpg"/>
+          <p:cNvPr id="5" name="Picture 4">
+            <a:extLst>
+              <a:ext uri="{FF2B5EF4-FFF2-40B4-BE49-F238E27FC236}">
+                <a16:creationId xmlns:a16="http://schemas.microsoft.com/office/drawing/2014/main" xmlns="" id="{7A918B01-97D6-3141-870A-9BEBAC978982}"/>
+              </a:ext>
+            </a:extLst>
+          </p:cNvPr>
           <p:cNvPicPr>
             <a:picLocks noChangeAspect="1"/>
           </p:cNvPicPr>
           <p:nvPr/>
         </p:nvPicPr>
         <p:blipFill>
-          <a:blip r:embed="rId2">
-            <a:alphaModFix/>
-            <a:extLst>
-              <a:ext uri="{28A0092B-C50C-407E-A947-70E740481C1C}">
-                <a14:useLocalDpi xmlns:a14="http://schemas.microsoft.com/office/drawing/2010/main" val="0"/>
-              </a:ext>
-            </a:extLst>
-          </a:blip>
+          <a:blip r:embed="rId2"/>
           <a:stretch>
             <a:fillRect/>
           </a:stretch>
         </p:blipFill>
         <p:spPr>
           <a:xfrm>
-            <a:off x="-834625" y="-96641"/>
-            <a:ext cx="10384946" cy="7109955"/>
+            <a:off x="0" y="300625"/>
+            <a:ext cx="9144000" cy="5109575"/>
           </a:xfrm>
           <a:prstGeom prst="rect">
             <a:avLst/>
           </a:prstGeom>
         </p:spPr>
       </p:pic>
-      <p:sp>
-        <p:nvSpPr>
-          <p:cNvPr id="2" name="Title 1"/>
-          <p:cNvSpPr>
-            <a:spLocks noGrp="1"/>
-          </p:cNvSpPr>
-          <p:nvPr>
-            <p:ph type="title"/>
-          </p:nvPr>
-        </p:nvSpPr>
-        <p:spPr/>
-        <p:txBody>
-          <a:bodyPr/>
-          <a:lstStyle/>
-          <a:p>
-            <a:r>
-              <a:rPr lang="en-US" dirty="0" smtClean="0">
-                <a:ln w="18415" cmpd="sng">
-                  <a:solidFill>
-                    <a:srgbClr val="FFFFFF"/>
-                  </a:solidFill>
-                  <a:prstDash val="solid"/>
-                </a:ln>
-                <a:solidFill>
-                  <a:srgbClr val="FFFFFF"/>
-                </a:solidFill>
-                <a:effectLst>
-                  <a:outerShdw blurRad="63500" dir="3600000" algn="tl" rotWithShape="0">
-                    <a:srgbClr val="000000">
-                      <a:alpha val="70000"/>
-                    </a:srgbClr>
-                  </a:outerShdw>
-                </a:effectLst>
-              </a:rPr>
-              <a:t>Data Cleaning</a:t>
-            </a:r>
-            <a:endParaRPr lang="en-US" dirty="0">
-              <a:ln w="18415" cmpd="sng">
-                <a:solidFill>
-                  <a:srgbClr val="FFFFFF"/>
-                </a:solidFill>
-                <a:prstDash val="solid"/>
-              </a:ln>
-              <a:solidFill>
-                <a:srgbClr val="FFFFFF"/>
-              </a:solidFill>
-              <a:effectLst>
-                <a:outerShdw blurRad="63500" dir="3600000" algn="tl" rotWithShape="0">
-                  <a:srgbClr val="000000">
-                    <a:alpha val="70000"/>
-                  </a:srgbClr>
-                </a:outerShdw>
-              </a:effectLst>
-            </a:endParaRPr>
-          </a:p>
-        </p:txBody>
-      </p:sp>
-      <p:sp>
-        <p:nvSpPr>
-          <p:cNvPr id="3" name="Content Placeholder 2"/>
-          <p:cNvSpPr>
-            <a:spLocks noGrp="1"/>
-          </p:cNvSpPr>
-          <p:nvPr>
-            <p:ph idx="1"/>
-          </p:nvPr>
-        </p:nvSpPr>
-        <p:spPr/>
-        <p:txBody>
-          <a:bodyPr>
-            <a:normAutofit fontScale="77500" lnSpcReduction="20000"/>
-          </a:bodyPr>
-          <a:lstStyle/>
-          <a:p>
-            <a:r>
-              <a:rPr lang="en-US" dirty="0">
-                <a:ln w="18415" cmpd="sng">
-                  <a:solidFill>
-                    <a:srgbClr val="FFFFFF"/>
-                  </a:solidFill>
-                  <a:prstDash val="solid"/>
-                </a:ln>
-                <a:solidFill>
-                  <a:srgbClr val="FFFFFF"/>
-                </a:solidFill>
-                <a:effectLst>
-                  <a:outerShdw blurRad="63500" dir="3600000" algn="tl" rotWithShape="0">
-                    <a:srgbClr val="000000">
-                      <a:alpha val="70000"/>
-                    </a:srgbClr>
-                  </a:outerShdw>
-                </a:effectLst>
-              </a:rPr>
-              <a:t>Interpolated missing  </a:t>
-            </a:r>
-            <a:r>
-              <a:rPr lang="en-US" i="1" dirty="0" err="1">
-                <a:ln w="18415" cmpd="sng">
-                  <a:solidFill>
-                    <a:srgbClr val="FFFFFF"/>
-                  </a:solidFill>
-                  <a:prstDash val="solid"/>
-                </a:ln>
-                <a:solidFill>
-                  <a:srgbClr val="FFFFFF"/>
-                </a:solidFill>
-                <a:effectLst>
-                  <a:outerShdw blurRad="63500" dir="3600000" algn="tl" rotWithShape="0">
-                    <a:srgbClr val="000000">
-                      <a:alpha val="70000"/>
-                    </a:srgbClr>
-                  </a:outerShdw>
-                </a:effectLst>
-              </a:rPr>
-              <a:t>x</a:t>
-            </a:r>
-            <a:r>
-              <a:rPr lang="en-US" i="1" baseline="-25000" dirty="0" err="1">
-                <a:ln w="18415" cmpd="sng">
-                  <a:solidFill>
-                    <a:srgbClr val="FFFFFF"/>
-                  </a:solidFill>
-                  <a:prstDash val="solid"/>
-                </a:ln>
-                <a:solidFill>
-                  <a:srgbClr val="FFFFFF"/>
-                </a:solidFill>
-                <a:effectLst>
-                  <a:outerShdw blurRad="63500" dir="3600000" algn="tl" rotWithShape="0">
-                    <a:srgbClr val="000000">
-                      <a:alpha val="70000"/>
-                    </a:srgbClr>
-                  </a:outerShdw>
-                </a:effectLst>
-              </a:rPr>
-              <a:t>t</a:t>
-            </a:r>
-            <a:r>
-              <a:rPr lang="en-US" dirty="0">
-                <a:ln w="18415" cmpd="sng">
-                  <a:solidFill>
-                    <a:srgbClr val="FFFFFF"/>
-                  </a:solidFill>
-                  <a:prstDash val="solid"/>
-                </a:ln>
-                <a:solidFill>
-                  <a:srgbClr val="FFFFFF"/>
-                </a:solidFill>
-                <a:effectLst>
-                  <a:outerShdw blurRad="63500" dir="3600000" algn="tl" rotWithShape="0">
-                    <a:srgbClr val="000000">
-                      <a:alpha val="70000"/>
-                    </a:srgbClr>
-                  </a:outerShdw>
-                </a:effectLst>
-              </a:rPr>
-              <a:t> </a:t>
-            </a:r>
-            <a:r>
-              <a:rPr lang="en-US" i="1" dirty="0" smtClean="0">
-                <a:ln w="18415" cmpd="sng">
-                  <a:solidFill>
-                    <a:srgbClr val="FFFFFF"/>
-                  </a:solidFill>
-                  <a:prstDash val="solid"/>
-                </a:ln>
-                <a:solidFill>
-                  <a:srgbClr val="FFFFFF"/>
-                </a:solidFill>
-                <a:effectLst>
-                  <a:outerShdw blurRad="63500" dir="3600000" algn="tl" rotWithShape="0">
-                    <a:srgbClr val="000000">
-                      <a:alpha val="70000"/>
-                    </a:srgbClr>
-                  </a:outerShdw>
-                </a:effectLst>
-              </a:rPr>
-              <a:t> </a:t>
-            </a:r>
-            <a:r>
-              <a:rPr lang="en-US" dirty="0" smtClean="0">
-                <a:ln w="18415" cmpd="sng">
-                  <a:solidFill>
-                    <a:srgbClr val="FFFFFF"/>
-                  </a:solidFill>
-                  <a:prstDash val="solid"/>
-                </a:ln>
-                <a:solidFill>
-                  <a:srgbClr val="FFFFFF"/>
-                </a:solidFill>
-                <a:effectLst>
-                  <a:outerShdw blurRad="63500" dir="3600000" algn="tl" rotWithShape="0">
-                    <a:srgbClr val="000000">
-                      <a:alpha val="70000"/>
-                    </a:srgbClr>
-                  </a:outerShdw>
-                </a:effectLst>
-              </a:rPr>
-              <a:t>values where </a:t>
-            </a:r>
-            <a:r>
-              <a:rPr lang="en-US" i="1" dirty="0" smtClean="0">
-                <a:ln w="18415" cmpd="sng">
-                  <a:solidFill>
-                    <a:srgbClr val="FFFFFF"/>
-                  </a:solidFill>
-                  <a:prstDash val="solid"/>
-                </a:ln>
-                <a:solidFill>
-                  <a:srgbClr val="FFFFFF"/>
-                </a:solidFill>
-                <a:effectLst>
-                  <a:outerShdw blurRad="63500" dir="3600000" algn="tl" rotWithShape="0">
-                    <a:srgbClr val="000000">
-                      <a:alpha val="70000"/>
-                    </a:srgbClr>
-                  </a:outerShdw>
-                </a:effectLst>
-              </a:rPr>
-              <a:t>x</a:t>
-            </a:r>
-            <a:r>
-              <a:rPr lang="en-US" i="1" baseline="-25000" dirty="0" smtClean="0">
-                <a:ln w="18415" cmpd="sng">
-                  <a:solidFill>
-                    <a:srgbClr val="FFFFFF"/>
-                  </a:solidFill>
-                  <a:prstDash val="solid"/>
-                </a:ln>
-                <a:solidFill>
-                  <a:srgbClr val="FFFFFF"/>
-                </a:solidFill>
-                <a:effectLst>
-                  <a:outerShdw blurRad="63500" dir="3600000" algn="tl" rotWithShape="0">
-                    <a:srgbClr val="000000">
-                      <a:alpha val="70000"/>
-                    </a:srgbClr>
-                  </a:outerShdw>
-                </a:effectLst>
-              </a:rPr>
-              <a:t>t-1 </a:t>
-            </a:r>
-            <a:r>
-              <a:rPr lang="en-US" dirty="0" smtClean="0">
-                <a:ln w="18415" cmpd="sng">
-                  <a:solidFill>
-                    <a:srgbClr val="FFFFFF"/>
-                  </a:solidFill>
-                  <a:prstDash val="solid"/>
-                </a:ln>
-                <a:solidFill>
-                  <a:srgbClr val="FFFFFF"/>
-                </a:solidFill>
-                <a:effectLst>
-                  <a:outerShdw blurRad="63500" dir="3600000" algn="tl" rotWithShape="0">
-                    <a:srgbClr val="000000">
-                      <a:alpha val="70000"/>
-                    </a:srgbClr>
-                  </a:outerShdw>
-                </a:effectLst>
-              </a:rPr>
-              <a:t>and </a:t>
-            </a:r>
-            <a:r>
-              <a:rPr lang="en-US" i="1" dirty="0" smtClean="0">
-                <a:ln w="18415" cmpd="sng">
-                  <a:solidFill>
-                    <a:srgbClr val="FFFFFF"/>
-                  </a:solidFill>
-                  <a:prstDash val="solid"/>
-                </a:ln>
-                <a:solidFill>
-                  <a:srgbClr val="FFFFFF"/>
-                </a:solidFill>
-                <a:effectLst>
-                  <a:outerShdw blurRad="63500" dir="3600000" algn="tl" rotWithShape="0">
-                    <a:srgbClr val="000000">
-                      <a:alpha val="70000"/>
-                    </a:srgbClr>
-                  </a:outerShdw>
-                </a:effectLst>
-              </a:rPr>
-              <a:t>x</a:t>
-            </a:r>
-            <a:r>
-              <a:rPr lang="en-US" i="1" baseline="-25000" dirty="0" smtClean="0">
-                <a:ln w="18415" cmpd="sng">
-                  <a:solidFill>
-                    <a:srgbClr val="FFFFFF"/>
-                  </a:solidFill>
-                  <a:prstDash val="solid"/>
-                </a:ln>
-                <a:solidFill>
-                  <a:srgbClr val="FFFFFF"/>
-                </a:solidFill>
-                <a:effectLst>
-                  <a:outerShdw blurRad="63500" dir="3600000" algn="tl" rotWithShape="0">
-                    <a:srgbClr val="000000">
-                      <a:alpha val="70000"/>
-                    </a:srgbClr>
-                  </a:outerShdw>
-                </a:effectLst>
-              </a:rPr>
-              <a:t>t+1 </a:t>
-            </a:r>
-            <a:r>
-              <a:rPr lang="en-US" dirty="0" smtClean="0">
-                <a:ln w="18415" cmpd="sng">
-                  <a:solidFill>
-                    <a:srgbClr val="FFFFFF"/>
-                  </a:solidFill>
-                  <a:prstDash val="solid"/>
-                </a:ln>
-                <a:solidFill>
-                  <a:srgbClr val="FFFFFF"/>
-                </a:solidFill>
-                <a:effectLst>
-                  <a:outerShdw blurRad="63500" dir="3600000" algn="tl" rotWithShape="0">
-                    <a:srgbClr val="000000">
-                      <a:alpha val="70000"/>
-                    </a:srgbClr>
-                  </a:outerShdw>
-                </a:effectLst>
-              </a:rPr>
-              <a:t>are known.</a:t>
-            </a:r>
-            <a:endParaRPr lang="en-US" dirty="0" smtClean="0">
-              <a:ln w="18415" cmpd="sng">
-                <a:solidFill>
-                  <a:srgbClr val="FFFFFF"/>
-                </a:solidFill>
-                <a:prstDash val="solid"/>
-              </a:ln>
-              <a:solidFill>
-                <a:srgbClr val="FFFFFF"/>
-              </a:solidFill>
-              <a:effectLst>
-                <a:outerShdw blurRad="63500" dir="3600000" algn="tl" rotWithShape="0">
-                  <a:srgbClr val="000000">
-                    <a:alpha val="70000"/>
-                  </a:srgbClr>
-                </a:outerShdw>
-              </a:effectLst>
-            </a:endParaRPr>
-          </a:p>
-          <a:p>
-            <a:r>
-              <a:rPr lang="en-US" dirty="0" smtClean="0">
-                <a:ln w="18415" cmpd="sng">
-                  <a:solidFill>
-                    <a:srgbClr val="FFFFFF"/>
-                  </a:solidFill>
-                  <a:prstDash val="solid"/>
-                </a:ln>
-                <a:solidFill>
-                  <a:srgbClr val="FFFFFF"/>
-                </a:solidFill>
-                <a:effectLst>
-                  <a:outerShdw blurRad="63500" dir="3600000" algn="tl" rotWithShape="0">
-                    <a:srgbClr val="000000">
-                      <a:alpha val="70000"/>
-                    </a:srgbClr>
-                  </a:outerShdw>
-                </a:effectLst>
-              </a:rPr>
-              <a:t>Created variables for previous hourly readings </a:t>
-            </a:r>
-            <a:r>
-              <a:rPr lang="en-US" i="1" dirty="0" smtClean="0">
-                <a:ln w="18415" cmpd="sng">
-                  <a:solidFill>
-                    <a:srgbClr val="FFFFFF"/>
-                  </a:solidFill>
-                  <a:prstDash val="solid"/>
-                </a:ln>
-                <a:solidFill>
-                  <a:srgbClr val="FFFFFF"/>
-                </a:solidFill>
-                <a:effectLst>
-                  <a:outerShdw blurRad="63500" dir="3600000" algn="tl" rotWithShape="0">
-                    <a:srgbClr val="000000">
-                      <a:alpha val="70000"/>
-                    </a:srgbClr>
-                  </a:outerShdw>
-                </a:effectLst>
-              </a:rPr>
-              <a:t>at t</a:t>
-            </a:r>
-            <a:r>
-              <a:rPr lang="en-US" i="1" baseline="-25000" dirty="0" smtClean="0">
-                <a:ln w="18415" cmpd="sng">
-                  <a:solidFill>
-                    <a:srgbClr val="FFFFFF"/>
-                  </a:solidFill>
-                  <a:prstDash val="solid"/>
-                </a:ln>
-                <a:solidFill>
-                  <a:srgbClr val="FFFFFF"/>
-                </a:solidFill>
-                <a:effectLst>
-                  <a:outerShdw blurRad="63500" dir="3600000" algn="tl" rotWithShape="0">
-                    <a:srgbClr val="000000">
-                      <a:alpha val="70000"/>
-                    </a:srgbClr>
-                  </a:outerShdw>
-                </a:effectLst>
-              </a:rPr>
-              <a:t>0</a:t>
-            </a:r>
-            <a:r>
-              <a:rPr lang="en-US" i="1" dirty="0" smtClean="0">
-                <a:ln w="18415" cmpd="sng">
-                  <a:solidFill>
-                    <a:srgbClr val="FFFFFF"/>
-                  </a:solidFill>
-                  <a:prstDash val="solid"/>
-                </a:ln>
-                <a:solidFill>
-                  <a:srgbClr val="FFFFFF"/>
-                </a:solidFill>
-                <a:effectLst>
-                  <a:outerShdw blurRad="63500" dir="3600000" algn="tl" rotWithShape="0">
-                    <a:srgbClr val="000000">
-                      <a:alpha val="70000"/>
-                    </a:srgbClr>
-                  </a:outerShdw>
-                </a:effectLst>
-              </a:rPr>
-              <a:t>-</a:t>
-            </a:r>
-            <a:r>
-              <a:rPr lang="en-US" i="1" dirty="0">
-                <a:ln w="18415" cmpd="sng">
-                  <a:solidFill>
-                    <a:srgbClr val="FFFFFF"/>
-                  </a:solidFill>
-                  <a:prstDash val="solid"/>
-                </a:ln>
-                <a:solidFill>
-                  <a:srgbClr val="FFFFFF"/>
-                </a:solidFill>
-                <a:effectLst>
-                  <a:outerShdw blurRad="63500" dir="3600000" algn="tl" rotWithShape="0">
-                    <a:srgbClr val="000000">
-                      <a:alpha val="70000"/>
-                    </a:srgbClr>
-                  </a:outerShdw>
-                </a:effectLst>
-              </a:rPr>
-              <a:t>24</a:t>
-            </a:r>
-            <a:r>
-              <a:rPr lang="en-US" i="1" dirty="0" smtClean="0">
-                <a:ln w="18415" cmpd="sng">
-                  <a:solidFill>
-                    <a:srgbClr val="FFFFFF"/>
-                  </a:solidFill>
-                  <a:prstDash val="solid"/>
-                </a:ln>
-                <a:solidFill>
-                  <a:srgbClr val="FFFFFF"/>
-                </a:solidFill>
-                <a:effectLst>
-                  <a:outerShdw blurRad="63500" dir="3600000" algn="tl" rotWithShape="0">
-                    <a:srgbClr val="000000">
-                      <a:alpha val="70000"/>
-                    </a:srgbClr>
-                  </a:outerShdw>
-                </a:effectLst>
-              </a:rPr>
-              <a:t>,  </a:t>
-            </a:r>
-            <a:r>
-              <a:rPr lang="en-US" i="1" dirty="0">
-                <a:ln w="18415" cmpd="sng">
-                  <a:solidFill>
-                    <a:srgbClr val="FFFFFF"/>
-                  </a:solidFill>
-                  <a:prstDash val="solid"/>
-                </a:ln>
-                <a:solidFill>
-                  <a:srgbClr val="FFFFFF"/>
-                </a:solidFill>
-                <a:effectLst>
-                  <a:outerShdw blurRad="63500" dir="3600000" algn="tl" rotWithShape="0">
-                    <a:srgbClr val="000000">
-                      <a:alpha val="70000"/>
-                    </a:srgbClr>
-                  </a:outerShdw>
-                </a:effectLst>
-              </a:rPr>
-              <a:t>t</a:t>
-            </a:r>
-            <a:r>
-              <a:rPr lang="en-US" i="1" baseline="-25000" dirty="0">
-                <a:ln w="18415" cmpd="sng">
-                  <a:solidFill>
-                    <a:srgbClr val="FFFFFF"/>
-                  </a:solidFill>
-                  <a:prstDash val="solid"/>
-                </a:ln>
-                <a:solidFill>
-                  <a:srgbClr val="FFFFFF"/>
-                </a:solidFill>
-                <a:effectLst>
-                  <a:outerShdw blurRad="63500" dir="3600000" algn="tl" rotWithShape="0">
-                    <a:srgbClr val="000000">
-                      <a:alpha val="70000"/>
-                    </a:srgbClr>
-                  </a:outerShdw>
-                </a:effectLst>
-              </a:rPr>
-              <a:t>0</a:t>
-            </a:r>
-            <a:r>
-              <a:rPr lang="en-US" i="1" dirty="0" smtClean="0">
-                <a:ln w="18415" cmpd="sng">
-                  <a:solidFill>
-                    <a:srgbClr val="FFFFFF"/>
-                  </a:solidFill>
-                  <a:prstDash val="solid"/>
-                </a:ln>
-                <a:solidFill>
-                  <a:srgbClr val="FFFFFF"/>
-                </a:solidFill>
-                <a:effectLst>
-                  <a:outerShdw blurRad="63500" dir="3600000" algn="tl" rotWithShape="0">
-                    <a:srgbClr val="000000">
-                      <a:alpha val="70000"/>
-                    </a:srgbClr>
-                  </a:outerShdw>
-                </a:effectLst>
-              </a:rPr>
-              <a:t>-12,  </a:t>
-            </a:r>
-            <a:r>
-              <a:rPr lang="en-US" i="1" dirty="0">
-                <a:ln w="18415" cmpd="sng">
-                  <a:solidFill>
-                    <a:srgbClr val="FFFFFF"/>
-                  </a:solidFill>
-                  <a:prstDash val="solid"/>
-                </a:ln>
-                <a:solidFill>
-                  <a:srgbClr val="FFFFFF"/>
-                </a:solidFill>
-                <a:effectLst>
-                  <a:outerShdw blurRad="63500" dir="3600000" algn="tl" rotWithShape="0">
-                    <a:srgbClr val="000000">
-                      <a:alpha val="70000"/>
-                    </a:srgbClr>
-                  </a:outerShdw>
-                </a:effectLst>
-              </a:rPr>
-              <a:t>t</a:t>
-            </a:r>
-            <a:r>
-              <a:rPr lang="en-US" i="1" baseline="-25000" dirty="0">
-                <a:ln w="18415" cmpd="sng">
-                  <a:solidFill>
-                    <a:srgbClr val="FFFFFF"/>
-                  </a:solidFill>
-                  <a:prstDash val="solid"/>
-                </a:ln>
-                <a:solidFill>
-                  <a:srgbClr val="FFFFFF"/>
-                </a:solidFill>
-                <a:effectLst>
-                  <a:outerShdw blurRad="63500" dir="3600000" algn="tl" rotWithShape="0">
-                    <a:srgbClr val="000000">
-                      <a:alpha val="70000"/>
-                    </a:srgbClr>
-                  </a:outerShdw>
-                </a:effectLst>
-              </a:rPr>
-              <a:t>0</a:t>
-            </a:r>
-            <a:r>
-              <a:rPr lang="en-US" i="1" dirty="0" smtClean="0">
-                <a:ln w="18415" cmpd="sng">
-                  <a:solidFill>
-                    <a:srgbClr val="FFFFFF"/>
-                  </a:solidFill>
-                  <a:prstDash val="solid"/>
-                </a:ln>
-                <a:solidFill>
-                  <a:srgbClr val="FFFFFF"/>
-                </a:solidFill>
-                <a:effectLst>
-                  <a:outerShdw blurRad="63500" dir="3600000" algn="tl" rotWithShape="0">
-                    <a:srgbClr val="000000">
-                      <a:alpha val="70000"/>
-                    </a:srgbClr>
-                  </a:outerShdw>
-                </a:effectLst>
-              </a:rPr>
-              <a:t>-</a:t>
-            </a:r>
-            <a:r>
-              <a:rPr lang="en-US" i="1" dirty="0">
-                <a:ln w="18415" cmpd="sng">
-                  <a:solidFill>
-                    <a:srgbClr val="FFFFFF"/>
-                  </a:solidFill>
-                  <a:prstDash val="solid"/>
-                </a:ln>
-                <a:solidFill>
-                  <a:srgbClr val="FFFFFF"/>
-                </a:solidFill>
-                <a:effectLst>
-                  <a:outerShdw blurRad="63500" dir="3600000" algn="tl" rotWithShape="0">
-                    <a:srgbClr val="000000">
-                      <a:alpha val="70000"/>
-                    </a:srgbClr>
-                  </a:outerShdw>
-                </a:effectLst>
-              </a:rPr>
-              <a:t>6</a:t>
-            </a:r>
-            <a:r>
-              <a:rPr lang="en-US" i="1" dirty="0" smtClean="0">
-                <a:ln w="18415" cmpd="sng">
-                  <a:solidFill>
-                    <a:srgbClr val="FFFFFF"/>
-                  </a:solidFill>
-                  <a:prstDash val="solid"/>
-                </a:ln>
-                <a:solidFill>
-                  <a:srgbClr val="FFFFFF"/>
-                </a:solidFill>
-                <a:effectLst>
-                  <a:outerShdw blurRad="63500" dir="3600000" algn="tl" rotWithShape="0">
-                    <a:srgbClr val="000000">
-                      <a:alpha val="70000"/>
-                    </a:srgbClr>
-                  </a:outerShdw>
-                </a:effectLst>
-              </a:rPr>
-              <a:t>, </a:t>
-            </a:r>
-            <a:r>
-              <a:rPr lang="en-US" i="1" dirty="0">
-                <a:ln w="18415" cmpd="sng">
-                  <a:solidFill>
-                    <a:srgbClr val="FFFFFF"/>
-                  </a:solidFill>
-                  <a:prstDash val="solid"/>
-                </a:ln>
-                <a:solidFill>
-                  <a:srgbClr val="FFFFFF"/>
-                </a:solidFill>
-                <a:effectLst>
-                  <a:outerShdw blurRad="63500" dir="3600000" algn="tl" rotWithShape="0">
-                    <a:srgbClr val="000000">
-                      <a:alpha val="70000"/>
-                    </a:srgbClr>
-                  </a:outerShdw>
-                </a:effectLst>
-              </a:rPr>
-              <a:t>t</a:t>
-            </a:r>
-            <a:r>
-              <a:rPr lang="en-US" i="1" baseline="-25000" dirty="0">
-                <a:ln w="18415" cmpd="sng">
-                  <a:solidFill>
-                    <a:srgbClr val="FFFFFF"/>
-                  </a:solidFill>
-                  <a:prstDash val="solid"/>
-                </a:ln>
-                <a:solidFill>
-                  <a:srgbClr val="FFFFFF"/>
-                </a:solidFill>
-                <a:effectLst>
-                  <a:outerShdw blurRad="63500" dir="3600000" algn="tl" rotWithShape="0">
-                    <a:srgbClr val="000000">
-                      <a:alpha val="70000"/>
-                    </a:srgbClr>
-                  </a:outerShdw>
-                </a:effectLst>
-              </a:rPr>
-              <a:t>0</a:t>
-            </a:r>
-            <a:r>
-              <a:rPr lang="en-US" i="1" dirty="0" smtClean="0">
-                <a:ln w="18415" cmpd="sng">
-                  <a:solidFill>
-                    <a:srgbClr val="FFFFFF"/>
-                  </a:solidFill>
-                  <a:prstDash val="solid"/>
-                </a:ln>
-                <a:solidFill>
-                  <a:srgbClr val="FFFFFF"/>
-                </a:solidFill>
-                <a:effectLst>
-                  <a:outerShdw blurRad="63500" dir="3600000" algn="tl" rotWithShape="0">
-                    <a:srgbClr val="000000">
-                      <a:alpha val="70000"/>
-                    </a:srgbClr>
-                  </a:outerShdw>
-                </a:effectLst>
-              </a:rPr>
-              <a:t>-3,  </a:t>
-            </a:r>
-            <a:r>
-              <a:rPr lang="en-US" i="1" dirty="0">
-                <a:ln w="18415" cmpd="sng">
-                  <a:solidFill>
-                    <a:srgbClr val="FFFFFF"/>
-                  </a:solidFill>
-                  <a:prstDash val="solid"/>
-                </a:ln>
-                <a:solidFill>
-                  <a:srgbClr val="FFFFFF"/>
-                </a:solidFill>
-                <a:effectLst>
-                  <a:outerShdw blurRad="63500" dir="3600000" algn="tl" rotWithShape="0">
-                    <a:srgbClr val="000000">
-                      <a:alpha val="70000"/>
-                    </a:srgbClr>
-                  </a:outerShdw>
-                </a:effectLst>
-              </a:rPr>
-              <a:t>t</a:t>
-            </a:r>
-            <a:r>
-              <a:rPr lang="en-US" i="1" baseline="-25000" dirty="0">
-                <a:ln w="18415" cmpd="sng">
-                  <a:solidFill>
-                    <a:srgbClr val="FFFFFF"/>
-                  </a:solidFill>
-                  <a:prstDash val="solid"/>
-                </a:ln>
-                <a:solidFill>
-                  <a:srgbClr val="FFFFFF"/>
-                </a:solidFill>
-                <a:effectLst>
-                  <a:outerShdw blurRad="63500" dir="3600000" algn="tl" rotWithShape="0">
-                    <a:srgbClr val="000000">
-                      <a:alpha val="70000"/>
-                    </a:srgbClr>
-                  </a:outerShdw>
-                </a:effectLst>
-              </a:rPr>
-              <a:t>0</a:t>
-            </a:r>
-            <a:r>
-              <a:rPr lang="en-US" i="1" dirty="0" smtClean="0">
-                <a:ln w="18415" cmpd="sng">
-                  <a:solidFill>
-                    <a:srgbClr val="FFFFFF"/>
-                  </a:solidFill>
-                  <a:prstDash val="solid"/>
-                </a:ln>
-                <a:solidFill>
-                  <a:srgbClr val="FFFFFF"/>
-                </a:solidFill>
-                <a:effectLst>
-                  <a:outerShdw blurRad="63500" dir="3600000" algn="tl" rotWithShape="0">
-                    <a:srgbClr val="000000">
-                      <a:alpha val="70000"/>
-                    </a:srgbClr>
-                  </a:outerShdw>
-                </a:effectLst>
-              </a:rPr>
-              <a:t>-1</a:t>
-            </a:r>
-          </a:p>
-          <a:p>
-            <a:r>
-              <a:rPr lang="en-US" dirty="0" smtClean="0">
-                <a:ln w="18415" cmpd="sng">
-                  <a:solidFill>
-                    <a:srgbClr val="FFFFFF"/>
-                  </a:solidFill>
-                  <a:prstDash val="solid"/>
-                </a:ln>
-                <a:solidFill>
-                  <a:srgbClr val="FFFFFF"/>
-                </a:solidFill>
-                <a:effectLst>
-                  <a:outerShdw blurRad="63500" dir="3600000" algn="tl" rotWithShape="0">
-                    <a:srgbClr val="000000">
-                      <a:alpha val="70000"/>
-                    </a:srgbClr>
-                  </a:outerShdw>
-                </a:effectLst>
-              </a:rPr>
-              <a:t>Conversion of wind direction from degrees to categorical variables (N, NNE, NE, ENE, E, etc.)</a:t>
-            </a:r>
-          </a:p>
-          <a:p>
-            <a:r>
-              <a:rPr lang="en-US" dirty="0" smtClean="0">
-                <a:ln w="18415" cmpd="sng">
-                  <a:solidFill>
-                    <a:srgbClr val="FFFFFF"/>
-                  </a:solidFill>
-                  <a:prstDash val="solid"/>
-                </a:ln>
-                <a:solidFill>
-                  <a:srgbClr val="FFFFFF"/>
-                </a:solidFill>
-                <a:effectLst>
-                  <a:outerShdw blurRad="63500" dir="3600000" algn="tl" rotWithShape="0">
-                    <a:srgbClr val="000000">
-                      <a:alpha val="70000"/>
-                    </a:srgbClr>
-                  </a:outerShdw>
-                </a:effectLst>
-              </a:rPr>
-              <a:t>Converted temperature from Kelvin to Celsius</a:t>
-            </a:r>
-          </a:p>
-          <a:p>
-            <a:r>
-              <a:rPr lang="en-US" dirty="0" smtClean="0">
-                <a:ln w="18415" cmpd="sng">
-                  <a:solidFill>
-                    <a:srgbClr val="FFFFFF"/>
-                  </a:solidFill>
-                  <a:prstDash val="solid"/>
-                </a:ln>
-                <a:solidFill>
-                  <a:srgbClr val="FFFFFF"/>
-                </a:solidFill>
-                <a:effectLst>
-                  <a:outerShdw blurRad="63500" dir="3600000" algn="tl" rotWithShape="0">
-                    <a:srgbClr val="000000">
-                      <a:alpha val="70000"/>
-                    </a:srgbClr>
-                  </a:outerShdw>
-                </a:effectLst>
-              </a:rPr>
-              <a:t>Created binary variables for no precipitation/ precipitation at all </a:t>
-            </a:r>
-            <a:r>
-              <a:rPr lang="en-US" i="1" dirty="0" smtClean="0">
-                <a:ln w="18415" cmpd="sng">
-                  <a:solidFill>
-                    <a:srgbClr val="FFFFFF"/>
-                  </a:solidFill>
-                  <a:prstDash val="solid"/>
-                </a:ln>
-                <a:solidFill>
-                  <a:srgbClr val="FFFFFF"/>
-                </a:solidFill>
-                <a:effectLst>
-                  <a:outerShdw blurRad="63500" dir="3600000" algn="tl" rotWithShape="0">
-                    <a:srgbClr val="000000">
-                      <a:alpha val="70000"/>
-                    </a:srgbClr>
-                  </a:outerShdw>
-                </a:effectLst>
-              </a:rPr>
-              <a:t>t</a:t>
-            </a:r>
-          </a:p>
-          <a:p>
-            <a:r>
-              <a:rPr lang="en-US" dirty="0" smtClean="0">
-                <a:ln w="18415" cmpd="sng">
-                  <a:solidFill>
-                    <a:srgbClr val="FFFFFF"/>
-                  </a:solidFill>
-                  <a:prstDash val="solid"/>
-                </a:ln>
-                <a:solidFill>
-                  <a:srgbClr val="FFFFFF"/>
-                </a:solidFill>
-                <a:effectLst>
-                  <a:outerShdw blurRad="63500" dir="3600000" algn="tl" rotWithShape="0">
-                    <a:srgbClr val="000000">
-                      <a:alpha val="70000"/>
-                    </a:srgbClr>
-                  </a:outerShdw>
-                </a:effectLst>
-              </a:rPr>
-              <a:t>Created binary variable for precipitation in the next 24 hours for </a:t>
-            </a:r>
-            <a:r>
-              <a:rPr lang="en-US" i="1" dirty="0" smtClean="0">
-                <a:ln w="18415" cmpd="sng">
-                  <a:solidFill>
-                    <a:srgbClr val="FFFFFF"/>
-                  </a:solidFill>
-                  <a:prstDash val="solid"/>
-                </a:ln>
-                <a:solidFill>
-                  <a:srgbClr val="FFFFFF"/>
-                </a:solidFill>
-                <a:effectLst>
-                  <a:outerShdw blurRad="63500" dir="3600000" algn="tl" rotWithShape="0">
-                    <a:srgbClr val="000000">
-                      <a:alpha val="70000"/>
-                    </a:srgbClr>
-                  </a:outerShdw>
-                </a:effectLst>
-              </a:rPr>
-              <a:t>t</a:t>
-            </a:r>
-            <a:r>
-              <a:rPr lang="en-US" i="1" baseline="-25000" dirty="0" smtClean="0">
-                <a:ln w="18415" cmpd="sng">
-                  <a:solidFill>
-                    <a:srgbClr val="FFFFFF"/>
-                  </a:solidFill>
-                  <a:prstDash val="solid"/>
-                </a:ln>
-                <a:solidFill>
-                  <a:srgbClr val="FFFFFF"/>
-                </a:solidFill>
-                <a:effectLst>
-                  <a:outerShdw blurRad="63500" dir="3600000" algn="tl" rotWithShape="0">
-                    <a:srgbClr val="000000">
-                      <a:alpha val="70000"/>
-                    </a:srgbClr>
-                  </a:outerShdw>
-                </a:effectLst>
-              </a:rPr>
-              <a:t>0</a:t>
-            </a:r>
-            <a:endParaRPr lang="en-US" baseline="-25000" dirty="0" smtClean="0">
-              <a:ln w="18415" cmpd="sng">
-                <a:solidFill>
-                  <a:srgbClr val="FFFFFF"/>
-                </a:solidFill>
-                <a:prstDash val="solid"/>
-              </a:ln>
-              <a:solidFill>
-                <a:srgbClr val="FFFFFF"/>
-              </a:solidFill>
-              <a:effectLst>
-                <a:outerShdw blurRad="63500" dir="3600000" algn="tl" rotWithShape="0">
-                  <a:srgbClr val="000000">
-                    <a:alpha val="70000"/>
-                  </a:srgbClr>
-                </a:outerShdw>
-              </a:effectLst>
-            </a:endParaRPr>
-          </a:p>
-          <a:p>
-            <a:r>
-              <a:rPr lang="en-US" dirty="0" smtClean="0">
-                <a:ln w="18415" cmpd="sng">
-                  <a:solidFill>
-                    <a:srgbClr val="FFFFFF"/>
-                  </a:solidFill>
-                  <a:prstDash val="solid"/>
-                </a:ln>
-                <a:solidFill>
-                  <a:srgbClr val="FFFFFF"/>
-                </a:solidFill>
-                <a:effectLst>
-                  <a:outerShdw blurRad="63500" dir="3600000" algn="tl" rotWithShape="0">
-                    <a:srgbClr val="000000">
-                      <a:alpha val="70000"/>
-                    </a:srgbClr>
-                  </a:outerShdw>
-                </a:effectLst>
-              </a:rPr>
-              <a:t>Remove all records with NAs.</a:t>
-            </a:r>
-          </a:p>
-          <a:p>
-            <a:endParaRPr lang="en-US" dirty="0" smtClean="0"/>
-          </a:p>
-          <a:p>
-            <a:pPr marL="0" indent="0">
-              <a:buNone/>
-            </a:pPr>
-            <a:endParaRPr lang="en-US" dirty="0"/>
-          </a:p>
-          <a:p>
-            <a:endParaRPr lang="en-US" dirty="0"/>
-          </a:p>
-          <a:p>
-            <a:endParaRPr lang="en-US" dirty="0"/>
-          </a:p>
-          <a:p>
-            <a:endParaRPr lang="en-US" dirty="0"/>
-          </a:p>
-        </p:txBody>
-      </p:sp>
     </p:spTree>
     <p:extLst>
       <p:ext uri="{BB962C8B-B14F-4D97-AF65-F5344CB8AC3E}">
-        <p14:creationId xmlns:p14="http://schemas.microsoft.com/office/powerpoint/2010/main" val="565761930"/>
+        <p14:creationId xmlns:p14="http://schemas.microsoft.com/office/powerpoint/2010/main" val="2282820248"/>
       </p:ext>
     </p:extLst>
   </p:cSld>
@@ -6002,223 +5249,38 @@
       </p:grpSpPr>
       <p:pic>
         <p:nvPicPr>
-          <p:cNvPr id="9" name="Picture 8" descr="white.jpg"/>
+          <p:cNvPr id="5" name="Picture 4">
+            <a:extLst>
+              <a:ext uri="{FF2B5EF4-FFF2-40B4-BE49-F238E27FC236}">
+                <a16:creationId xmlns:a16="http://schemas.microsoft.com/office/drawing/2014/main" xmlns="" id="{03AF33C2-6F2F-4645-91D3-336F02BCDE4A}"/>
+              </a:ext>
+            </a:extLst>
+          </p:cNvPr>
           <p:cNvPicPr>
             <a:picLocks noChangeAspect="1"/>
           </p:cNvPicPr>
           <p:nvPr/>
         </p:nvPicPr>
         <p:blipFill>
-          <a:blip r:embed="rId3">
-            <a:extLst>
-              <a:ext uri="{28A0092B-C50C-407E-A947-70E740481C1C}">
-                <a14:useLocalDpi xmlns:a14="http://schemas.microsoft.com/office/drawing/2010/main" val="0"/>
-              </a:ext>
-            </a:extLst>
-          </a:blip>
+          <a:blip r:embed="rId2"/>
           <a:stretch>
             <a:fillRect/>
           </a:stretch>
         </p:blipFill>
         <p:spPr>
           <a:xfrm>
-            <a:off x="0" y="0"/>
-            <a:ext cx="9373506" cy="6858000"/>
+            <a:off x="112734" y="266779"/>
+            <a:ext cx="8843376" cy="4409423"/>
           </a:xfrm>
           <a:prstGeom prst="rect">
             <a:avLst/>
           </a:prstGeom>
         </p:spPr>
       </p:pic>
-      <p:pic>
-        <p:nvPicPr>
-          <p:cNvPr id="8" name="Picture 7" descr="goodwp.com_16595.jpg"/>
-          <p:cNvPicPr>
-            <a:picLocks noChangeAspect="1"/>
-          </p:cNvPicPr>
-          <p:nvPr/>
-        </p:nvPicPr>
-        <p:blipFill>
-          <a:blip r:embed="rId4">
-            <a:alphaModFix amt="35000"/>
-            <a:extLst>
-              <a:ext uri="{28A0092B-C50C-407E-A947-70E740481C1C}">
-                <a14:useLocalDpi xmlns:a14="http://schemas.microsoft.com/office/drawing/2010/main" val="0"/>
-              </a:ext>
-            </a:extLst>
-          </a:blip>
-          <a:stretch>
-            <a:fillRect/>
-          </a:stretch>
-        </p:blipFill>
-        <p:spPr>
-          <a:xfrm>
-            <a:off x="-2036281" y="-441784"/>
-            <a:ext cx="13365401" cy="8090522"/>
-          </a:xfrm>
-          <a:prstGeom prst="rect">
-            <a:avLst/>
-          </a:prstGeom>
-        </p:spPr>
-      </p:pic>
-      <p:sp>
-        <p:nvSpPr>
-          <p:cNvPr id="2" name="Title 1"/>
-          <p:cNvSpPr>
-            <a:spLocks noGrp="1"/>
-          </p:cNvSpPr>
-          <p:nvPr>
-            <p:ph type="title"/>
-          </p:nvPr>
-        </p:nvSpPr>
-        <p:spPr/>
-        <p:txBody>
-          <a:bodyPr/>
-          <a:lstStyle/>
-          <a:p>
-            <a:r>
-              <a:rPr lang="en-US" dirty="0" smtClean="0"/>
-              <a:t>Variables</a:t>
-            </a:r>
-            <a:endParaRPr lang="en-US" dirty="0"/>
-          </a:p>
-        </p:txBody>
-      </p:sp>
-      <p:sp>
-        <p:nvSpPr>
-          <p:cNvPr id="3" name="Content Placeholder 2"/>
-          <p:cNvSpPr>
-            <a:spLocks noGrp="1"/>
-          </p:cNvSpPr>
-          <p:nvPr>
-            <p:ph idx="1"/>
-          </p:nvPr>
-        </p:nvSpPr>
-        <p:spPr/>
-        <p:txBody>
-          <a:bodyPr/>
-          <a:lstStyle/>
-          <a:p>
-            <a:r>
-              <a:rPr lang="en-US" dirty="0" err="1" smtClean="0"/>
-              <a:t>x</a:t>
-            </a:r>
-            <a:r>
-              <a:rPr lang="en-US" baseline="-25000" dirty="0" err="1" smtClean="0"/>
-              <a:t>t</a:t>
-            </a:r>
-            <a:r>
-              <a:rPr lang="en-US" dirty="0" smtClean="0"/>
-              <a:t> := temperature,</a:t>
-            </a:r>
-            <a:r>
-              <a:rPr lang="en-US" dirty="0"/>
-              <a:t> pressure, </a:t>
-            </a:r>
-            <a:r>
-              <a:rPr lang="en-US" dirty="0" smtClean="0"/>
-              <a:t> humidity, wind speed, % cloud coverage, precipitation/no precipitation binary for all t.</a:t>
-            </a:r>
-          </a:p>
-          <a:p>
-            <a:r>
-              <a:rPr lang="en-US" dirty="0" smtClean="0"/>
-              <a:t>Not used: wind direction, </a:t>
-            </a:r>
-            <a:r>
-              <a:rPr lang="en-US" dirty="0" err="1" smtClean="0"/>
-              <a:t>acculmulated</a:t>
-            </a:r>
-            <a:r>
-              <a:rPr lang="en-US" dirty="0" smtClean="0"/>
-              <a:t> precipitation (1 </a:t>
-            </a:r>
-            <a:r>
-              <a:rPr lang="en-US" dirty="0" err="1" smtClean="0"/>
-              <a:t>hr</a:t>
-            </a:r>
-            <a:r>
-              <a:rPr lang="en-US" dirty="0" smtClean="0"/>
-              <a:t>, 3 </a:t>
-            </a:r>
-            <a:r>
-              <a:rPr lang="en-US" dirty="0" err="1" smtClean="0"/>
-              <a:t>hr</a:t>
-            </a:r>
-            <a:r>
-              <a:rPr lang="en-US" dirty="0" smtClean="0"/>
-              <a:t>)</a:t>
-            </a:r>
-          </a:p>
-          <a:p>
-            <a:r>
-              <a:rPr lang="en-US" dirty="0" smtClean="0"/>
-              <a:t>Linear rate of change between each previous   reading and each current reading</a:t>
-            </a:r>
-          </a:p>
-        </p:txBody>
-      </p:sp>
-      <p:graphicFrame>
-        <p:nvGraphicFramePr>
-          <p:cNvPr id="5" name="Object 4"/>
-          <p:cNvGraphicFramePr>
-            <a:graphicFrameLocks noChangeAspect="1"/>
-          </p:cNvGraphicFramePr>
-          <p:nvPr>
-            <p:extLst>
-              <p:ext uri="{D42A27DB-BD31-4B8C-83A1-F6EECF244321}">
-                <p14:modId xmlns:p14="http://schemas.microsoft.com/office/powerpoint/2010/main" val="1847937802"/>
-              </p:ext>
-            </p:extLst>
-          </p:nvPr>
-        </p:nvGraphicFramePr>
-        <p:xfrm>
-          <a:off x="3278188" y="5329238"/>
-          <a:ext cx="2151062" cy="1158875"/>
-        </p:xfrm>
-        <a:graphic>
-          <a:graphicData uri="http://schemas.openxmlformats.org/presentationml/2006/ole">
-            <mc:AlternateContent xmlns:mc="http://schemas.openxmlformats.org/markup-compatibility/2006">
-              <mc:Choice xmlns:v="urn:schemas-microsoft-com:vml" Requires="v">
-                <p:oleObj spid="_x0000_s1028" name="Equation" r:id="rId5" imgW="990600" imgH="533400" progId="Equation.3">
-                  <p:embed/>
-                </p:oleObj>
-              </mc:Choice>
-              <mc:Fallback>
-                <p:oleObj name="Equation" r:id="rId5" imgW="990600" imgH="533400" progId="Equation.3">
-                  <p:embed/>
-                  <p:pic>
-                    <p:nvPicPr>
-                      <p:cNvPr id="0" name=""/>
-                      <p:cNvPicPr/>
-                      <p:nvPr/>
-                    </p:nvPicPr>
-                    <p:blipFill>
-                      <a:blip r:embed="rId6"/>
-                      <a:stretch>
-                        <a:fillRect/>
-                      </a:stretch>
-                    </p:blipFill>
-                    <p:spPr>
-                      <a:xfrm>
-                        <a:off x="3278188" y="5329238"/>
-                        <a:ext cx="2151062" cy="1158875"/>
-                      </a:xfrm>
-                      <a:prstGeom prst="rect">
-                        <a:avLst/>
-                      </a:prstGeom>
-                    </p:spPr>
-                  </p:pic>
-                </p:oleObj>
-              </mc:Fallback>
-            </mc:AlternateContent>
-          </a:graphicData>
-        </a:graphic>
-      </p:graphicFrame>
     </p:spTree>
     <p:extLst>
       <p:ext uri="{BB962C8B-B14F-4D97-AF65-F5344CB8AC3E}">
-        <p14:creationId xmlns:p14="http://schemas.microsoft.com/office/powerpoint/2010/main" val="1836483887"/>
+        <p14:creationId xmlns:p14="http://schemas.microsoft.com/office/powerpoint/2010/main" val="1610970250"/>
       </p:ext>
     </p:extLst>
   </p:cSld>
@@ -6260,17 +5322,32 @@
           <a:bodyPr/>
           <a:lstStyle/>
           <a:p>
-            <a:r>
-              <a:rPr lang="en-US" dirty="0" smtClean="0"/>
-              <a:t>Basic Model</a:t>
-            </a:r>
+            <a:endParaRPr lang="en-US"/>
+          </a:p>
+        </p:txBody>
+      </p:sp>
+      <p:sp>
+        <p:nvSpPr>
+          <p:cNvPr id="3" name="Content Placeholder 2"/>
+          <p:cNvSpPr>
+            <a:spLocks noGrp="1"/>
+          </p:cNvSpPr>
+          <p:nvPr>
+            <p:ph idx="1"/>
+          </p:nvPr>
+        </p:nvSpPr>
+        <p:spPr/>
+        <p:txBody>
+          <a:bodyPr/>
+          <a:lstStyle/>
+          <a:p>
             <a:endParaRPr lang="en-US" dirty="0"/>
           </a:p>
         </p:txBody>
       </p:sp>
       <p:pic>
         <p:nvPicPr>
-          <p:cNvPr id="4" name="Picture 3" descr="Screenshot 2018-09-24 09.33.01.jpeg"/>
+          <p:cNvPr id="4" name="Picture 3" descr="522795232-612x612.jpg"/>
           <p:cNvPicPr>
             <a:picLocks noChangeAspect="1"/>
           </p:cNvPicPr>
@@ -6278,6 +5355,7 @@
         </p:nvPicPr>
         <p:blipFill>
           <a:blip r:embed="rId2">
+            <a:alphaModFix/>
             <a:extLst>
               <a:ext uri="{28A0092B-C50C-407E-A947-70E740481C1C}">
                 <a14:useLocalDpi xmlns:a14="http://schemas.microsoft.com/office/drawing/2010/main" val="0"/>
@@ -6290,18 +5368,981 @@
         </p:blipFill>
         <p:spPr>
           <a:xfrm>
-            <a:off x="2011233" y="1587656"/>
-            <a:ext cx="5303966" cy="4733053"/>
+            <a:off x="-682225" y="55759"/>
+            <a:ext cx="10384946" cy="7109955"/>
           </a:xfrm>
           <a:prstGeom prst="rect">
             <a:avLst/>
           </a:prstGeom>
         </p:spPr>
       </p:pic>
+      <p:sp>
+        <p:nvSpPr>
+          <p:cNvPr id="5" name="Title 1"/>
+          <p:cNvSpPr txBox="1">
+            <a:spLocks/>
+          </p:cNvSpPr>
+          <p:nvPr/>
+        </p:nvSpPr>
+        <p:spPr>
+          <a:xfrm>
+            <a:off x="609600" y="427038"/>
+            <a:ext cx="8229600" cy="1143000"/>
+          </a:xfrm>
+          <a:prstGeom prst="rect">
+            <a:avLst/>
+          </a:prstGeom>
+        </p:spPr>
+        <p:txBody>
+          <a:bodyPr vert="horz" lIns="91440" tIns="45720" rIns="91440" bIns="45720" rtlCol="0" anchor="ctr">
+            <a:normAutofit/>
+          </a:bodyPr>
+          <a:lstStyle>
+            <a:lvl1pPr algn="ctr" defTabSz="457200" rtl="0" eaLnBrk="1" latinLnBrk="0" hangingPunct="1">
+              <a:spcBef>
+                <a:spcPct val="0"/>
+              </a:spcBef>
+              <a:buNone/>
+              <a:defRPr sz="4400" kern="1200">
+                <a:solidFill>
+                  <a:schemeClr val="tx1"/>
+                </a:solidFill>
+                <a:latin typeface="+mj-lt"/>
+                <a:ea typeface="+mj-ea"/>
+                <a:cs typeface="+mj-cs"/>
+              </a:defRPr>
+            </a:lvl1pPr>
+          </a:lstStyle>
+          <a:p>
+            <a:r>
+              <a:rPr lang="en-US" smtClean="0">
+                <a:ln w="18415" cmpd="sng">
+                  <a:solidFill>
+                    <a:srgbClr val="FFFFFF"/>
+                  </a:solidFill>
+                  <a:prstDash val="solid"/>
+                </a:ln>
+                <a:solidFill>
+                  <a:srgbClr val="FFFFFF"/>
+                </a:solidFill>
+                <a:effectLst>
+                  <a:outerShdw blurRad="63500" dir="3600000" algn="tl" rotWithShape="0">
+                    <a:srgbClr val="000000">
+                      <a:alpha val="70000"/>
+                    </a:srgbClr>
+                  </a:outerShdw>
+                </a:effectLst>
+              </a:rPr>
+              <a:t>Data Cleaning</a:t>
+            </a:r>
+            <a:endParaRPr lang="en-US" dirty="0">
+              <a:ln w="18415" cmpd="sng">
+                <a:solidFill>
+                  <a:srgbClr val="FFFFFF"/>
+                </a:solidFill>
+                <a:prstDash val="solid"/>
+              </a:ln>
+              <a:solidFill>
+                <a:srgbClr val="FFFFFF"/>
+              </a:solidFill>
+              <a:effectLst>
+                <a:outerShdw blurRad="63500" dir="3600000" algn="tl" rotWithShape="0">
+                  <a:srgbClr val="000000">
+                    <a:alpha val="70000"/>
+                  </a:srgbClr>
+                </a:outerShdw>
+              </a:effectLst>
+            </a:endParaRPr>
+          </a:p>
+        </p:txBody>
+      </p:sp>
+      <p:sp>
+        <p:nvSpPr>
+          <p:cNvPr id="6" name="Content Placeholder 2"/>
+          <p:cNvSpPr txBox="1">
+            <a:spLocks/>
+          </p:cNvSpPr>
+          <p:nvPr/>
+        </p:nvSpPr>
+        <p:spPr>
+          <a:xfrm>
+            <a:off x="609600" y="1752600"/>
+            <a:ext cx="8229600" cy="4525963"/>
+          </a:xfrm>
+          <a:prstGeom prst="rect">
+            <a:avLst/>
+          </a:prstGeom>
+        </p:spPr>
+        <p:txBody>
+          <a:bodyPr vert="horz" lIns="91440" tIns="45720" rIns="91440" bIns="45720" rtlCol="0">
+            <a:normAutofit fontScale="77500" lnSpcReduction="20000"/>
+          </a:bodyPr>
+          <a:lstStyle>
+            <a:lvl1pPr marL="342900" indent="-342900" algn="l" defTabSz="457200" rtl="0" eaLnBrk="1" latinLnBrk="0" hangingPunct="1">
+              <a:spcBef>
+                <a:spcPct val="20000"/>
+              </a:spcBef>
+              <a:buFont typeface="Arial"/>
+              <a:buChar char="•"/>
+              <a:defRPr sz="3200" kern="1200">
+                <a:solidFill>
+                  <a:schemeClr val="tx1"/>
+                </a:solidFill>
+                <a:latin typeface="+mn-lt"/>
+                <a:ea typeface="+mn-ea"/>
+                <a:cs typeface="+mn-cs"/>
+              </a:defRPr>
+            </a:lvl1pPr>
+            <a:lvl2pPr marL="742950" indent="-285750" algn="l" defTabSz="457200" rtl="0" eaLnBrk="1" latinLnBrk="0" hangingPunct="1">
+              <a:spcBef>
+                <a:spcPct val="20000"/>
+              </a:spcBef>
+              <a:buFont typeface="Arial"/>
+              <a:buChar char="–"/>
+              <a:defRPr sz="2800" kern="1200">
+                <a:solidFill>
+                  <a:schemeClr val="tx1"/>
+                </a:solidFill>
+                <a:latin typeface="+mn-lt"/>
+                <a:ea typeface="+mn-ea"/>
+                <a:cs typeface="+mn-cs"/>
+              </a:defRPr>
+            </a:lvl2pPr>
+            <a:lvl3pPr marL="1143000" indent="-228600" algn="l" defTabSz="457200" rtl="0" eaLnBrk="1" latinLnBrk="0" hangingPunct="1">
+              <a:spcBef>
+                <a:spcPct val="20000"/>
+              </a:spcBef>
+              <a:buFont typeface="Arial"/>
+              <a:buChar char="•"/>
+              <a:defRPr sz="2400" kern="1200">
+                <a:solidFill>
+                  <a:schemeClr val="tx1"/>
+                </a:solidFill>
+                <a:latin typeface="+mn-lt"/>
+                <a:ea typeface="+mn-ea"/>
+                <a:cs typeface="+mn-cs"/>
+              </a:defRPr>
+            </a:lvl3pPr>
+            <a:lvl4pPr marL="1600200" indent="-228600" algn="l" defTabSz="457200" rtl="0" eaLnBrk="1" latinLnBrk="0" hangingPunct="1">
+              <a:spcBef>
+                <a:spcPct val="20000"/>
+              </a:spcBef>
+              <a:buFont typeface="Arial"/>
+              <a:buChar char="–"/>
+              <a:defRPr sz="2000" kern="1200">
+                <a:solidFill>
+                  <a:schemeClr val="tx1"/>
+                </a:solidFill>
+                <a:latin typeface="+mn-lt"/>
+                <a:ea typeface="+mn-ea"/>
+                <a:cs typeface="+mn-cs"/>
+              </a:defRPr>
+            </a:lvl4pPr>
+            <a:lvl5pPr marL="2057400" indent="-228600" algn="l" defTabSz="457200" rtl="0" eaLnBrk="1" latinLnBrk="0" hangingPunct="1">
+              <a:spcBef>
+                <a:spcPct val="20000"/>
+              </a:spcBef>
+              <a:buFont typeface="Arial"/>
+              <a:buChar char="»"/>
+              <a:defRPr sz="2000" kern="1200">
+                <a:solidFill>
+                  <a:schemeClr val="tx1"/>
+                </a:solidFill>
+                <a:latin typeface="+mn-lt"/>
+                <a:ea typeface="+mn-ea"/>
+                <a:cs typeface="+mn-cs"/>
+              </a:defRPr>
+            </a:lvl5pPr>
+            <a:lvl6pPr marL="2514600" indent="-228600" algn="l" defTabSz="457200" rtl="0" eaLnBrk="1" latinLnBrk="0" hangingPunct="1">
+              <a:spcBef>
+                <a:spcPct val="20000"/>
+              </a:spcBef>
+              <a:buFont typeface="Arial"/>
+              <a:buChar char="•"/>
+              <a:defRPr sz="2000" kern="1200">
+                <a:solidFill>
+                  <a:schemeClr val="tx1"/>
+                </a:solidFill>
+                <a:latin typeface="+mn-lt"/>
+                <a:ea typeface="+mn-ea"/>
+                <a:cs typeface="+mn-cs"/>
+              </a:defRPr>
+            </a:lvl6pPr>
+            <a:lvl7pPr marL="2971800" indent="-228600" algn="l" defTabSz="457200" rtl="0" eaLnBrk="1" latinLnBrk="0" hangingPunct="1">
+              <a:spcBef>
+                <a:spcPct val="20000"/>
+              </a:spcBef>
+              <a:buFont typeface="Arial"/>
+              <a:buChar char="•"/>
+              <a:defRPr sz="2000" kern="1200">
+                <a:solidFill>
+                  <a:schemeClr val="tx1"/>
+                </a:solidFill>
+                <a:latin typeface="+mn-lt"/>
+                <a:ea typeface="+mn-ea"/>
+                <a:cs typeface="+mn-cs"/>
+              </a:defRPr>
+            </a:lvl7pPr>
+            <a:lvl8pPr marL="3429000" indent="-228600" algn="l" defTabSz="457200" rtl="0" eaLnBrk="1" latinLnBrk="0" hangingPunct="1">
+              <a:spcBef>
+                <a:spcPct val="20000"/>
+              </a:spcBef>
+              <a:buFont typeface="Arial"/>
+              <a:buChar char="•"/>
+              <a:defRPr sz="2000" kern="1200">
+                <a:solidFill>
+                  <a:schemeClr val="tx1"/>
+                </a:solidFill>
+                <a:latin typeface="+mn-lt"/>
+                <a:ea typeface="+mn-ea"/>
+                <a:cs typeface="+mn-cs"/>
+              </a:defRPr>
+            </a:lvl8pPr>
+            <a:lvl9pPr marL="3886200" indent="-228600" algn="l" defTabSz="457200" rtl="0" eaLnBrk="1" latinLnBrk="0" hangingPunct="1">
+              <a:spcBef>
+                <a:spcPct val="20000"/>
+              </a:spcBef>
+              <a:buFont typeface="Arial"/>
+              <a:buChar char="•"/>
+              <a:defRPr sz="2000" kern="1200">
+                <a:solidFill>
+                  <a:schemeClr val="tx1"/>
+                </a:solidFill>
+                <a:latin typeface="+mn-lt"/>
+                <a:ea typeface="+mn-ea"/>
+                <a:cs typeface="+mn-cs"/>
+              </a:defRPr>
+            </a:lvl9pPr>
+          </a:lstStyle>
+          <a:p>
+            <a:r>
+              <a:rPr lang="en-US" smtClean="0">
+                <a:ln w="18415" cmpd="sng">
+                  <a:solidFill>
+                    <a:srgbClr val="FFFFFF"/>
+                  </a:solidFill>
+                  <a:prstDash val="solid"/>
+                </a:ln>
+                <a:solidFill>
+                  <a:srgbClr val="FFFFFF"/>
+                </a:solidFill>
+                <a:effectLst>
+                  <a:outerShdw blurRad="63500" dir="3600000" algn="tl" rotWithShape="0">
+                    <a:srgbClr val="000000">
+                      <a:alpha val="70000"/>
+                    </a:srgbClr>
+                  </a:outerShdw>
+                </a:effectLst>
+              </a:rPr>
+              <a:t>Interpolated missing  </a:t>
+            </a:r>
+            <a:r>
+              <a:rPr lang="en-US" i="1" smtClean="0">
+                <a:ln w="18415" cmpd="sng">
+                  <a:solidFill>
+                    <a:srgbClr val="FFFFFF"/>
+                  </a:solidFill>
+                  <a:prstDash val="solid"/>
+                </a:ln>
+                <a:solidFill>
+                  <a:srgbClr val="FFFFFF"/>
+                </a:solidFill>
+                <a:effectLst>
+                  <a:outerShdw blurRad="63500" dir="3600000" algn="tl" rotWithShape="0">
+                    <a:srgbClr val="000000">
+                      <a:alpha val="70000"/>
+                    </a:srgbClr>
+                  </a:outerShdw>
+                </a:effectLst>
+              </a:rPr>
+              <a:t>x</a:t>
+            </a:r>
+            <a:r>
+              <a:rPr lang="en-US" i="1" baseline="-25000" smtClean="0">
+                <a:ln w="18415" cmpd="sng">
+                  <a:solidFill>
+                    <a:srgbClr val="FFFFFF"/>
+                  </a:solidFill>
+                  <a:prstDash val="solid"/>
+                </a:ln>
+                <a:solidFill>
+                  <a:srgbClr val="FFFFFF"/>
+                </a:solidFill>
+                <a:effectLst>
+                  <a:outerShdw blurRad="63500" dir="3600000" algn="tl" rotWithShape="0">
+                    <a:srgbClr val="000000">
+                      <a:alpha val="70000"/>
+                    </a:srgbClr>
+                  </a:outerShdw>
+                </a:effectLst>
+              </a:rPr>
+              <a:t>t</a:t>
+            </a:r>
+            <a:r>
+              <a:rPr lang="en-US" smtClean="0">
+                <a:ln w="18415" cmpd="sng">
+                  <a:solidFill>
+                    <a:srgbClr val="FFFFFF"/>
+                  </a:solidFill>
+                  <a:prstDash val="solid"/>
+                </a:ln>
+                <a:solidFill>
+                  <a:srgbClr val="FFFFFF"/>
+                </a:solidFill>
+                <a:effectLst>
+                  <a:outerShdw blurRad="63500" dir="3600000" algn="tl" rotWithShape="0">
+                    <a:srgbClr val="000000">
+                      <a:alpha val="70000"/>
+                    </a:srgbClr>
+                  </a:outerShdw>
+                </a:effectLst>
+              </a:rPr>
+              <a:t> </a:t>
+            </a:r>
+            <a:r>
+              <a:rPr lang="en-US" i="1" smtClean="0">
+                <a:ln w="18415" cmpd="sng">
+                  <a:solidFill>
+                    <a:srgbClr val="FFFFFF"/>
+                  </a:solidFill>
+                  <a:prstDash val="solid"/>
+                </a:ln>
+                <a:solidFill>
+                  <a:srgbClr val="FFFFFF"/>
+                </a:solidFill>
+                <a:effectLst>
+                  <a:outerShdw blurRad="63500" dir="3600000" algn="tl" rotWithShape="0">
+                    <a:srgbClr val="000000">
+                      <a:alpha val="70000"/>
+                    </a:srgbClr>
+                  </a:outerShdw>
+                </a:effectLst>
+              </a:rPr>
+              <a:t> </a:t>
+            </a:r>
+            <a:r>
+              <a:rPr lang="en-US" smtClean="0">
+                <a:ln w="18415" cmpd="sng">
+                  <a:solidFill>
+                    <a:srgbClr val="FFFFFF"/>
+                  </a:solidFill>
+                  <a:prstDash val="solid"/>
+                </a:ln>
+                <a:solidFill>
+                  <a:srgbClr val="FFFFFF"/>
+                </a:solidFill>
+                <a:effectLst>
+                  <a:outerShdw blurRad="63500" dir="3600000" algn="tl" rotWithShape="0">
+                    <a:srgbClr val="000000">
+                      <a:alpha val="70000"/>
+                    </a:srgbClr>
+                  </a:outerShdw>
+                </a:effectLst>
+              </a:rPr>
+              <a:t>values where </a:t>
+            </a:r>
+            <a:r>
+              <a:rPr lang="en-US" i="1" smtClean="0">
+                <a:ln w="18415" cmpd="sng">
+                  <a:solidFill>
+                    <a:srgbClr val="FFFFFF"/>
+                  </a:solidFill>
+                  <a:prstDash val="solid"/>
+                </a:ln>
+                <a:solidFill>
+                  <a:srgbClr val="FFFFFF"/>
+                </a:solidFill>
+                <a:effectLst>
+                  <a:outerShdw blurRad="63500" dir="3600000" algn="tl" rotWithShape="0">
+                    <a:srgbClr val="000000">
+                      <a:alpha val="70000"/>
+                    </a:srgbClr>
+                  </a:outerShdw>
+                </a:effectLst>
+              </a:rPr>
+              <a:t>x</a:t>
+            </a:r>
+            <a:r>
+              <a:rPr lang="en-US" i="1" baseline="-25000" smtClean="0">
+                <a:ln w="18415" cmpd="sng">
+                  <a:solidFill>
+                    <a:srgbClr val="FFFFFF"/>
+                  </a:solidFill>
+                  <a:prstDash val="solid"/>
+                </a:ln>
+                <a:solidFill>
+                  <a:srgbClr val="FFFFFF"/>
+                </a:solidFill>
+                <a:effectLst>
+                  <a:outerShdw blurRad="63500" dir="3600000" algn="tl" rotWithShape="0">
+                    <a:srgbClr val="000000">
+                      <a:alpha val="70000"/>
+                    </a:srgbClr>
+                  </a:outerShdw>
+                </a:effectLst>
+              </a:rPr>
+              <a:t>t-1 </a:t>
+            </a:r>
+            <a:r>
+              <a:rPr lang="en-US" smtClean="0">
+                <a:ln w="18415" cmpd="sng">
+                  <a:solidFill>
+                    <a:srgbClr val="FFFFFF"/>
+                  </a:solidFill>
+                  <a:prstDash val="solid"/>
+                </a:ln>
+                <a:solidFill>
+                  <a:srgbClr val="FFFFFF"/>
+                </a:solidFill>
+                <a:effectLst>
+                  <a:outerShdw blurRad="63500" dir="3600000" algn="tl" rotWithShape="0">
+                    <a:srgbClr val="000000">
+                      <a:alpha val="70000"/>
+                    </a:srgbClr>
+                  </a:outerShdw>
+                </a:effectLst>
+              </a:rPr>
+              <a:t>and </a:t>
+            </a:r>
+            <a:r>
+              <a:rPr lang="en-US" i="1" smtClean="0">
+                <a:ln w="18415" cmpd="sng">
+                  <a:solidFill>
+                    <a:srgbClr val="FFFFFF"/>
+                  </a:solidFill>
+                  <a:prstDash val="solid"/>
+                </a:ln>
+                <a:solidFill>
+                  <a:srgbClr val="FFFFFF"/>
+                </a:solidFill>
+                <a:effectLst>
+                  <a:outerShdw blurRad="63500" dir="3600000" algn="tl" rotWithShape="0">
+                    <a:srgbClr val="000000">
+                      <a:alpha val="70000"/>
+                    </a:srgbClr>
+                  </a:outerShdw>
+                </a:effectLst>
+              </a:rPr>
+              <a:t>x</a:t>
+            </a:r>
+            <a:r>
+              <a:rPr lang="en-US" i="1" baseline="-25000" smtClean="0">
+                <a:ln w="18415" cmpd="sng">
+                  <a:solidFill>
+                    <a:srgbClr val="FFFFFF"/>
+                  </a:solidFill>
+                  <a:prstDash val="solid"/>
+                </a:ln>
+                <a:solidFill>
+                  <a:srgbClr val="FFFFFF"/>
+                </a:solidFill>
+                <a:effectLst>
+                  <a:outerShdw blurRad="63500" dir="3600000" algn="tl" rotWithShape="0">
+                    <a:srgbClr val="000000">
+                      <a:alpha val="70000"/>
+                    </a:srgbClr>
+                  </a:outerShdw>
+                </a:effectLst>
+              </a:rPr>
+              <a:t>t+1 </a:t>
+            </a:r>
+            <a:r>
+              <a:rPr lang="en-US" smtClean="0">
+                <a:ln w="18415" cmpd="sng">
+                  <a:solidFill>
+                    <a:srgbClr val="FFFFFF"/>
+                  </a:solidFill>
+                  <a:prstDash val="solid"/>
+                </a:ln>
+                <a:solidFill>
+                  <a:srgbClr val="FFFFFF"/>
+                </a:solidFill>
+                <a:effectLst>
+                  <a:outerShdw blurRad="63500" dir="3600000" algn="tl" rotWithShape="0">
+                    <a:srgbClr val="000000">
+                      <a:alpha val="70000"/>
+                    </a:srgbClr>
+                  </a:outerShdw>
+                </a:effectLst>
+              </a:rPr>
+              <a:t>are known.</a:t>
+            </a:r>
+          </a:p>
+          <a:p>
+            <a:r>
+              <a:rPr lang="en-US" smtClean="0">
+                <a:ln w="18415" cmpd="sng">
+                  <a:solidFill>
+                    <a:srgbClr val="FFFFFF"/>
+                  </a:solidFill>
+                  <a:prstDash val="solid"/>
+                </a:ln>
+                <a:solidFill>
+                  <a:srgbClr val="FFFFFF"/>
+                </a:solidFill>
+                <a:effectLst>
+                  <a:outerShdw blurRad="63500" dir="3600000" algn="tl" rotWithShape="0">
+                    <a:srgbClr val="000000">
+                      <a:alpha val="70000"/>
+                    </a:srgbClr>
+                  </a:outerShdw>
+                </a:effectLst>
+              </a:rPr>
+              <a:t>Created variables for previous hourly readings </a:t>
+            </a:r>
+            <a:r>
+              <a:rPr lang="en-US" i="1" smtClean="0">
+                <a:ln w="18415" cmpd="sng">
+                  <a:solidFill>
+                    <a:srgbClr val="FFFFFF"/>
+                  </a:solidFill>
+                  <a:prstDash val="solid"/>
+                </a:ln>
+                <a:solidFill>
+                  <a:srgbClr val="FFFFFF"/>
+                </a:solidFill>
+                <a:effectLst>
+                  <a:outerShdw blurRad="63500" dir="3600000" algn="tl" rotWithShape="0">
+                    <a:srgbClr val="000000">
+                      <a:alpha val="70000"/>
+                    </a:srgbClr>
+                  </a:outerShdw>
+                </a:effectLst>
+              </a:rPr>
+              <a:t>at t</a:t>
+            </a:r>
+            <a:r>
+              <a:rPr lang="en-US" i="1" baseline="-25000" smtClean="0">
+                <a:ln w="18415" cmpd="sng">
+                  <a:solidFill>
+                    <a:srgbClr val="FFFFFF"/>
+                  </a:solidFill>
+                  <a:prstDash val="solid"/>
+                </a:ln>
+                <a:solidFill>
+                  <a:srgbClr val="FFFFFF"/>
+                </a:solidFill>
+                <a:effectLst>
+                  <a:outerShdw blurRad="63500" dir="3600000" algn="tl" rotWithShape="0">
+                    <a:srgbClr val="000000">
+                      <a:alpha val="70000"/>
+                    </a:srgbClr>
+                  </a:outerShdw>
+                </a:effectLst>
+              </a:rPr>
+              <a:t>0</a:t>
+            </a:r>
+            <a:r>
+              <a:rPr lang="en-US" i="1" smtClean="0">
+                <a:ln w="18415" cmpd="sng">
+                  <a:solidFill>
+                    <a:srgbClr val="FFFFFF"/>
+                  </a:solidFill>
+                  <a:prstDash val="solid"/>
+                </a:ln>
+                <a:solidFill>
+                  <a:srgbClr val="FFFFFF"/>
+                </a:solidFill>
+                <a:effectLst>
+                  <a:outerShdw blurRad="63500" dir="3600000" algn="tl" rotWithShape="0">
+                    <a:srgbClr val="000000">
+                      <a:alpha val="70000"/>
+                    </a:srgbClr>
+                  </a:outerShdw>
+                </a:effectLst>
+              </a:rPr>
+              <a:t>-24,  t</a:t>
+            </a:r>
+            <a:r>
+              <a:rPr lang="en-US" i="1" baseline="-25000" smtClean="0">
+                <a:ln w="18415" cmpd="sng">
+                  <a:solidFill>
+                    <a:srgbClr val="FFFFFF"/>
+                  </a:solidFill>
+                  <a:prstDash val="solid"/>
+                </a:ln>
+                <a:solidFill>
+                  <a:srgbClr val="FFFFFF"/>
+                </a:solidFill>
+                <a:effectLst>
+                  <a:outerShdw blurRad="63500" dir="3600000" algn="tl" rotWithShape="0">
+                    <a:srgbClr val="000000">
+                      <a:alpha val="70000"/>
+                    </a:srgbClr>
+                  </a:outerShdw>
+                </a:effectLst>
+              </a:rPr>
+              <a:t>0</a:t>
+            </a:r>
+            <a:r>
+              <a:rPr lang="en-US" i="1" smtClean="0">
+                <a:ln w="18415" cmpd="sng">
+                  <a:solidFill>
+                    <a:srgbClr val="FFFFFF"/>
+                  </a:solidFill>
+                  <a:prstDash val="solid"/>
+                </a:ln>
+                <a:solidFill>
+                  <a:srgbClr val="FFFFFF"/>
+                </a:solidFill>
+                <a:effectLst>
+                  <a:outerShdw blurRad="63500" dir="3600000" algn="tl" rotWithShape="0">
+                    <a:srgbClr val="000000">
+                      <a:alpha val="70000"/>
+                    </a:srgbClr>
+                  </a:outerShdw>
+                </a:effectLst>
+              </a:rPr>
+              <a:t>-12,  t</a:t>
+            </a:r>
+            <a:r>
+              <a:rPr lang="en-US" i="1" baseline="-25000" smtClean="0">
+                <a:ln w="18415" cmpd="sng">
+                  <a:solidFill>
+                    <a:srgbClr val="FFFFFF"/>
+                  </a:solidFill>
+                  <a:prstDash val="solid"/>
+                </a:ln>
+                <a:solidFill>
+                  <a:srgbClr val="FFFFFF"/>
+                </a:solidFill>
+                <a:effectLst>
+                  <a:outerShdw blurRad="63500" dir="3600000" algn="tl" rotWithShape="0">
+                    <a:srgbClr val="000000">
+                      <a:alpha val="70000"/>
+                    </a:srgbClr>
+                  </a:outerShdw>
+                </a:effectLst>
+              </a:rPr>
+              <a:t>0</a:t>
+            </a:r>
+            <a:r>
+              <a:rPr lang="en-US" i="1" smtClean="0">
+                <a:ln w="18415" cmpd="sng">
+                  <a:solidFill>
+                    <a:srgbClr val="FFFFFF"/>
+                  </a:solidFill>
+                  <a:prstDash val="solid"/>
+                </a:ln>
+                <a:solidFill>
+                  <a:srgbClr val="FFFFFF"/>
+                </a:solidFill>
+                <a:effectLst>
+                  <a:outerShdw blurRad="63500" dir="3600000" algn="tl" rotWithShape="0">
+                    <a:srgbClr val="000000">
+                      <a:alpha val="70000"/>
+                    </a:srgbClr>
+                  </a:outerShdw>
+                </a:effectLst>
+              </a:rPr>
+              <a:t>-6, t</a:t>
+            </a:r>
+            <a:r>
+              <a:rPr lang="en-US" i="1" baseline="-25000" smtClean="0">
+                <a:ln w="18415" cmpd="sng">
+                  <a:solidFill>
+                    <a:srgbClr val="FFFFFF"/>
+                  </a:solidFill>
+                  <a:prstDash val="solid"/>
+                </a:ln>
+                <a:solidFill>
+                  <a:srgbClr val="FFFFFF"/>
+                </a:solidFill>
+                <a:effectLst>
+                  <a:outerShdw blurRad="63500" dir="3600000" algn="tl" rotWithShape="0">
+                    <a:srgbClr val="000000">
+                      <a:alpha val="70000"/>
+                    </a:srgbClr>
+                  </a:outerShdw>
+                </a:effectLst>
+              </a:rPr>
+              <a:t>0</a:t>
+            </a:r>
+            <a:r>
+              <a:rPr lang="en-US" i="1" smtClean="0">
+                <a:ln w="18415" cmpd="sng">
+                  <a:solidFill>
+                    <a:srgbClr val="FFFFFF"/>
+                  </a:solidFill>
+                  <a:prstDash val="solid"/>
+                </a:ln>
+                <a:solidFill>
+                  <a:srgbClr val="FFFFFF"/>
+                </a:solidFill>
+                <a:effectLst>
+                  <a:outerShdw blurRad="63500" dir="3600000" algn="tl" rotWithShape="0">
+                    <a:srgbClr val="000000">
+                      <a:alpha val="70000"/>
+                    </a:srgbClr>
+                  </a:outerShdw>
+                </a:effectLst>
+              </a:rPr>
+              <a:t>-3,  t</a:t>
+            </a:r>
+            <a:r>
+              <a:rPr lang="en-US" i="1" baseline="-25000" smtClean="0">
+                <a:ln w="18415" cmpd="sng">
+                  <a:solidFill>
+                    <a:srgbClr val="FFFFFF"/>
+                  </a:solidFill>
+                  <a:prstDash val="solid"/>
+                </a:ln>
+                <a:solidFill>
+                  <a:srgbClr val="FFFFFF"/>
+                </a:solidFill>
+                <a:effectLst>
+                  <a:outerShdw blurRad="63500" dir="3600000" algn="tl" rotWithShape="0">
+                    <a:srgbClr val="000000">
+                      <a:alpha val="70000"/>
+                    </a:srgbClr>
+                  </a:outerShdw>
+                </a:effectLst>
+              </a:rPr>
+              <a:t>0</a:t>
+            </a:r>
+            <a:r>
+              <a:rPr lang="en-US" i="1" smtClean="0">
+                <a:ln w="18415" cmpd="sng">
+                  <a:solidFill>
+                    <a:srgbClr val="FFFFFF"/>
+                  </a:solidFill>
+                  <a:prstDash val="solid"/>
+                </a:ln>
+                <a:solidFill>
+                  <a:srgbClr val="FFFFFF"/>
+                </a:solidFill>
+                <a:effectLst>
+                  <a:outerShdw blurRad="63500" dir="3600000" algn="tl" rotWithShape="0">
+                    <a:srgbClr val="000000">
+                      <a:alpha val="70000"/>
+                    </a:srgbClr>
+                  </a:outerShdw>
+                </a:effectLst>
+              </a:rPr>
+              <a:t>-1</a:t>
+            </a:r>
+          </a:p>
+          <a:p>
+            <a:r>
+              <a:rPr lang="en-US" smtClean="0">
+                <a:ln w="18415" cmpd="sng">
+                  <a:solidFill>
+                    <a:srgbClr val="FFFFFF"/>
+                  </a:solidFill>
+                  <a:prstDash val="solid"/>
+                </a:ln>
+                <a:solidFill>
+                  <a:srgbClr val="FFFFFF"/>
+                </a:solidFill>
+                <a:effectLst>
+                  <a:outerShdw blurRad="63500" dir="3600000" algn="tl" rotWithShape="0">
+                    <a:srgbClr val="000000">
+                      <a:alpha val="70000"/>
+                    </a:srgbClr>
+                  </a:outerShdw>
+                </a:effectLst>
+              </a:rPr>
+              <a:t>Conversion of wind direction from degrees to categorical variables (N, NNE, NE, ENE, E, etc.)</a:t>
+            </a:r>
+          </a:p>
+          <a:p>
+            <a:r>
+              <a:rPr lang="en-US" smtClean="0">
+                <a:ln w="18415" cmpd="sng">
+                  <a:solidFill>
+                    <a:srgbClr val="FFFFFF"/>
+                  </a:solidFill>
+                  <a:prstDash val="solid"/>
+                </a:ln>
+                <a:solidFill>
+                  <a:srgbClr val="FFFFFF"/>
+                </a:solidFill>
+                <a:effectLst>
+                  <a:outerShdw blurRad="63500" dir="3600000" algn="tl" rotWithShape="0">
+                    <a:srgbClr val="000000">
+                      <a:alpha val="70000"/>
+                    </a:srgbClr>
+                  </a:outerShdw>
+                </a:effectLst>
+              </a:rPr>
+              <a:t>Converted temperature from Kelvin to Celsius</a:t>
+            </a:r>
+          </a:p>
+          <a:p>
+            <a:r>
+              <a:rPr lang="en-US" smtClean="0">
+                <a:ln w="18415" cmpd="sng">
+                  <a:solidFill>
+                    <a:srgbClr val="FFFFFF"/>
+                  </a:solidFill>
+                  <a:prstDash val="solid"/>
+                </a:ln>
+                <a:solidFill>
+                  <a:srgbClr val="FFFFFF"/>
+                </a:solidFill>
+                <a:effectLst>
+                  <a:outerShdw blurRad="63500" dir="3600000" algn="tl" rotWithShape="0">
+                    <a:srgbClr val="000000">
+                      <a:alpha val="70000"/>
+                    </a:srgbClr>
+                  </a:outerShdw>
+                </a:effectLst>
+              </a:rPr>
+              <a:t>Created binary variables for no precipitation/ precipitation at all </a:t>
+            </a:r>
+            <a:r>
+              <a:rPr lang="en-US" i="1" smtClean="0">
+                <a:ln w="18415" cmpd="sng">
+                  <a:solidFill>
+                    <a:srgbClr val="FFFFFF"/>
+                  </a:solidFill>
+                  <a:prstDash val="solid"/>
+                </a:ln>
+                <a:solidFill>
+                  <a:srgbClr val="FFFFFF"/>
+                </a:solidFill>
+                <a:effectLst>
+                  <a:outerShdw blurRad="63500" dir="3600000" algn="tl" rotWithShape="0">
+                    <a:srgbClr val="000000">
+                      <a:alpha val="70000"/>
+                    </a:srgbClr>
+                  </a:outerShdw>
+                </a:effectLst>
+              </a:rPr>
+              <a:t>t</a:t>
+            </a:r>
+          </a:p>
+          <a:p>
+            <a:r>
+              <a:rPr lang="en-US" smtClean="0">
+                <a:ln w="18415" cmpd="sng">
+                  <a:solidFill>
+                    <a:srgbClr val="FFFFFF"/>
+                  </a:solidFill>
+                  <a:prstDash val="solid"/>
+                </a:ln>
+                <a:solidFill>
+                  <a:srgbClr val="FFFFFF"/>
+                </a:solidFill>
+                <a:effectLst>
+                  <a:outerShdw blurRad="63500" dir="3600000" algn="tl" rotWithShape="0">
+                    <a:srgbClr val="000000">
+                      <a:alpha val="70000"/>
+                    </a:srgbClr>
+                  </a:outerShdw>
+                </a:effectLst>
+              </a:rPr>
+              <a:t>Created binary variable for precipitation in the next 24 hours for </a:t>
+            </a:r>
+            <a:r>
+              <a:rPr lang="en-US" i="1" smtClean="0">
+                <a:ln w="18415" cmpd="sng">
+                  <a:solidFill>
+                    <a:srgbClr val="FFFFFF"/>
+                  </a:solidFill>
+                  <a:prstDash val="solid"/>
+                </a:ln>
+                <a:solidFill>
+                  <a:srgbClr val="FFFFFF"/>
+                </a:solidFill>
+                <a:effectLst>
+                  <a:outerShdw blurRad="63500" dir="3600000" algn="tl" rotWithShape="0">
+                    <a:srgbClr val="000000">
+                      <a:alpha val="70000"/>
+                    </a:srgbClr>
+                  </a:outerShdw>
+                </a:effectLst>
+              </a:rPr>
+              <a:t>t</a:t>
+            </a:r>
+            <a:r>
+              <a:rPr lang="en-US" i="1" baseline="-25000" smtClean="0">
+                <a:ln w="18415" cmpd="sng">
+                  <a:solidFill>
+                    <a:srgbClr val="FFFFFF"/>
+                  </a:solidFill>
+                  <a:prstDash val="solid"/>
+                </a:ln>
+                <a:solidFill>
+                  <a:srgbClr val="FFFFFF"/>
+                </a:solidFill>
+                <a:effectLst>
+                  <a:outerShdw blurRad="63500" dir="3600000" algn="tl" rotWithShape="0">
+                    <a:srgbClr val="000000">
+                      <a:alpha val="70000"/>
+                    </a:srgbClr>
+                  </a:outerShdw>
+                </a:effectLst>
+              </a:rPr>
+              <a:t>0</a:t>
+            </a:r>
+            <a:endParaRPr lang="en-US" baseline="-25000" smtClean="0">
+              <a:ln w="18415" cmpd="sng">
+                <a:solidFill>
+                  <a:srgbClr val="FFFFFF"/>
+                </a:solidFill>
+                <a:prstDash val="solid"/>
+              </a:ln>
+              <a:solidFill>
+                <a:srgbClr val="FFFFFF"/>
+              </a:solidFill>
+              <a:effectLst>
+                <a:outerShdw blurRad="63500" dir="3600000" algn="tl" rotWithShape="0">
+                  <a:srgbClr val="000000">
+                    <a:alpha val="70000"/>
+                  </a:srgbClr>
+                </a:outerShdw>
+              </a:effectLst>
+            </a:endParaRPr>
+          </a:p>
+          <a:p>
+            <a:r>
+              <a:rPr lang="en-US" smtClean="0">
+                <a:ln w="18415" cmpd="sng">
+                  <a:solidFill>
+                    <a:srgbClr val="FFFFFF"/>
+                  </a:solidFill>
+                  <a:prstDash val="solid"/>
+                </a:ln>
+                <a:solidFill>
+                  <a:srgbClr val="FFFFFF"/>
+                </a:solidFill>
+                <a:effectLst>
+                  <a:outerShdw blurRad="63500" dir="3600000" algn="tl" rotWithShape="0">
+                    <a:srgbClr val="000000">
+                      <a:alpha val="70000"/>
+                    </a:srgbClr>
+                  </a:outerShdw>
+                </a:effectLst>
+              </a:rPr>
+              <a:t>Remove all records with NAs.</a:t>
+            </a:r>
+          </a:p>
+          <a:p>
+            <a:endParaRPr lang="en-US" smtClean="0"/>
+          </a:p>
+          <a:p>
+            <a:pPr marL="0" indent="0">
+              <a:buFont typeface="Arial"/>
+              <a:buNone/>
+            </a:pPr>
+            <a:endParaRPr lang="en-US" smtClean="0"/>
+          </a:p>
+          <a:p>
+            <a:endParaRPr lang="en-US" smtClean="0"/>
+          </a:p>
+          <a:p>
+            <a:endParaRPr lang="en-US" smtClean="0"/>
+          </a:p>
+          <a:p>
+            <a:endParaRPr lang="en-US" dirty="0"/>
+          </a:p>
+        </p:txBody>
+      </p:sp>
     </p:spTree>
     <p:extLst>
       <p:ext uri="{BB962C8B-B14F-4D97-AF65-F5344CB8AC3E}">
-        <p14:creationId xmlns:p14="http://schemas.microsoft.com/office/powerpoint/2010/main" val="689170637"/>
+        <p14:creationId xmlns:p14="http://schemas.microsoft.com/office/powerpoint/2010/main" val="565761930"/>
       </p:ext>
     </p:extLst>
   </p:cSld>

--- a/Gatliffe-Panter-Zhang.pptx
+++ b/Gatliffe-Panter-Zhang.pptx
@@ -5,7 +5,7 @@
     <p:sldMasterId id="2147483648" r:id="rId1"/>
   </p:sldMasterIdLst>
   <p:notesMasterIdLst>
-    <p:notesMasterId r:id="rId16"/>
+    <p:notesMasterId r:id="rId20"/>
   </p:notesMasterIdLst>
   <p:sldIdLst>
     <p:sldId id="256" r:id="rId2"/>
@@ -19,9 +19,13 @@
     <p:sldId id="263" r:id="rId10"/>
     <p:sldId id="264" r:id="rId11"/>
     <p:sldId id="262" r:id="rId12"/>
-    <p:sldId id="265" r:id="rId13"/>
-    <p:sldId id="266" r:id="rId14"/>
-    <p:sldId id="267" r:id="rId15"/>
+    <p:sldId id="270" r:id="rId13"/>
+    <p:sldId id="271" r:id="rId14"/>
+    <p:sldId id="272" r:id="rId15"/>
+    <p:sldId id="273" r:id="rId16"/>
+    <p:sldId id="265" r:id="rId17"/>
+    <p:sldId id="266" r:id="rId18"/>
+    <p:sldId id="267" r:id="rId19"/>
   </p:sldIdLst>
   <p:sldSz cx="9144000" cy="6858000" type="screen4x3"/>
   <p:notesSz cx="6858000" cy="9144000"/>
@@ -122,7 +126,7 @@
   </p:defaultTextStyle>
   <p:extLst>
     <p:ext uri="{EFAFB233-063F-42B5-8137-9DF3F51BA10A}">
-      <p15:sldGuideLst xmlns:p15="http://schemas.microsoft.com/office/powerpoint/2012/main" xmlns="">
+      <p15:sldGuideLst xmlns:p15="http://schemas.microsoft.com/office/powerpoint/2012/main">
         <p15:guide id="1" orient="horz" pos="2160">
           <p15:clr>
             <a:srgbClr val="A4A3A4"/>
@@ -4112,7 +4116,7 @@
           </a:lstStyle>
           <a:p>
             <a:r>
-              <a:rPr lang="en-US" smtClean="0"/>
+              <a:rPr lang="en-US"/>
               <a:t>Variables</a:t>
             </a:r>
             <a:endParaRPr lang="en-US" dirty="0"/>
@@ -4279,30 +4283,30 @@
           </a:lstStyle>
           <a:p>
             <a:r>
-              <a:rPr lang="en-US" smtClean="0"/>
+              <a:rPr lang="en-US"/>
               <a:t>x</a:t>
             </a:r>
             <a:r>
-              <a:rPr lang="en-US" baseline="-25000" smtClean="0"/>
+              <a:rPr lang="en-US" baseline="-25000"/>
               <a:t>t</a:t>
             </a:r>
             <a:r>
-              <a:rPr lang="en-US" smtClean="0"/>
+              <a:rPr lang="en-US"/>
               <a:t> := temperature, pressure,  humidity, wind speed, % cloud coverage, precipitation/no precipitation binary for all t.</a:t>
             </a:r>
           </a:p>
           <a:p>
             <a:r>
-              <a:rPr lang="en-US" smtClean="0"/>
+              <a:rPr lang="en-US"/>
               <a:t>Not used: wind direction, acculmulated precipitation (1 hr, 3 hr)</a:t>
             </a:r>
           </a:p>
           <a:p>
             <a:r>
-              <a:rPr lang="en-US" smtClean="0"/>
+              <a:rPr lang="en-US"/>
               <a:t>Linear rate of change between each previous   reading and each current reading</a:t>
             </a:r>
-            <a:endParaRPr lang="en-US" dirty="0" smtClean="0"/>
+            <a:endParaRPr lang="en-US" dirty="0"/>
           </a:p>
         </p:txBody>
       </p:sp>
@@ -4328,7 +4332,7 @@
           <a:graphicData uri="http://schemas.openxmlformats.org/presentationml/2006/ole">
             <mc:AlternateContent xmlns:mc="http://schemas.openxmlformats.org/markup-compatibility/2006">
               <mc:Choice xmlns:v="urn:schemas-microsoft-com:vml" Requires="v">
-                <p:oleObj spid="_x0000_s1026" name="Equation" r:id="rId5" imgW="990600" imgH="533400" progId="Equation.3">
+                <p:oleObj spid="_x0000_s1028" name="Equation" r:id="rId5" imgW="990600" imgH="533400" progId="Equation.3">
                   <p:embed/>
                 </p:oleObj>
               </mc:Choice>
@@ -4477,7 +4481,13 @@
       </p:grpSpPr>
       <p:sp>
         <p:nvSpPr>
-          <p:cNvPr id="2" name="Title 1"/>
+          <p:cNvPr id="2" name="Title 1">
+            <a:extLst>
+              <a:ext uri="{FF2B5EF4-FFF2-40B4-BE49-F238E27FC236}">
+                <a16:creationId xmlns:a16="http://schemas.microsoft.com/office/drawing/2014/main" id="{858857D7-E5CA-A44A-8E0B-2D585BD9BD71}"/>
+              </a:ext>
+            </a:extLst>
+          </p:cNvPr>
           <p:cNvSpPr>
             <a:spLocks noGrp="1"/>
           </p:cNvSpPr>
@@ -4487,16 +4497,27 @@
         </p:nvSpPr>
         <p:spPr/>
         <p:txBody>
-          <a:bodyPr/>
+          <a:bodyPr>
+            <a:normAutofit fontScale="90000"/>
+          </a:bodyPr>
           <a:lstStyle/>
           <a:p>
-            <a:endParaRPr lang="en-US"/>
-          </a:p>
-        </p:txBody>
-      </p:sp>
-      <p:sp>
-        <p:nvSpPr>
-          <p:cNvPr id="3" name="Content Placeholder 2"/>
+            <a:r>
+              <a:rPr lang="en-US" dirty="0"/>
+              <a:t>Assessing Model Accuracy-Further Selections</a:t>
+            </a:r>
+          </a:p>
+        </p:txBody>
+      </p:sp>
+      <p:sp>
+        <p:nvSpPr>
+          <p:cNvPr id="3" name="Content Placeholder 2">
+            <a:extLst>
+              <a:ext uri="{FF2B5EF4-FFF2-40B4-BE49-F238E27FC236}">
+                <a16:creationId xmlns:a16="http://schemas.microsoft.com/office/drawing/2014/main" id="{BC6419F7-46D8-754C-9BCC-83EC14180204}"/>
+              </a:ext>
+            </a:extLst>
+          </p:cNvPr>
           <p:cNvSpPr>
             <a:spLocks noGrp="1"/>
           </p:cNvSpPr>
@@ -4504,19 +4525,47 @@
             <p:ph idx="1"/>
           </p:nvPr>
         </p:nvSpPr>
-        <p:spPr/>
-        <p:txBody>
-          <a:bodyPr/>
+        <p:spPr>
+          <a:xfrm>
+            <a:off x="628650" y="2226469"/>
+            <a:ext cx="7577027" cy="3263504"/>
+          </a:xfrm>
+        </p:spPr>
+        <p:txBody>
+          <a:bodyPr>
+            <a:normAutofit fontScale="70000" lnSpcReduction="20000"/>
+          </a:bodyPr>
           <a:lstStyle/>
           <a:p>
-            <a:endParaRPr lang="en-US"/>
+            <a:r>
+              <a:rPr lang="en-US" dirty="0"/>
+              <a:t>Randomly sampled training and test data sets defined on time-ordered data</a:t>
+            </a:r>
+          </a:p>
+          <a:p>
+            <a:r>
+              <a:rPr lang="en-US" dirty="0"/>
+              <a:t>Each model was tested against the training and test data for average accurate and inaccurate prediction rates</a:t>
+            </a:r>
+          </a:p>
+          <a:p>
+            <a:r>
+              <a:rPr lang="en-US" dirty="0"/>
+              <a:t>Average classification diagnostic accuracies were bounded by training accuracies, and were (generally) monotonically increasing in accuracy as the prediction range shrunk</a:t>
+            </a:r>
+          </a:p>
+          <a:p>
+            <a:r>
+              <a:rPr lang="en-US" dirty="0"/>
+              <a:t>Most average correct classification accuracies were bounded below by 0.50!</a:t>
+            </a:r>
           </a:p>
         </p:txBody>
       </p:sp>
     </p:spTree>
     <p:extLst>
       <p:ext uri="{BB962C8B-B14F-4D97-AF65-F5344CB8AC3E}">
-        <p14:creationId xmlns:p14="http://schemas.microsoft.com/office/powerpoint/2010/main" val="3904099069"/>
+        <p14:creationId xmlns:p14="http://schemas.microsoft.com/office/powerpoint/2010/main" val="1166555890"/>
       </p:ext>
     </p:extLst>
   </p:cSld>
@@ -4545,6 +4594,359 @@
       </p:grpSpPr>
       <p:sp>
         <p:nvSpPr>
+          <p:cNvPr id="2" name="Title 1">
+            <a:extLst>
+              <a:ext uri="{FF2B5EF4-FFF2-40B4-BE49-F238E27FC236}">
+                <a16:creationId xmlns:a16="http://schemas.microsoft.com/office/drawing/2014/main" id="{FFC5679F-71AD-BE45-89CE-20280A472D55}"/>
+              </a:ext>
+            </a:extLst>
+          </p:cNvPr>
+          <p:cNvSpPr>
+            <a:spLocks noGrp="1"/>
+          </p:cNvSpPr>
+          <p:nvPr>
+            <p:ph type="title"/>
+          </p:nvPr>
+        </p:nvSpPr>
+        <p:spPr>
+          <a:xfrm>
+            <a:off x="628650" y="162912"/>
+            <a:ext cx="7886700" cy="587393"/>
+          </a:xfrm>
+        </p:spPr>
+        <p:txBody>
+          <a:bodyPr>
+            <a:normAutofit/>
+          </a:bodyPr>
+          <a:lstStyle/>
+          <a:p>
+            <a:pPr algn="ctr"/>
+            <a:r>
+              <a:rPr lang="en-US" sz="2100" dirty="0"/>
+              <a:t>Classification Accuracy Over 10 Random Samples</a:t>
+            </a:r>
+          </a:p>
+        </p:txBody>
+      </p:sp>
+      <p:pic>
+        <p:nvPicPr>
+          <p:cNvPr id="5" name="Content Placeholder 4">
+            <a:extLst>
+              <a:ext uri="{FF2B5EF4-FFF2-40B4-BE49-F238E27FC236}">
+                <a16:creationId xmlns:a16="http://schemas.microsoft.com/office/drawing/2014/main" id="{C4C7AA7D-292D-0143-8AEA-8D9E4D3F98B9}"/>
+              </a:ext>
+            </a:extLst>
+          </p:cNvPr>
+          <p:cNvPicPr>
+            <a:picLocks noGrp="1" noChangeAspect="1"/>
+          </p:cNvPicPr>
+          <p:nvPr>
+            <p:ph idx="1"/>
+          </p:nvPr>
+        </p:nvPicPr>
+        <p:blipFill>
+          <a:blip r:embed="rId2"/>
+          <a:stretch>
+            <a:fillRect/>
+          </a:stretch>
+        </p:blipFill>
+        <p:spPr>
+          <a:xfrm>
+            <a:off x="205491" y="932329"/>
+            <a:ext cx="8810708" cy="5535190"/>
+          </a:xfrm>
+        </p:spPr>
+      </p:pic>
+    </p:spTree>
+    <p:extLst>
+      <p:ext uri="{BB962C8B-B14F-4D97-AF65-F5344CB8AC3E}">
+        <p14:creationId xmlns:p14="http://schemas.microsoft.com/office/powerpoint/2010/main" val="3506368559"/>
+      </p:ext>
+    </p:extLst>
+  </p:cSld>
+  <p:clrMapOvr>
+    <a:masterClrMapping/>
+  </p:clrMapOvr>
+</p:sld>
+</file>
+
+<file path=ppt/slides/slide14.xml><?xml version="1.0" encoding="utf-8"?>
+<p:sld xmlns:a="http://schemas.openxmlformats.org/drawingml/2006/main" xmlns:r="http://schemas.openxmlformats.org/officeDocument/2006/relationships" xmlns:p="http://schemas.openxmlformats.org/presentationml/2006/main">
+  <p:cSld>
+    <p:spTree>
+      <p:nvGrpSpPr>
+        <p:cNvPr id="1" name=""/>
+        <p:cNvGrpSpPr/>
+        <p:nvPr/>
+      </p:nvGrpSpPr>
+      <p:grpSpPr>
+        <a:xfrm>
+          <a:off x="0" y="0"/>
+          <a:ext cx="0" cy="0"/>
+          <a:chOff x="0" y="0"/>
+          <a:chExt cx="0" cy="0"/>
+        </a:xfrm>
+      </p:grpSpPr>
+      <p:sp>
+        <p:nvSpPr>
+          <p:cNvPr id="2" name="Title 1">
+            <a:extLst>
+              <a:ext uri="{FF2B5EF4-FFF2-40B4-BE49-F238E27FC236}">
+                <a16:creationId xmlns:a16="http://schemas.microsoft.com/office/drawing/2014/main" id="{2664F2A9-7D4B-E44C-9127-C5174DBEB4B7}"/>
+              </a:ext>
+            </a:extLst>
+          </p:cNvPr>
+          <p:cNvSpPr>
+            <a:spLocks noGrp="1"/>
+          </p:cNvSpPr>
+          <p:nvPr>
+            <p:ph type="title"/>
+          </p:nvPr>
+        </p:nvSpPr>
+        <p:spPr>
+          <a:xfrm>
+            <a:off x="1032022" y="125022"/>
+            <a:ext cx="7079955" cy="435878"/>
+          </a:xfrm>
+        </p:spPr>
+        <p:txBody>
+          <a:bodyPr>
+            <a:normAutofit/>
+          </a:bodyPr>
+          <a:lstStyle/>
+          <a:p>
+            <a:pPr algn="ctr"/>
+            <a:r>
+              <a:rPr lang="en-US" sz="2100" dirty="0"/>
+              <a:t>Average Classification Accuracy Over Random Samples</a:t>
+            </a:r>
+          </a:p>
+        </p:txBody>
+      </p:sp>
+      <p:pic>
+        <p:nvPicPr>
+          <p:cNvPr id="5" name="Content Placeholder 4">
+            <a:extLst>
+              <a:ext uri="{FF2B5EF4-FFF2-40B4-BE49-F238E27FC236}">
+                <a16:creationId xmlns:a16="http://schemas.microsoft.com/office/drawing/2014/main" id="{F384DFCE-6E43-1244-921B-0CE6CED9710B}"/>
+              </a:ext>
+            </a:extLst>
+          </p:cNvPr>
+          <p:cNvPicPr>
+            <a:picLocks noGrp="1" noChangeAspect="1"/>
+          </p:cNvPicPr>
+          <p:nvPr>
+            <p:ph idx="1"/>
+          </p:nvPr>
+        </p:nvPicPr>
+        <p:blipFill>
+          <a:blip r:embed="rId2"/>
+          <a:stretch>
+            <a:fillRect/>
+          </a:stretch>
+        </p:blipFill>
+        <p:spPr>
+          <a:xfrm>
+            <a:off x="163113" y="735107"/>
+            <a:ext cx="8829652" cy="5644238"/>
+          </a:xfrm>
+        </p:spPr>
+      </p:pic>
+    </p:spTree>
+    <p:extLst>
+      <p:ext uri="{BB962C8B-B14F-4D97-AF65-F5344CB8AC3E}">
+        <p14:creationId xmlns:p14="http://schemas.microsoft.com/office/powerpoint/2010/main" val="1366358147"/>
+      </p:ext>
+    </p:extLst>
+  </p:cSld>
+  <p:clrMapOvr>
+    <a:masterClrMapping/>
+  </p:clrMapOvr>
+</p:sld>
+</file>
+
+<file path=ppt/slides/slide15.xml><?xml version="1.0" encoding="utf-8"?>
+<p:sld xmlns:a="http://schemas.openxmlformats.org/drawingml/2006/main" xmlns:r="http://schemas.openxmlformats.org/officeDocument/2006/relationships" xmlns:p="http://schemas.openxmlformats.org/presentationml/2006/main">
+  <p:cSld>
+    <p:spTree>
+      <p:nvGrpSpPr>
+        <p:cNvPr id="1" name=""/>
+        <p:cNvGrpSpPr/>
+        <p:nvPr/>
+      </p:nvGrpSpPr>
+      <p:grpSpPr>
+        <a:xfrm>
+          <a:off x="0" y="0"/>
+          <a:ext cx="0" cy="0"/>
+          <a:chOff x="0" y="0"/>
+          <a:chExt cx="0" cy="0"/>
+        </a:xfrm>
+      </p:grpSpPr>
+      <p:sp>
+        <p:nvSpPr>
+          <p:cNvPr id="2" name="Title 1">
+            <a:extLst>
+              <a:ext uri="{FF2B5EF4-FFF2-40B4-BE49-F238E27FC236}">
+                <a16:creationId xmlns:a16="http://schemas.microsoft.com/office/drawing/2014/main" id="{26E56476-A674-654E-B4B7-65253993AB47}"/>
+              </a:ext>
+            </a:extLst>
+          </p:cNvPr>
+          <p:cNvSpPr>
+            <a:spLocks noGrp="1"/>
+          </p:cNvSpPr>
+          <p:nvPr>
+            <p:ph type="title"/>
+          </p:nvPr>
+        </p:nvSpPr>
+        <p:spPr>
+          <a:xfrm>
+            <a:off x="1012751" y="111133"/>
+            <a:ext cx="7118498" cy="403899"/>
+          </a:xfrm>
+        </p:spPr>
+        <p:txBody>
+          <a:bodyPr>
+            <a:normAutofit fontScale="90000"/>
+          </a:bodyPr>
+          <a:lstStyle/>
+          <a:p>
+            <a:pPr algn="ctr"/>
+            <a:r>
+              <a:rPr lang="en-US" sz="2100" dirty="0"/>
+              <a:t>Percent Change in Classification Accuracy Over Time Change</a:t>
+            </a:r>
+          </a:p>
+        </p:txBody>
+      </p:sp>
+      <p:pic>
+        <p:nvPicPr>
+          <p:cNvPr id="5" name="Content Placeholder 4">
+            <a:extLst>
+              <a:ext uri="{FF2B5EF4-FFF2-40B4-BE49-F238E27FC236}">
+                <a16:creationId xmlns:a16="http://schemas.microsoft.com/office/drawing/2014/main" id="{10A39D63-9963-F144-84AF-C9C29230CA81}"/>
+              </a:ext>
+            </a:extLst>
+          </p:cNvPr>
+          <p:cNvPicPr>
+            <a:picLocks noGrp="1" noChangeAspect="1"/>
+          </p:cNvPicPr>
+          <p:nvPr>
+            <p:ph idx="1"/>
+          </p:nvPr>
+        </p:nvPicPr>
+        <p:blipFill>
+          <a:blip r:embed="rId2"/>
+          <a:stretch>
+            <a:fillRect/>
+          </a:stretch>
+        </p:blipFill>
+        <p:spPr>
+          <a:xfrm>
+            <a:off x="131886" y="645460"/>
+            <a:ext cx="8880336" cy="5835516"/>
+          </a:xfrm>
+        </p:spPr>
+      </p:pic>
+    </p:spTree>
+    <p:extLst>
+      <p:ext uri="{BB962C8B-B14F-4D97-AF65-F5344CB8AC3E}">
+        <p14:creationId xmlns:p14="http://schemas.microsoft.com/office/powerpoint/2010/main" val="1941107916"/>
+      </p:ext>
+    </p:extLst>
+  </p:cSld>
+  <p:clrMapOvr>
+    <a:masterClrMapping/>
+  </p:clrMapOvr>
+</p:sld>
+</file>
+
+<file path=ppt/slides/slide16.xml><?xml version="1.0" encoding="utf-8"?>
+<p:sld xmlns:a="http://schemas.openxmlformats.org/drawingml/2006/main" xmlns:r="http://schemas.openxmlformats.org/officeDocument/2006/relationships" xmlns:p="http://schemas.openxmlformats.org/presentationml/2006/main">
+  <p:cSld>
+    <p:spTree>
+      <p:nvGrpSpPr>
+        <p:cNvPr id="1" name=""/>
+        <p:cNvGrpSpPr/>
+        <p:nvPr/>
+      </p:nvGrpSpPr>
+      <p:grpSpPr>
+        <a:xfrm>
+          <a:off x="0" y="0"/>
+          <a:ext cx="0" cy="0"/>
+          <a:chOff x="0" y="0"/>
+          <a:chExt cx="0" cy="0"/>
+        </a:xfrm>
+      </p:grpSpPr>
+      <p:sp>
+        <p:nvSpPr>
+          <p:cNvPr id="2" name="Title 1"/>
+          <p:cNvSpPr>
+            <a:spLocks noGrp="1"/>
+          </p:cNvSpPr>
+          <p:nvPr>
+            <p:ph type="title"/>
+          </p:nvPr>
+        </p:nvSpPr>
+        <p:spPr/>
+        <p:txBody>
+          <a:bodyPr/>
+          <a:lstStyle/>
+          <a:p>
+            <a:endParaRPr lang="en-US"/>
+          </a:p>
+        </p:txBody>
+      </p:sp>
+      <p:sp>
+        <p:nvSpPr>
+          <p:cNvPr id="3" name="Content Placeholder 2"/>
+          <p:cNvSpPr>
+            <a:spLocks noGrp="1"/>
+          </p:cNvSpPr>
+          <p:nvPr>
+            <p:ph idx="1"/>
+          </p:nvPr>
+        </p:nvSpPr>
+        <p:spPr/>
+        <p:txBody>
+          <a:bodyPr/>
+          <a:lstStyle/>
+          <a:p>
+            <a:endParaRPr lang="en-US"/>
+          </a:p>
+        </p:txBody>
+      </p:sp>
+    </p:spTree>
+    <p:extLst>
+      <p:ext uri="{BB962C8B-B14F-4D97-AF65-F5344CB8AC3E}">
+        <p14:creationId xmlns:p14="http://schemas.microsoft.com/office/powerpoint/2010/main" val="3904099069"/>
+      </p:ext>
+    </p:extLst>
+  </p:cSld>
+  <p:clrMapOvr>
+    <a:masterClrMapping/>
+  </p:clrMapOvr>
+</p:sld>
+</file>
+
+<file path=ppt/slides/slide17.xml><?xml version="1.0" encoding="utf-8"?>
+<p:sld xmlns:a="http://schemas.openxmlformats.org/drawingml/2006/main" xmlns:r="http://schemas.openxmlformats.org/officeDocument/2006/relationships" xmlns:p="http://schemas.openxmlformats.org/presentationml/2006/main">
+  <p:cSld>
+    <p:spTree>
+      <p:nvGrpSpPr>
+        <p:cNvPr id="1" name=""/>
+        <p:cNvGrpSpPr/>
+        <p:nvPr/>
+      </p:nvGrpSpPr>
+      <p:grpSpPr>
+        <a:xfrm>
+          <a:off x="0" y="0"/>
+          <a:ext cx="0" cy="0"/>
+          <a:chOff x="0" y="0"/>
+          <a:chExt cx="0" cy="0"/>
+        </a:xfrm>
+      </p:grpSpPr>
+      <p:sp>
+        <p:nvSpPr>
           <p:cNvPr id="2" name="Title 1"/>
           <p:cNvSpPr>
             <a:spLocks noGrp="1"/>
@@ -4594,7 +4996,7 @@
 </p:sld>
 </file>
 
-<file path=ppt/slides/slide14.xml><?xml version="1.0" encoding="utf-8"?>
+<file path=ppt/slides/slide18.xml><?xml version="1.0" encoding="utf-8"?>
 <p:sld xmlns:a="http://schemas.openxmlformats.org/drawingml/2006/main" xmlns:r="http://schemas.openxmlformats.org/officeDocument/2006/relationships" xmlns:p="http://schemas.openxmlformats.org/presentationml/2006/main">
   <p:cSld>
     <p:spTree>
@@ -4738,27 +5140,6 @@
           </a:bodyPr>
           <a:lstStyle/>
           <a:p>
-            <a:r>
-              <a:rPr lang="en-US" b="1" dirty="0">
-                <a:ln w="18415" cmpd="sng">
-                  <a:solidFill>
-                    <a:srgbClr val="FFFFFF"/>
-                  </a:solidFill>
-                  <a:prstDash val="solid"/>
-                </a:ln>
-                <a:solidFill>
-                  <a:srgbClr val="FFFFFF"/>
-                </a:solidFill>
-                <a:effectLst>
-                  <a:outerShdw blurRad="63500" dir="3600000" algn="tl" rotWithShape="0">
-                    <a:srgbClr val="000000">
-                      <a:alpha val="70000"/>
-                    </a:srgbClr>
-                  </a:outerShdw>
-                </a:effectLst>
-              </a:rPr>
-              <a:t/>
-            </a:r>
             <a:br>
               <a:rPr lang="en-US" b="1" dirty="0">
                 <a:ln w="18415" cmpd="sng">
@@ -4779,27 +5160,6 @@
                 </a:effectLst>
               </a:rPr>
             </a:br>
-            <a:r>
-              <a:rPr lang="en-US" b="1" dirty="0">
-                <a:ln w="18415" cmpd="sng">
-                  <a:solidFill>
-                    <a:srgbClr val="FFFFFF"/>
-                  </a:solidFill>
-                  <a:prstDash val="solid"/>
-                </a:ln>
-                <a:solidFill>
-                  <a:srgbClr val="FFFFFF"/>
-                </a:solidFill>
-                <a:effectLst>
-                  <a:outerShdw blurRad="63500" dir="3600000" algn="tl" rotWithShape="0">
-                    <a:srgbClr val="000000">
-                      <a:alpha val="70000"/>
-                    </a:srgbClr>
-                  </a:outerShdw>
-                </a:effectLst>
-              </a:rPr>
-              <a:t/>
-            </a:r>
             <a:br>
               <a:rPr lang="en-US" b="1" dirty="0">
                 <a:ln w="18415" cmpd="sng">
@@ -5012,7 +5372,7 @@
           <p:cNvPr id="5" name="Picture 4">
             <a:extLst>
               <a:ext uri="{FF2B5EF4-FFF2-40B4-BE49-F238E27FC236}">
-                <a16:creationId xmlns:a16="http://schemas.microsoft.com/office/drawing/2014/main" xmlns="" id="{A433D14E-3BC4-304C-A1DB-ADC468E2FCE0}"/>
+                <a16:creationId xmlns:a16="http://schemas.microsoft.com/office/drawing/2014/main" id="{A433D14E-3BC4-304C-A1DB-ADC468E2FCE0}"/>
               </a:ext>
             </a:extLst>
           </p:cNvPr>
@@ -5072,7 +5432,7 @@
           <p:cNvPr id="6" name="Picture 5">
             <a:extLst>
               <a:ext uri="{FF2B5EF4-FFF2-40B4-BE49-F238E27FC236}">
-                <a16:creationId xmlns:a16="http://schemas.microsoft.com/office/drawing/2014/main" xmlns="" id="{E952F46A-D4BD-BA46-9A2D-D99140DA4CB3}"/>
+                <a16:creationId xmlns:a16="http://schemas.microsoft.com/office/drawing/2014/main" id="{E952F46A-D4BD-BA46-9A2D-D99140DA4CB3}"/>
               </a:ext>
             </a:extLst>
           </p:cNvPr>
@@ -5132,7 +5492,7 @@
           <p:cNvPr id="5" name="Picture 4">
             <a:extLst>
               <a:ext uri="{FF2B5EF4-FFF2-40B4-BE49-F238E27FC236}">
-                <a16:creationId xmlns:a16="http://schemas.microsoft.com/office/drawing/2014/main" xmlns="" id="{4CB0DDDC-EC9C-204F-A1C6-A3CE9D25200B}"/>
+                <a16:creationId xmlns:a16="http://schemas.microsoft.com/office/drawing/2014/main" id="{4CB0DDDC-EC9C-204F-A1C6-A3CE9D25200B}"/>
               </a:ext>
             </a:extLst>
           </p:cNvPr>
@@ -5192,7 +5552,7 @@
           <p:cNvPr id="5" name="Picture 4">
             <a:extLst>
               <a:ext uri="{FF2B5EF4-FFF2-40B4-BE49-F238E27FC236}">
-                <a16:creationId xmlns:a16="http://schemas.microsoft.com/office/drawing/2014/main" xmlns="" id="{7A918B01-97D6-3141-870A-9BEBAC978982}"/>
+                <a16:creationId xmlns:a16="http://schemas.microsoft.com/office/drawing/2014/main" id="{7A918B01-97D6-3141-870A-9BEBAC978982}"/>
               </a:ext>
             </a:extLst>
           </p:cNvPr>
@@ -5252,7 +5612,7 @@
           <p:cNvPr id="5" name="Picture 4">
             <a:extLst>
               <a:ext uri="{FF2B5EF4-FFF2-40B4-BE49-F238E27FC236}">
-                <a16:creationId xmlns:a16="http://schemas.microsoft.com/office/drawing/2014/main" xmlns="" id="{03AF33C2-6F2F-4645-91D3-336F02BCDE4A}"/>
+                <a16:creationId xmlns:a16="http://schemas.microsoft.com/office/drawing/2014/main" id="{03AF33C2-6F2F-4645-91D3-336F02BCDE4A}"/>
               </a:ext>
             </a:extLst>
           </p:cNvPr>
@@ -5415,7 +5775,7 @@
           </a:lstStyle>
           <a:p>
             <a:r>
-              <a:rPr lang="en-US" smtClean="0">
+              <a:rPr lang="en-US">
                 <a:ln w="18415" cmpd="sng">
                   <a:solidFill>
                     <a:srgbClr val="FFFFFF"/>
@@ -5616,7 +5976,7 @@
           </a:lstStyle>
           <a:p>
             <a:r>
-              <a:rPr lang="en-US" smtClean="0">
+              <a:rPr lang="en-US">
                 <a:ln w="18415" cmpd="sng">
                   <a:solidFill>
                     <a:srgbClr val="FFFFFF"/>
@@ -5637,7 +5997,7 @@
               <a:t>Interpolated missing  </a:t>
             </a:r>
             <a:r>
-              <a:rPr lang="en-US" i="1" smtClean="0">
+              <a:rPr lang="en-US" i="1">
                 <a:ln w="18415" cmpd="sng">
                   <a:solidFill>
                     <a:srgbClr val="FFFFFF"/>
@@ -5658,7 +6018,7 @@
               <a:t>x</a:t>
             </a:r>
             <a:r>
-              <a:rPr lang="en-US" i="1" baseline="-25000" smtClean="0">
+              <a:rPr lang="en-US" i="1" baseline="-25000">
                 <a:ln w="18415" cmpd="sng">
                   <a:solidFill>
                     <a:srgbClr val="FFFFFF"/>
@@ -5679,7 +6039,7 @@
               <a:t>t</a:t>
             </a:r>
             <a:r>
-              <a:rPr lang="en-US" smtClean="0">
+              <a:rPr lang="en-US">
                 <a:ln w="18415" cmpd="sng">
                   <a:solidFill>
                     <a:srgbClr val="FFFFFF"/>
@@ -5700,7 +6060,7 @@
               <a:t> </a:t>
             </a:r>
             <a:r>
-              <a:rPr lang="en-US" i="1" smtClean="0">
+              <a:rPr lang="en-US" i="1">
                 <a:ln w="18415" cmpd="sng">
                   <a:solidFill>
                     <a:srgbClr val="FFFFFF"/>
@@ -5721,7 +6081,7 @@
               <a:t> </a:t>
             </a:r>
             <a:r>
-              <a:rPr lang="en-US" smtClean="0">
+              <a:rPr lang="en-US">
                 <a:ln w="18415" cmpd="sng">
                   <a:solidFill>
                     <a:srgbClr val="FFFFFF"/>
@@ -5742,7 +6102,7 @@
               <a:t>values where </a:t>
             </a:r>
             <a:r>
-              <a:rPr lang="en-US" i="1" smtClean="0">
+              <a:rPr lang="en-US" i="1">
                 <a:ln w="18415" cmpd="sng">
                   <a:solidFill>
                     <a:srgbClr val="FFFFFF"/>
@@ -5763,7 +6123,7 @@
               <a:t>x</a:t>
             </a:r>
             <a:r>
-              <a:rPr lang="en-US" i="1" baseline="-25000" smtClean="0">
+              <a:rPr lang="en-US" i="1" baseline="-25000">
                 <a:ln w="18415" cmpd="sng">
                   <a:solidFill>
                     <a:srgbClr val="FFFFFF"/>
@@ -5784,7 +6144,7 @@
               <a:t>t-1 </a:t>
             </a:r>
             <a:r>
-              <a:rPr lang="en-US" smtClean="0">
+              <a:rPr lang="en-US">
                 <a:ln w="18415" cmpd="sng">
                   <a:solidFill>
                     <a:srgbClr val="FFFFFF"/>
@@ -5805,7 +6165,7 @@
               <a:t>and </a:t>
             </a:r>
             <a:r>
-              <a:rPr lang="en-US" i="1" smtClean="0">
+              <a:rPr lang="en-US" i="1">
                 <a:ln w="18415" cmpd="sng">
                   <a:solidFill>
                     <a:srgbClr val="FFFFFF"/>
@@ -5826,7 +6186,7 @@
               <a:t>x</a:t>
             </a:r>
             <a:r>
-              <a:rPr lang="en-US" i="1" baseline="-25000" smtClean="0">
+              <a:rPr lang="en-US" i="1" baseline="-25000">
                 <a:ln w="18415" cmpd="sng">
                   <a:solidFill>
                     <a:srgbClr val="FFFFFF"/>
@@ -5847,7 +6207,7 @@
               <a:t>t+1 </a:t>
             </a:r>
             <a:r>
-              <a:rPr lang="en-US" smtClean="0">
+              <a:rPr lang="en-US">
                 <a:ln w="18415" cmpd="sng">
                   <a:solidFill>
                     <a:srgbClr val="FFFFFF"/>
@@ -5870,7 +6230,7 @@
           </a:p>
           <a:p>
             <a:r>
-              <a:rPr lang="en-US" smtClean="0">
+              <a:rPr lang="en-US">
                 <a:ln w="18415" cmpd="sng">
                   <a:solidFill>
                     <a:srgbClr val="FFFFFF"/>
@@ -5891,7 +6251,7 @@
               <a:t>Created variables for previous hourly readings </a:t>
             </a:r>
             <a:r>
-              <a:rPr lang="en-US" i="1" smtClean="0">
+              <a:rPr lang="en-US" i="1">
                 <a:ln w="18415" cmpd="sng">
                   <a:solidFill>
                     <a:srgbClr val="FFFFFF"/>
@@ -5912,7 +6272,7 @@
               <a:t>at t</a:t>
             </a:r>
             <a:r>
-              <a:rPr lang="en-US" i="1" baseline="-25000" smtClean="0">
+              <a:rPr lang="en-US" i="1" baseline="-25000">
                 <a:ln w="18415" cmpd="sng">
                   <a:solidFill>
                     <a:srgbClr val="FFFFFF"/>
@@ -5933,7 +6293,7 @@
               <a:t>0</a:t>
             </a:r>
             <a:r>
-              <a:rPr lang="en-US" i="1" smtClean="0">
+              <a:rPr lang="en-US" i="1">
                 <a:ln w="18415" cmpd="sng">
                   <a:solidFill>
                     <a:srgbClr val="FFFFFF"/>
@@ -5954,7 +6314,7 @@
               <a:t>-24,  t</a:t>
             </a:r>
             <a:r>
-              <a:rPr lang="en-US" i="1" baseline="-25000" smtClean="0">
+              <a:rPr lang="en-US" i="1" baseline="-25000">
                 <a:ln w="18415" cmpd="sng">
                   <a:solidFill>
                     <a:srgbClr val="FFFFFF"/>
@@ -5975,7 +6335,7 @@
               <a:t>0</a:t>
             </a:r>
             <a:r>
-              <a:rPr lang="en-US" i="1" smtClean="0">
+              <a:rPr lang="en-US" i="1">
                 <a:ln w="18415" cmpd="sng">
                   <a:solidFill>
                     <a:srgbClr val="FFFFFF"/>
@@ -5996,7 +6356,7 @@
               <a:t>-12,  t</a:t>
             </a:r>
             <a:r>
-              <a:rPr lang="en-US" i="1" baseline="-25000" smtClean="0">
+              <a:rPr lang="en-US" i="1" baseline="-25000">
                 <a:ln w="18415" cmpd="sng">
                   <a:solidFill>
                     <a:srgbClr val="FFFFFF"/>
@@ -6017,7 +6377,7 @@
               <a:t>0</a:t>
             </a:r>
             <a:r>
-              <a:rPr lang="en-US" i="1" smtClean="0">
+              <a:rPr lang="en-US" i="1">
                 <a:ln w="18415" cmpd="sng">
                   <a:solidFill>
                     <a:srgbClr val="FFFFFF"/>
@@ -6038,7 +6398,7 @@
               <a:t>-6, t</a:t>
             </a:r>
             <a:r>
-              <a:rPr lang="en-US" i="1" baseline="-25000" smtClean="0">
+              <a:rPr lang="en-US" i="1" baseline="-25000">
                 <a:ln w="18415" cmpd="sng">
                   <a:solidFill>
                     <a:srgbClr val="FFFFFF"/>
@@ -6059,7 +6419,7 @@
               <a:t>0</a:t>
             </a:r>
             <a:r>
-              <a:rPr lang="en-US" i="1" smtClean="0">
+              <a:rPr lang="en-US" i="1">
                 <a:ln w="18415" cmpd="sng">
                   <a:solidFill>
                     <a:srgbClr val="FFFFFF"/>
@@ -6080,7 +6440,7 @@
               <a:t>-3,  t</a:t>
             </a:r>
             <a:r>
-              <a:rPr lang="en-US" i="1" baseline="-25000" smtClean="0">
+              <a:rPr lang="en-US" i="1" baseline="-25000">
                 <a:ln w="18415" cmpd="sng">
                   <a:solidFill>
                     <a:srgbClr val="FFFFFF"/>
@@ -6101,7 +6461,7 @@
               <a:t>0</a:t>
             </a:r>
             <a:r>
-              <a:rPr lang="en-US" i="1" smtClean="0">
+              <a:rPr lang="en-US" i="1">
                 <a:ln w="18415" cmpd="sng">
                   <a:solidFill>
                     <a:srgbClr val="FFFFFF"/>
@@ -6124,7 +6484,7 @@
           </a:p>
           <a:p>
             <a:r>
-              <a:rPr lang="en-US" smtClean="0">
+              <a:rPr lang="en-US">
                 <a:ln w="18415" cmpd="sng">
                   <a:solidFill>
                     <a:srgbClr val="FFFFFF"/>
@@ -6147,7 +6507,7 @@
           </a:p>
           <a:p>
             <a:r>
-              <a:rPr lang="en-US" smtClean="0">
+              <a:rPr lang="en-US">
                 <a:ln w="18415" cmpd="sng">
                   <a:solidFill>
                     <a:srgbClr val="FFFFFF"/>
@@ -6170,7 +6530,7 @@
           </a:p>
           <a:p>
             <a:r>
-              <a:rPr lang="en-US" smtClean="0">
+              <a:rPr lang="en-US">
                 <a:ln w="18415" cmpd="sng">
                   <a:solidFill>
                     <a:srgbClr val="FFFFFF"/>
@@ -6191,7 +6551,7 @@
               <a:t>Created binary variables for no precipitation/ precipitation at all </a:t>
             </a:r>
             <a:r>
-              <a:rPr lang="en-US" i="1" smtClean="0">
+              <a:rPr lang="en-US" i="1">
                 <a:ln w="18415" cmpd="sng">
                   <a:solidFill>
                     <a:srgbClr val="FFFFFF"/>
@@ -6214,7 +6574,7 @@
           </a:p>
           <a:p>
             <a:r>
-              <a:rPr lang="en-US" smtClean="0">
+              <a:rPr lang="en-US">
                 <a:ln w="18415" cmpd="sng">
                   <a:solidFill>
                     <a:srgbClr val="FFFFFF"/>
@@ -6235,7 +6595,7 @@
               <a:t>Created binary variable for precipitation in the next 24 hours for </a:t>
             </a:r>
             <a:r>
-              <a:rPr lang="en-US" i="1" smtClean="0">
+              <a:rPr lang="en-US" i="1">
                 <a:ln w="18415" cmpd="sng">
                   <a:solidFill>
                     <a:srgbClr val="FFFFFF"/>
@@ -6256,7 +6616,7 @@
               <a:t>t</a:t>
             </a:r>
             <a:r>
-              <a:rPr lang="en-US" i="1" baseline="-25000" smtClean="0">
+              <a:rPr lang="en-US" i="1" baseline="-25000">
                 <a:ln w="18415" cmpd="sng">
                   <a:solidFill>
                     <a:srgbClr val="FFFFFF"/>
@@ -6276,7 +6636,7 @@
               </a:rPr>
               <a:t>0</a:t>
             </a:r>
-            <a:endParaRPr lang="en-US" baseline="-25000" smtClean="0">
+            <a:endParaRPr lang="en-US" baseline="-25000">
               <a:ln w="18415" cmpd="sng">
                 <a:solidFill>
                   <a:srgbClr val="FFFFFF"/>
@@ -6297,7 +6657,7 @@
           </a:p>
           <a:p>
             <a:r>
-              <a:rPr lang="en-US" smtClean="0">
+              <a:rPr lang="en-US">
                 <a:ln w="18415" cmpd="sng">
                   <a:solidFill>
                     <a:srgbClr val="FFFFFF"/>
@@ -6319,20 +6679,20 @@
             </a:r>
           </a:p>
           <a:p>
-            <a:endParaRPr lang="en-US" smtClean="0"/>
+            <a:endParaRPr lang="en-US"/>
           </a:p>
           <a:p>
             <a:pPr marL="0" indent="0">
               <a:buFont typeface="Arial"/>
               <a:buNone/>
             </a:pPr>
-            <a:endParaRPr lang="en-US" smtClean="0"/>
-          </a:p>
-          <a:p>
-            <a:endParaRPr lang="en-US" smtClean="0"/>
-          </a:p>
-          <a:p>
-            <a:endParaRPr lang="en-US" smtClean="0"/>
+            <a:endParaRPr lang="en-US"/>
+          </a:p>
+          <a:p>
+            <a:endParaRPr lang="en-US"/>
+          </a:p>
+          <a:p>
+            <a:endParaRPr lang="en-US"/>
           </a:p>
           <a:p>
             <a:endParaRPr lang="en-US" dirty="0"/>
